--- a/Python guide.pptx
+++ b/Python guide.pptx
@@ -22,14 +22,15 @@
     <p:sldId id="270" r:id="rId16"/>
     <p:sldId id="271" r:id="rId17"/>
     <p:sldId id="272" r:id="rId18"/>
-    <p:sldId id="273" r:id="rId19"/>
-    <p:sldId id="274" r:id="rId20"/>
-    <p:sldId id="281" r:id="rId21"/>
-    <p:sldId id="276" r:id="rId22"/>
-    <p:sldId id="275" r:id="rId23"/>
-    <p:sldId id="277" r:id="rId24"/>
-    <p:sldId id="278" r:id="rId25"/>
-    <p:sldId id="279" r:id="rId26"/>
+    <p:sldId id="283" r:id="rId19"/>
+    <p:sldId id="284" r:id="rId20"/>
+    <p:sldId id="285" r:id="rId21"/>
+    <p:sldId id="275" r:id="rId22"/>
+    <p:sldId id="277" r:id="rId23"/>
+    <p:sldId id="278" r:id="rId24"/>
+    <p:sldId id="279" r:id="rId25"/>
+    <p:sldId id="286" r:id="rId26"/>
+    <p:sldId id="287" r:id="rId27"/>
   </p:sldIdLst>
   <p:sldSz cx="12192000" cy="6858000"/>
   <p:notesSz cx="6858000" cy="9144000"/>
@@ -285,7 +286,7 @@
           <a:p>
             <a:fld id="{C6C399DF-E9CF-4B63-BBDB-445388F7DB9A}" type="datetimeFigureOut">
               <a:rPr lang="en-SG" smtClean="0"/>
-              <a:t>11/12/2019</a:t>
+              <a:t>12/12/2019</a:t>
             </a:fld>
             <a:endParaRPr lang="en-SG" dirty="0"/>
           </a:p>
@@ -485,7 +486,7 @@
           <a:p>
             <a:fld id="{C6C399DF-E9CF-4B63-BBDB-445388F7DB9A}" type="datetimeFigureOut">
               <a:rPr lang="en-SG" smtClean="0"/>
-              <a:t>11/12/2019</a:t>
+              <a:t>12/12/2019</a:t>
             </a:fld>
             <a:endParaRPr lang="en-SG" dirty="0"/>
           </a:p>
@@ -695,7 +696,7 @@
           <a:p>
             <a:fld id="{C6C399DF-E9CF-4B63-BBDB-445388F7DB9A}" type="datetimeFigureOut">
               <a:rPr lang="en-SG" smtClean="0"/>
-              <a:t>11/12/2019</a:t>
+              <a:t>12/12/2019</a:t>
             </a:fld>
             <a:endParaRPr lang="en-SG" dirty="0"/>
           </a:p>
@@ -895,7 +896,7 @@
           <a:p>
             <a:fld id="{C6C399DF-E9CF-4B63-BBDB-445388F7DB9A}" type="datetimeFigureOut">
               <a:rPr lang="en-SG" smtClean="0"/>
-              <a:t>11/12/2019</a:t>
+              <a:t>12/12/2019</a:t>
             </a:fld>
             <a:endParaRPr lang="en-SG" dirty="0"/>
           </a:p>
@@ -1171,7 +1172,7 @@
           <a:p>
             <a:fld id="{C6C399DF-E9CF-4B63-BBDB-445388F7DB9A}" type="datetimeFigureOut">
               <a:rPr lang="en-SG" smtClean="0"/>
-              <a:t>11/12/2019</a:t>
+              <a:t>12/12/2019</a:t>
             </a:fld>
             <a:endParaRPr lang="en-SG" dirty="0"/>
           </a:p>
@@ -1439,7 +1440,7 @@
           <a:p>
             <a:fld id="{C6C399DF-E9CF-4B63-BBDB-445388F7DB9A}" type="datetimeFigureOut">
               <a:rPr lang="en-SG" smtClean="0"/>
-              <a:t>11/12/2019</a:t>
+              <a:t>12/12/2019</a:t>
             </a:fld>
             <a:endParaRPr lang="en-SG" dirty="0"/>
           </a:p>
@@ -1854,7 +1855,7 @@
           <a:p>
             <a:fld id="{C6C399DF-E9CF-4B63-BBDB-445388F7DB9A}" type="datetimeFigureOut">
               <a:rPr lang="en-SG" smtClean="0"/>
-              <a:t>11/12/2019</a:t>
+              <a:t>12/12/2019</a:t>
             </a:fld>
             <a:endParaRPr lang="en-SG" dirty="0"/>
           </a:p>
@@ -1996,7 +1997,7 @@
           <a:p>
             <a:fld id="{C6C399DF-E9CF-4B63-BBDB-445388F7DB9A}" type="datetimeFigureOut">
               <a:rPr lang="en-SG" smtClean="0"/>
-              <a:t>11/12/2019</a:t>
+              <a:t>12/12/2019</a:t>
             </a:fld>
             <a:endParaRPr lang="en-SG" dirty="0"/>
           </a:p>
@@ -2109,7 +2110,7 @@
           <a:p>
             <a:fld id="{C6C399DF-E9CF-4B63-BBDB-445388F7DB9A}" type="datetimeFigureOut">
               <a:rPr lang="en-SG" smtClean="0"/>
-              <a:t>11/12/2019</a:t>
+              <a:t>12/12/2019</a:t>
             </a:fld>
             <a:endParaRPr lang="en-SG" dirty="0"/>
           </a:p>
@@ -2422,7 +2423,7 @@
           <a:p>
             <a:fld id="{C6C399DF-E9CF-4B63-BBDB-445388F7DB9A}" type="datetimeFigureOut">
               <a:rPr lang="en-SG" smtClean="0"/>
-              <a:t>11/12/2019</a:t>
+              <a:t>12/12/2019</a:t>
             </a:fld>
             <a:endParaRPr lang="en-SG" dirty="0"/>
           </a:p>
@@ -2711,7 +2712,7 @@
           <a:p>
             <a:fld id="{C6C399DF-E9CF-4B63-BBDB-445388F7DB9A}" type="datetimeFigureOut">
               <a:rPr lang="en-SG" smtClean="0"/>
-              <a:t>11/12/2019</a:t>
+              <a:t>12/12/2019</a:t>
             </a:fld>
             <a:endParaRPr lang="en-SG" dirty="0"/>
           </a:p>
@@ -2954,7 +2955,7 @@
           <a:p>
             <a:fld id="{C6C399DF-E9CF-4B63-BBDB-445388F7DB9A}" type="datetimeFigureOut">
               <a:rPr lang="en-SG" smtClean="0"/>
-              <a:t>11/12/2019</a:t>
+              <a:t>12/12/2019</a:t>
             </a:fld>
             <a:endParaRPr lang="en-SG" dirty="0"/>
           </a:p>
@@ -5092,7 +5093,7 @@
           <a:p>
             <a:r>
               <a:rPr lang="en-SG" sz="2800" dirty="0"/>
-              <a:t>English statement:		 Pseudocode:		Code:</a:t>
+              <a:t>Problem statement:	Pseudocode:		Code:</a:t>
             </a:r>
           </a:p>
           <a:p>
@@ -5396,7 +5397,37 @@
             </a:pPr>
             <a:r>
               <a:rPr lang="en-SG" sz="1600" dirty="0"/>
-              <a:t>It is 2 o’clock now. If it is 1 o’clock, go to lunch. Otherwise if it is 3 o’clock get some tea. Otherwise keep working. </a:t>
+              <a:t>Today’s plan:</a:t>
+            </a:r>
+          </a:p>
+          <a:p>
+            <a:pPr marL="0" indent="0">
+              <a:buNone/>
+            </a:pPr>
+            <a:endParaRPr lang="en-SG" sz="1600" dirty="0"/>
+          </a:p>
+          <a:p>
+            <a:pPr marL="0" indent="0">
+              <a:buNone/>
+            </a:pPr>
+            <a:r>
+              <a:rPr lang="en-SG" sz="1600" dirty="0"/>
+              <a:t>Go to lunch at 1 o’clock. Get some tea at 3 o’clock. Keep working otherwise.</a:t>
+            </a:r>
+          </a:p>
+          <a:p>
+            <a:pPr marL="0" indent="0">
+              <a:buNone/>
+            </a:pPr>
+            <a:endParaRPr lang="en-SG" sz="1600" dirty="0"/>
+          </a:p>
+          <a:p>
+            <a:pPr marL="0" indent="0">
+              <a:buNone/>
+            </a:pPr>
+            <a:r>
+              <a:rPr lang="en-SG" sz="1600" dirty="0"/>
+              <a:t>Now is 2 o’clock, what should I do?</a:t>
             </a:r>
           </a:p>
         </p:txBody>
@@ -5498,7 +5529,7 @@
         </p:spPr>
         <p:txBody>
           <a:bodyPr>
-            <a:normAutofit fontScale="55000" lnSpcReduction="20000"/>
+            <a:normAutofit fontScale="70000" lnSpcReduction="20000"/>
           </a:bodyPr>
           <a:lstStyle/>
           <a:p>
@@ -5523,7 +5554,7 @@
             </a:pPr>
             <a:r>
               <a:rPr lang="en-SG" dirty="0"/>
-              <a:t>If money is more than 10, print “buy a car”, decrease money by 9.</a:t>
+              <a:t>I have some money and I want to spend it. Either I’ll buy a car ($9) , a bicycle ($5) or simply spend all my money on the most expensive shoes that  I can afford.</a:t>
             </a:r>
           </a:p>
           <a:p>
@@ -5532,31 +5563,7 @@
             </a:pPr>
             <a:r>
               <a:rPr lang="en-SG" dirty="0"/>
-              <a:t>Otherwise If money is between 5 to 10, print “buy a bicycle”, decrease money by 5.</a:t>
-            </a:r>
-          </a:p>
-          <a:p>
-            <a:pPr marL="0" indent="0">
-              <a:buNone/>
-            </a:pPr>
-            <a:r>
-              <a:rPr lang="en-SG" dirty="0"/>
-              <a:t>Otherwise  print “spend all on new shoes”, set money to 0.</a:t>
-            </a:r>
-          </a:p>
-          <a:p>
-            <a:pPr marL="0" indent="0">
-              <a:buNone/>
-            </a:pPr>
-            <a:endParaRPr lang="en-SG" dirty="0"/>
-          </a:p>
-          <a:p>
-            <a:pPr marL="0" indent="0">
-              <a:buNone/>
-            </a:pPr>
-            <a:r>
-              <a:rPr lang="en-SG" dirty="0"/>
-              <a:t>If money is 0, print “I am now broke”. Otherwise “I need to save”.</a:t>
+              <a:t>If I have no more money left, indicate “I am broke”. Otherwise, indicate “I need to save”.</a:t>
             </a:r>
           </a:p>
           <a:p>
@@ -6322,7 +6329,16 @@
           <a:p>
             <a:r>
               <a:rPr lang="en-SG" dirty="0"/>
-              <a:t>Keep a habit of writing pseudocode before writing the actual code. This will help to visualize more complex codes into more familiar language. </a:t>
+              <a:t>Keep a habit of writing pseudocode before writing the actual code. </a:t>
+            </a:r>
+          </a:p>
+          <a:p>
+            <a:endParaRPr lang="en-SG" dirty="0"/>
+          </a:p>
+          <a:p>
+            <a:r>
+              <a:rPr lang="en-SG" dirty="0"/>
+              <a:t>This will help to list out the key important items to be written to your code.</a:t>
             </a:r>
           </a:p>
         </p:txBody>
@@ -6409,8 +6425,8 @@
         </p:nvSpPr>
         <p:spPr>
           <a:xfrm>
-            <a:off x="838200" y="1947134"/>
-            <a:ext cx="5181600" cy="4545739"/>
+            <a:off x="838200" y="3783105"/>
+            <a:ext cx="5181600" cy="2709767"/>
           </a:xfrm>
           <a:ln>
             <a:solidFill>
@@ -6461,8 +6477,33 @@
             </a:pPr>
             <a:r>
               <a:rPr lang="en-SG" sz="1400" dirty="0"/>
-              <a:t>e.g.</a:t>
-            </a:r>
+              <a:t>In </a:t>
+            </a:r>
+            <a:r>
+              <a:rPr lang="en-SG" sz="1400" b="1" dirty="0"/>
+              <a:t>for</a:t>
+            </a:r>
+            <a:r>
+              <a:rPr lang="en-SG" sz="1400" dirty="0"/>
+              <a:t> loop, you </a:t>
+            </a:r>
+            <a:r>
+              <a:rPr lang="en-SG" sz="1400" b="1" dirty="0"/>
+              <a:t>iterate</a:t>
+            </a:r>
+            <a:r>
+              <a:rPr lang="en-SG" sz="1400" dirty="0"/>
+              <a:t> </a:t>
+            </a:r>
+            <a:r>
+              <a:rPr lang="en-SG" sz="1400" b="1" dirty="0"/>
+              <a:t>each item in the collection </a:t>
+            </a:r>
+            <a:r>
+              <a:rPr lang="en-SG" sz="1400" dirty="0"/>
+              <a:t>and perform the given instruction.</a:t>
+            </a:r>
+            <a:endParaRPr lang="en-SG" sz="1400" b="1" dirty="0"/>
           </a:p>
           <a:p>
             <a:pPr marL="0" indent="0">
@@ -6475,8 +6516,8 @@
               <a:buNone/>
             </a:pPr>
             <a:r>
-              <a:rPr lang="en-SG" sz="1400" dirty="0"/>
-              <a:t>Given varieties of balls, print “throw the &lt;ball&gt;” using each of the balls.</a:t>
+              <a:rPr lang="en-SG" sz="1400" b="1" u="sng" dirty="0"/>
+              <a:t>Pseudocode</a:t>
             </a:r>
           </a:p>
           <a:p>
@@ -6491,7 +6532,23 @@
             </a:pPr>
             <a:r>
               <a:rPr lang="en-SG" sz="1400" dirty="0"/>
-              <a:t>Sample output:</a:t>
+              <a:t>basket contains ['</a:t>
+            </a:r>
+            <a:r>
+              <a:rPr lang="en-SG" sz="1400" dirty="0" err="1"/>
+              <a:t>basketball','tennis</a:t>
+            </a:r>
+            <a:r>
+              <a:rPr lang="en-SG" sz="1400" dirty="0"/>
+              <a:t> </a:t>
+            </a:r>
+            <a:r>
+              <a:rPr lang="en-SG" sz="1400" dirty="0" err="1"/>
+              <a:t>ball','golf</a:t>
+            </a:r>
+            <a:r>
+              <a:rPr lang="en-SG" sz="1400" dirty="0"/>
+              <a:t> ball']</a:t>
             </a:r>
           </a:p>
           <a:p>
@@ -6504,7 +6561,10 @@
               </a:spcBef>
               <a:buNone/>
             </a:pPr>
-            <a:endParaRPr lang="en-SG" sz="1400" dirty="0"/>
+            <a:r>
+              <a:rPr lang="en-SG" sz="1400" dirty="0"/>
+              <a:t>for each balls in the basket,</a:t>
+            </a:r>
           </a:p>
           <a:p>
             <a:pPr marL="0" indent="0">
@@ -6516,7 +6576,10 @@
               </a:spcBef>
               <a:buNone/>
             </a:pPr>
-            <a:endParaRPr lang="en-SG" sz="1200" dirty="0"/>
+            <a:r>
+              <a:rPr lang="en-SG" sz="1400" dirty="0"/>
+              <a:t>	print "throw the ball“</a:t>
+            </a:r>
           </a:p>
           <a:p>
             <a:pPr marL="0" indent="0">
@@ -6529,8 +6592,8 @@
               <a:buNone/>
             </a:pPr>
             <a:r>
-              <a:rPr lang="en-SG" sz="1400" b="1" dirty="0"/>
-              <a:t>Pseudocode</a:t>
+              <a:rPr lang="en-SG" sz="1400" b="1" u="sng" dirty="0"/>
+              <a:t>Code with for loop:</a:t>
             </a:r>
           </a:p>
           <a:p>
@@ -6543,137 +6606,7 @@
               </a:spcBef>
               <a:buNone/>
             </a:pPr>
-            <a:r>
-              <a:rPr lang="en-SG" sz="1400" dirty="0"/>
-              <a:t>basket contains ['</a:t>
-            </a:r>
-            <a:r>
-              <a:rPr lang="en-SG" sz="1400" dirty="0" err="1"/>
-              <a:t>basketball','tennis</a:t>
-            </a:r>
-            <a:r>
-              <a:rPr lang="en-SG" sz="1400" dirty="0"/>
-              <a:t> </a:t>
-            </a:r>
-            <a:r>
-              <a:rPr lang="en-SG" sz="1400" dirty="0" err="1"/>
-              <a:t>ball','golf</a:t>
-            </a:r>
-            <a:r>
-              <a:rPr lang="en-SG" sz="1400" dirty="0"/>
-              <a:t> ball']</a:t>
-            </a:r>
-          </a:p>
-          <a:p>
-            <a:pPr marL="0" indent="0">
-              <a:lnSpc>
-                <a:spcPct val="100000"/>
-              </a:lnSpc>
-              <a:spcBef>
-                <a:spcPts val="0"/>
-              </a:spcBef>
-              <a:buNone/>
-            </a:pPr>
-            <a:r>
-              <a:rPr lang="en-SG" sz="1400" dirty="0"/>
-              <a:t>for each balls in the basket,</a:t>
-            </a:r>
-          </a:p>
-          <a:p>
-            <a:pPr marL="0" indent="0">
-              <a:lnSpc>
-                <a:spcPct val="100000"/>
-              </a:lnSpc>
-              <a:spcBef>
-                <a:spcPts val="0"/>
-              </a:spcBef>
-              <a:buNone/>
-            </a:pPr>
-            <a:r>
-              <a:rPr lang="en-SG" sz="1400" dirty="0"/>
-              <a:t>	print "throw the ball“</a:t>
-            </a:r>
-          </a:p>
-          <a:p>
-            <a:pPr marL="0" indent="0">
-              <a:lnSpc>
-                <a:spcPct val="100000"/>
-              </a:lnSpc>
-              <a:spcBef>
-                <a:spcPts val="0"/>
-              </a:spcBef>
-              <a:buNone/>
-            </a:pPr>
-            <a:endParaRPr lang="en-SG" sz="1400" dirty="0"/>
-          </a:p>
-          <a:p>
-            <a:pPr marL="0" indent="0">
-              <a:lnSpc>
-                <a:spcPct val="100000"/>
-              </a:lnSpc>
-              <a:spcBef>
-                <a:spcPts val="0"/>
-              </a:spcBef>
-              <a:buNone/>
-            </a:pPr>
-            <a:r>
-              <a:rPr lang="en-SG" sz="1400" b="1" dirty="0"/>
-              <a:t>Code with</a:t>
-            </a:r>
-          </a:p>
-          <a:p>
-            <a:pPr marL="0" indent="0">
-              <a:lnSpc>
-                <a:spcPct val="100000"/>
-              </a:lnSpc>
-              <a:spcBef>
-                <a:spcPts val="0"/>
-              </a:spcBef>
-              <a:buNone/>
-            </a:pPr>
-            <a:r>
-              <a:rPr lang="en-SG" sz="1400" b="1" dirty="0"/>
-              <a:t>for loop:</a:t>
-            </a:r>
-          </a:p>
-          <a:p>
-            <a:pPr marL="0" indent="0">
-              <a:lnSpc>
-                <a:spcPct val="100000"/>
-              </a:lnSpc>
-              <a:spcBef>
-                <a:spcPts val="0"/>
-              </a:spcBef>
-              <a:buNone/>
-            </a:pPr>
             <a:endParaRPr lang="en-SG" sz="1800" dirty="0"/>
-          </a:p>
-          <a:p>
-            <a:pPr marL="0" indent="0">
-              <a:lnSpc>
-                <a:spcPct val="100000"/>
-              </a:lnSpc>
-              <a:spcBef>
-                <a:spcPts val="0"/>
-              </a:spcBef>
-              <a:buNone/>
-            </a:pPr>
-            <a:endParaRPr lang="en-SG" sz="1000" dirty="0"/>
-          </a:p>
-          <a:p>
-            <a:pPr marL="0" indent="0">
-              <a:lnSpc>
-                <a:spcPct val="100000"/>
-              </a:lnSpc>
-              <a:spcBef>
-                <a:spcPts val="0"/>
-              </a:spcBef>
-              <a:buNone/>
-            </a:pPr>
-            <a:r>
-              <a:rPr lang="en-SG" sz="1400" b="1" dirty="0"/>
-              <a:t>Code without for loop: </a:t>
-            </a:r>
           </a:p>
           <a:p>
             <a:pPr marL="0" indent="0">
@@ -6719,8 +6652,8 @@
         </p:nvSpPr>
         <p:spPr>
           <a:xfrm>
-            <a:off x="6172200" y="1947133"/>
-            <a:ext cx="5181600" cy="4545741"/>
+            <a:off x="6172200" y="3783105"/>
+            <a:ext cx="5181600" cy="2709769"/>
           </a:xfrm>
           <a:ln>
             <a:solidFill>
@@ -6757,7 +6690,7 @@
               </a:rPr>
               <a:t>https://www.w3schools.com/python/python_while_loops.asp</a:t>
             </a:r>
-            <a:endParaRPr lang="en-SG" sz="1100" dirty="0"/>
+            <a:endParaRPr lang="en-SG" sz="1400" dirty="0"/>
           </a:p>
           <a:p>
             <a:pPr marL="0" indent="0">
@@ -6771,7 +6704,15 @@
             </a:pPr>
             <a:r>
               <a:rPr lang="en-SG" sz="1400" dirty="0"/>
-              <a:t>e.g.</a:t>
+              <a:t>In while loop, perform the given instruction </a:t>
+            </a:r>
+            <a:r>
+              <a:rPr lang="en-SG" sz="1400" b="1" dirty="0"/>
+              <a:t>while the condition is fulfilled</a:t>
+            </a:r>
+            <a:r>
+              <a:rPr lang="en-SG" sz="1400" dirty="0"/>
+              <a:t> (True).</a:t>
             </a:r>
           </a:p>
           <a:p>
@@ -6785,8 +6726,39 @@
               <a:buNone/>
             </a:pPr>
             <a:r>
+              <a:rPr lang="en-SG" sz="1400" b="1" u="sng" dirty="0"/>
+              <a:t>Pseudocode</a:t>
+            </a:r>
+          </a:p>
+          <a:p>
+            <a:pPr marL="0" indent="0">
+              <a:lnSpc>
+                <a:spcPct val="100000"/>
+              </a:lnSpc>
+              <a:spcBef>
+                <a:spcPts val="0"/>
+              </a:spcBef>
+              <a:buNone/>
+            </a:pPr>
+            <a:r>
               <a:rPr lang="en-SG" sz="1400" dirty="0"/>
-              <a:t>Now is 1 o’clock. Check every hour, if it is before 3 o’clock, print “keep working”. Sample output: </a:t>
+              <a:t>basket contains ['</a:t>
+            </a:r>
+            <a:r>
+              <a:rPr lang="en-SG" sz="1400" dirty="0" err="1"/>
+              <a:t>basketball','tennis</a:t>
+            </a:r>
+            <a:r>
+              <a:rPr lang="en-SG" sz="1400" dirty="0"/>
+              <a:t> </a:t>
+            </a:r>
+            <a:r>
+              <a:rPr lang="en-SG" sz="1400" dirty="0" err="1"/>
+              <a:t>ball','golf</a:t>
+            </a:r>
+            <a:r>
+              <a:rPr lang="en-SG" sz="1400" dirty="0"/>
+              <a:t> ball’]</a:t>
             </a:r>
           </a:p>
           <a:p>
@@ -6799,7 +6771,10 @@
               </a:spcBef>
               <a:buNone/>
             </a:pPr>
-            <a:endParaRPr lang="en-SG" sz="1400" dirty="0"/>
+            <a:r>
+              <a:rPr lang="en-SG" sz="1400" dirty="0"/>
+              <a:t>While I have ball in basket:</a:t>
+            </a:r>
           </a:p>
           <a:p>
             <a:pPr marL="0" indent="0">
@@ -6812,9 +6787,10 @@
               <a:buNone/>
             </a:pPr>
             <a:r>
-              <a:rPr lang="en-SG" sz="1400" b="1" dirty="0"/>
-              <a:t>Pseudocode</a:t>
-            </a:r>
+              <a:rPr lang="en-SG" sz="1400" dirty="0"/>
+              <a:t>	take one ball and print “Throw the ball”</a:t>
+            </a:r>
+            <a:endParaRPr lang="en-SG" sz="1050" dirty="0"/>
           </a:p>
           <a:p>
             <a:pPr marL="0" indent="0">
@@ -6827,78 +6803,9 @@
               <a:buNone/>
             </a:pPr>
             <a:r>
-              <a:rPr lang="en-SG" sz="1400" dirty="0"/>
-              <a:t>Time is 1o’clock</a:t>
-            </a:r>
-          </a:p>
-          <a:p>
-            <a:pPr marL="0" indent="0">
-              <a:lnSpc>
-                <a:spcPct val="120000"/>
-              </a:lnSpc>
-              <a:spcBef>
-                <a:spcPts val="0"/>
-              </a:spcBef>
-              <a:buNone/>
-            </a:pPr>
-            <a:r>
-              <a:rPr lang="en-SG" sz="1400" dirty="0"/>
-              <a:t>While it is not yet 3 o’clock, </a:t>
-            </a:r>
-          </a:p>
-          <a:p>
-            <a:pPr marL="0" indent="0">
-              <a:lnSpc>
-                <a:spcPct val="120000"/>
-              </a:lnSpc>
-              <a:spcBef>
-                <a:spcPts val="0"/>
-              </a:spcBef>
-              <a:buNone/>
-            </a:pPr>
-            <a:r>
-              <a:rPr lang="en-SG" sz="1400" dirty="0"/>
-              <a:t>	print keep working. Check the next hour.</a:t>
-            </a:r>
-          </a:p>
-          <a:p>
-            <a:pPr marL="0" indent="0">
-              <a:lnSpc>
-                <a:spcPct val="120000"/>
-              </a:lnSpc>
-              <a:spcBef>
-                <a:spcPts val="0"/>
-              </a:spcBef>
-              <a:buNone/>
-            </a:pPr>
-            <a:endParaRPr lang="en-SG" sz="1050" dirty="0"/>
-          </a:p>
-          <a:p>
-            <a:pPr marL="0" indent="0">
-              <a:lnSpc>
-                <a:spcPct val="120000"/>
-              </a:lnSpc>
-              <a:spcBef>
-                <a:spcPts val="0"/>
-              </a:spcBef>
-              <a:buNone/>
-            </a:pPr>
-            <a:r>
-              <a:rPr lang="en-SG" sz="1400" b="1" dirty="0"/>
-              <a:t>Code with while loop:		Code without while loop:</a:t>
-            </a:r>
-          </a:p>
-          <a:p>
-            <a:pPr marL="0" indent="0">
-              <a:lnSpc>
-                <a:spcPct val="120000"/>
-              </a:lnSpc>
-              <a:spcBef>
-                <a:spcPts val="0"/>
-              </a:spcBef>
-              <a:buNone/>
-            </a:pPr>
-            <a:endParaRPr lang="en-SG" sz="1400" dirty="0"/>
+              <a:rPr lang="en-SG" sz="1400" b="1" u="sng" dirty="0"/>
+              <a:t>Code with while loop:</a:t>
+            </a:r>
           </a:p>
           <a:p>
             <a:pPr marL="0" indent="0">
@@ -6985,8 +6892,38 @@
           <a:p>
             <a:r>
               <a:rPr lang="en-SG" dirty="0"/>
-              <a:t>Refer to the link provided for the definition.</a:t>
-            </a:r>
+              <a:t>Consider the problem statement: Given different variety of balls, throw the ball.</a:t>
+            </a:r>
+          </a:p>
+          <a:p>
+            <a:r>
+              <a:rPr lang="en-SG" dirty="0"/>
+              <a:t>Sample output:</a:t>
+            </a:r>
+          </a:p>
+          <a:p>
+            <a:endParaRPr lang="en-SG" sz="2000" dirty="0"/>
+          </a:p>
+          <a:p>
+            <a:r>
+              <a:rPr lang="en-SG" dirty="0"/>
+              <a:t>Code without loop:					</a:t>
+            </a:r>
+          </a:p>
+          <a:p>
+            <a:r>
+              <a:rPr lang="en-SG" dirty="0"/>
+              <a:t>						But consider if you have 100 different type of balls.</a:t>
+            </a:r>
+          </a:p>
+          <a:p>
+            <a:r>
+              <a:rPr lang="en-SG" dirty="0"/>
+              <a:t>						This code will become extremely long.</a:t>
+            </a:r>
+          </a:p>
+          <a:p>
+            <a:endParaRPr lang="en-SG" dirty="0"/>
           </a:p>
         </p:txBody>
       </p:sp>
@@ -7012,7 +6949,7 @@
         </p:blipFill>
         <p:spPr>
           <a:xfrm>
-            <a:off x="1790700" y="4671106"/>
+            <a:off x="948019" y="5771886"/>
             <a:ext cx="4229100" cy="514350"/>
           </a:xfrm>
           <a:prstGeom prst="rect">
@@ -7047,7 +6984,7 @@
         </p:blipFill>
         <p:spPr>
           <a:xfrm>
-            <a:off x="2125868" y="2814160"/>
+            <a:off x="2458738" y="1951714"/>
             <a:ext cx="1940523" cy="549529"/>
           </a:xfrm>
           <a:prstGeom prst="rect">
@@ -7077,7 +7014,7 @@
         </p:blipFill>
         <p:spPr>
           <a:xfrm>
-            <a:off x="2714457" y="5330613"/>
+            <a:off x="2782587" y="2561044"/>
             <a:ext cx="2703868" cy="1162260"/>
           </a:xfrm>
           <a:prstGeom prst="rect">
@@ -7090,12 +7027,58 @@
           </a:ln>
         </p:spPr>
       </p:pic>
+      <p:sp>
+        <p:nvSpPr>
+          <p:cNvPr id="6" name="Arrow: Left 5">
+            <a:extLst>
+              <a:ext uri="{FF2B5EF4-FFF2-40B4-BE49-F238E27FC236}">
+                <a16:creationId xmlns:a16="http://schemas.microsoft.com/office/drawing/2014/main" id="{9BB38B2B-BFCC-4AFD-8EED-97882FC40E93}"/>
+              </a:ext>
+            </a:extLst>
+          </p:cNvPr>
+          <p:cNvSpPr/>
+          <p:nvPr/>
+        </p:nvSpPr>
+        <p:spPr>
+          <a:xfrm>
+            <a:off x="5602940" y="2823030"/>
+            <a:ext cx="675771" cy="404264"/>
+          </a:xfrm>
+          <a:prstGeom prst="leftArrow">
+            <a:avLst/>
+          </a:prstGeom>
+        </p:spPr>
+        <p:style>
+          <a:lnRef idx="2">
+            <a:schemeClr val="accent1">
+              <a:shade val="50000"/>
+            </a:schemeClr>
+          </a:lnRef>
+          <a:fillRef idx="1">
+            <a:schemeClr val="accent1"/>
+          </a:fillRef>
+          <a:effectRef idx="0">
+            <a:schemeClr val="accent1"/>
+          </a:effectRef>
+          <a:fontRef idx="minor">
+            <a:schemeClr val="lt1"/>
+          </a:fontRef>
+        </p:style>
+        <p:txBody>
+          <a:bodyPr rtlCol="0" anchor="ctr"/>
+          <a:lstStyle/>
+          <a:p>
+            <a:pPr algn="ctr"/>
+            <a:endParaRPr lang="en-SG"/>
+          </a:p>
+        </p:txBody>
+      </p:sp>
       <p:pic>
         <p:nvPicPr>
-          <p:cNvPr id="15" name="Picture 14">
-            <a:extLst>
-              <a:ext uri="{FF2B5EF4-FFF2-40B4-BE49-F238E27FC236}">
-                <a16:creationId xmlns:a16="http://schemas.microsoft.com/office/drawing/2014/main" id="{2FFE5298-4F8E-4AC5-8675-D3FCF41D84FA}"/>
+          <p:cNvPr id="7" name="Picture 6">
+            <a:extLst>
+              <a:ext uri="{FF2B5EF4-FFF2-40B4-BE49-F238E27FC236}">
+                <a16:creationId xmlns:a16="http://schemas.microsoft.com/office/drawing/2014/main" id="{DB4F50B9-21D6-4FD0-AE28-4858943654E3}"/>
               </a:ext>
             </a:extLst>
           </p:cNvPr>
@@ -7112,73 +7095,8 @@
         </p:blipFill>
         <p:spPr>
           <a:xfrm>
-            <a:off x="8635196" y="2877143"/>
-            <a:ext cx="1251081" cy="409159"/>
-          </a:xfrm>
-          <a:prstGeom prst="rect">
-            <a:avLst/>
-          </a:prstGeom>
-        </p:spPr>
-      </p:pic>
-      <p:pic>
-        <p:nvPicPr>
-          <p:cNvPr id="16" name="Picture 15">
-            <a:extLst>
-              <a:ext uri="{FF2B5EF4-FFF2-40B4-BE49-F238E27FC236}">
-                <a16:creationId xmlns:a16="http://schemas.microsoft.com/office/drawing/2014/main" id="{B71F0267-813A-4C99-8D02-AB965F0C4A9C}"/>
-              </a:ext>
-            </a:extLst>
-          </p:cNvPr>
-          <p:cNvPicPr>
-            <a:picLocks noChangeAspect="1"/>
-          </p:cNvPicPr>
-          <p:nvPr/>
-        </p:nvPicPr>
-        <p:blipFill>
-          <a:blip r:embed="rId8"/>
-          <a:stretch>
-            <a:fillRect/>
-          </a:stretch>
-        </p:blipFill>
-        <p:spPr>
-          <a:xfrm>
-            <a:off x="6278711" y="4910868"/>
-            <a:ext cx="2484289" cy="780337"/>
-          </a:xfrm>
-          <a:prstGeom prst="rect">
-            <a:avLst/>
-          </a:prstGeom>
-          <a:ln>
-            <a:solidFill>
-              <a:schemeClr val="tx1"/>
-            </a:solidFill>
-          </a:ln>
-        </p:spPr>
-      </p:pic>
-      <p:pic>
-        <p:nvPicPr>
-          <p:cNvPr id="17" name="Picture 16">
-            <a:extLst>
-              <a:ext uri="{FF2B5EF4-FFF2-40B4-BE49-F238E27FC236}">
-                <a16:creationId xmlns:a16="http://schemas.microsoft.com/office/drawing/2014/main" id="{AFA6C334-C6DC-4B99-A91F-AECDB6EC3B92}"/>
-              </a:ext>
-            </a:extLst>
-          </p:cNvPr>
-          <p:cNvPicPr>
-            <a:picLocks noChangeAspect="1"/>
-          </p:cNvPicPr>
-          <p:nvPr/>
-        </p:nvPicPr>
-        <p:blipFill>
-          <a:blip r:embed="rId9"/>
-          <a:stretch>
-            <a:fillRect/>
-          </a:stretch>
-        </p:blipFill>
-        <p:spPr>
-          <a:xfrm>
-            <a:off x="8960448" y="4805246"/>
-            <a:ext cx="2195904" cy="1676368"/>
+            <a:off x="6278711" y="5857947"/>
+            <a:ext cx="4373659" cy="552230"/>
           </a:xfrm>
           <a:prstGeom prst="rect">
             <a:avLst/>
@@ -8283,7 +8201,7 @@
           <p:cNvPr id="2" name="Title 1">
             <a:extLst>
               <a:ext uri="{FF2B5EF4-FFF2-40B4-BE49-F238E27FC236}">
-                <a16:creationId xmlns:a16="http://schemas.microsoft.com/office/drawing/2014/main" id="{6F48B806-4F56-4127-89F6-76C999F10EE8}"/>
+                <a16:creationId xmlns:a16="http://schemas.microsoft.com/office/drawing/2014/main" id="{1DB54350-E4EF-4B08-A2F8-D9A26FAE996C}"/>
               </a:ext>
             </a:extLst>
           </p:cNvPr>
@@ -8294,7 +8212,12 @@
             <p:ph type="title"/>
           </p:nvPr>
         </p:nvSpPr>
-        <p:spPr/>
+        <p:spPr>
+          <a:xfrm>
+            <a:off x="838200" y="365125"/>
+            <a:ext cx="10515600" cy="850489"/>
+          </a:xfrm>
+        </p:spPr>
         <p:txBody>
           <a:bodyPr/>
           <a:lstStyle/>
@@ -8303,35 +8226,115 @@
             <a:r>
               <a:rPr lang="en-SG" dirty="0"/>
               <a:t>V. Function</a:t>
+            </a:r>
+          </a:p>
+        </p:txBody>
+      </p:sp>
+      <p:sp>
+        <p:nvSpPr>
+          <p:cNvPr id="3" name="Content Placeholder 2">
+            <a:extLst>
+              <a:ext uri="{FF2B5EF4-FFF2-40B4-BE49-F238E27FC236}">
+                <a16:creationId xmlns:a16="http://schemas.microsoft.com/office/drawing/2014/main" id="{F6518767-374A-42A0-AE5C-7B8B1BD34E54}"/>
+              </a:ext>
+            </a:extLst>
+          </p:cNvPr>
+          <p:cNvSpPr>
+            <a:spLocks noGrp="1"/>
+          </p:cNvSpPr>
+          <p:nvPr>
+            <p:ph sz="half" idx="1"/>
+          </p:nvPr>
+        </p:nvSpPr>
+        <p:spPr>
+          <a:xfrm>
+            <a:off x="838199" y="1215614"/>
+            <a:ext cx="10515599" cy="5432836"/>
+          </a:xfrm>
+        </p:spPr>
+        <p:txBody>
+          <a:bodyPr/>
+          <a:lstStyle/>
+          <a:p>
+            <a:pPr marL="0" indent="0">
+              <a:buNone/>
+            </a:pPr>
+            <a:r>
+              <a:rPr lang="en-SG" sz="1400" b="1" dirty="0"/>
+              <a:t>Function</a:t>
+            </a:r>
+            <a:r>
+              <a:rPr lang="en-SG" sz="1400" dirty="0"/>
+              <a:t> is a group of instruction(s). </a:t>
+            </a:r>
+            <a:r>
+              <a:rPr lang="en-SG" sz="1400" dirty="0">
+                <a:hlinkClick r:id="rId2"/>
+              </a:rPr>
+              <a:t>https://www.w3schools.com/python/python_functions.asp</a:t>
+            </a:r>
+            <a:r>
+              <a:rPr lang="en-SG" sz="1400" dirty="0"/>
+              <a:t>.</a:t>
+            </a:r>
+          </a:p>
+          <a:p>
+            <a:pPr marL="0" indent="0">
+              <a:buNone/>
+            </a:pPr>
+            <a:r>
+              <a:rPr lang="en-SG" sz="1400" dirty="0"/>
+              <a:t>Consider all of the instructions that the customer ask to get a cup of coffee, it would be easier to be called </a:t>
+            </a:r>
+            <a:r>
+              <a:rPr lang="en-SG" sz="1400" b="1" dirty="0" err="1"/>
+              <a:t>make_a_cup_of_coffee</a:t>
+            </a:r>
+            <a:r>
+              <a:rPr lang="en-SG" sz="1400" dirty="0"/>
+              <a:t>() .</a:t>
+            </a:r>
+          </a:p>
+          <a:p>
+            <a:pPr marL="0" indent="0">
+              <a:buNone/>
+            </a:pPr>
+            <a:endParaRPr lang="en-SG" dirty="0"/>
+          </a:p>
+          <a:p>
+            <a:pPr marL="0" indent="0">
+              <a:buNone/>
+            </a:pPr>
+            <a:r>
+              <a:rPr lang="en-SG" dirty="0"/>
+              <a:t>						</a:t>
             </a:r>
           </a:p>
         </p:txBody>
       </p:sp>
       <p:pic>
         <p:nvPicPr>
-          <p:cNvPr id="6" name="Content Placeholder 5">
-            <a:extLst>
-              <a:ext uri="{FF2B5EF4-FFF2-40B4-BE49-F238E27FC236}">
-                <a16:creationId xmlns:a16="http://schemas.microsoft.com/office/drawing/2014/main" id="{716BAF0B-5C5F-4622-B0EC-05338885C218}"/>
+          <p:cNvPr id="5" name="Content Placeholder 5">
+            <a:extLst>
+              <a:ext uri="{FF2B5EF4-FFF2-40B4-BE49-F238E27FC236}">
+                <a16:creationId xmlns:a16="http://schemas.microsoft.com/office/drawing/2014/main" id="{7CE0EECD-0101-478A-8D0E-95E93235F3B7}"/>
               </a:ext>
             </a:extLst>
           </p:cNvPr>
           <p:cNvPicPr>
-            <a:picLocks noGrp="1" noChangeAspect="1"/>
+            <a:picLocks noChangeAspect="1"/>
           </p:cNvPicPr>
-          <p:nvPr>
-            <p:ph sz="half" idx="1"/>
-          </p:nvPr>
+          <p:nvPr/>
         </p:nvPicPr>
         <p:blipFill>
-          <a:blip r:embed="rId2"/>
+          <a:blip r:embed="rId3"/>
           <a:stretch>
             <a:fillRect/>
           </a:stretch>
         </p:blipFill>
         <p:spPr>
           <a:xfrm>
-            <a:off x="1159192" y="2459489"/>
+            <a:off x="1226036" y="2967037"/>
             <a:ext cx="3457575" cy="3362325"/>
           </a:xfrm>
           <a:prstGeom prst="rect">
@@ -8341,10 +8344,10 @@
       </p:pic>
       <p:sp>
         <p:nvSpPr>
-          <p:cNvPr id="7" name="Speech Bubble: Oval 6">
-            <a:extLst>
-              <a:ext uri="{FF2B5EF4-FFF2-40B4-BE49-F238E27FC236}">
-                <a16:creationId xmlns:a16="http://schemas.microsoft.com/office/drawing/2014/main" id="{45DB93B8-A5C0-4607-A6EC-BAEFE86100A8}"/>
+          <p:cNvPr id="6" name="Speech Bubble: Oval 5">
+            <a:extLst>
+              <a:ext uri="{FF2B5EF4-FFF2-40B4-BE49-F238E27FC236}">
+                <a16:creationId xmlns:a16="http://schemas.microsoft.com/office/drawing/2014/main" id="{874392BD-1301-44E9-B764-C678017038AC}"/>
               </a:ext>
             </a:extLst>
           </p:cNvPr>
@@ -8353,7 +8356,7 @@
         </p:nvSpPr>
         <p:spPr>
           <a:xfrm>
-            <a:off x="584384" y="1522190"/>
+            <a:off x="651228" y="2029738"/>
             <a:ext cx="2937734" cy="1447455"/>
           </a:xfrm>
           <a:prstGeom prst="wedgeEllipseCallout">
@@ -8384,23 +8387,70 @@
           <a:lstStyle/>
           <a:p>
             <a:r>
-              <a:rPr lang="en-SG" sz="1200" dirty="0">
+              <a:rPr lang="en-SG" sz="1100" dirty="0">
                 <a:solidFill>
                   <a:schemeClr val="tx1"/>
                 </a:solidFill>
                 <a:latin typeface="Comic Sans MS" panose="030F0702030302020204" pitchFamily="66" charset="0"/>
               </a:rPr>
-              <a:t>I would like to order a cup, fill it with hot water, add coffee powder, wait two minutes, filter it, add some sugar and milk.</a:t>
+              <a:t>Hi, please:</a:t>
+            </a:r>
+          </a:p>
+          <a:p>
+            <a:r>
+              <a:rPr lang="en-SG" sz="1100" dirty="0">
+                <a:solidFill>
+                  <a:schemeClr val="tx1"/>
+                </a:solidFill>
+                <a:latin typeface="Comic Sans MS" panose="030F0702030302020204" pitchFamily="66" charset="0"/>
+              </a:rPr>
+              <a:t>Grind bean with arabica 70% and </a:t>
+            </a:r>
+            <a:r>
+              <a:rPr lang="en-SG" sz="1100" dirty="0" err="1">
+                <a:solidFill>
+                  <a:schemeClr val="tx1"/>
+                </a:solidFill>
+                <a:latin typeface="Comic Sans MS" panose="030F0702030302020204" pitchFamily="66" charset="0"/>
+              </a:rPr>
+              <a:t>robusta</a:t>
+            </a:r>
+            <a:r>
+              <a:rPr lang="en-SG" sz="1100" dirty="0">
+                <a:solidFill>
+                  <a:schemeClr val="tx1"/>
+                </a:solidFill>
+                <a:latin typeface="Comic Sans MS" panose="030F0702030302020204" pitchFamily="66" charset="0"/>
+              </a:rPr>
+              <a:t> 30% ratio. Add 1 shot of milk. Add 2 spoon of sugar. And add cocoa and </a:t>
+            </a:r>
+            <a:r>
+              <a:rPr lang="en-SG" sz="1100" dirty="0" err="1">
+                <a:solidFill>
+                  <a:schemeClr val="tx1"/>
+                </a:solidFill>
+                <a:latin typeface="Comic Sans MS" panose="030F0702030302020204" pitchFamily="66" charset="0"/>
+              </a:rPr>
+              <a:t>whipcream</a:t>
+            </a:r>
+            <a:r>
+              <a:rPr lang="en-SG" sz="1100" dirty="0">
+                <a:solidFill>
+                  <a:schemeClr val="tx1"/>
+                </a:solidFill>
+                <a:latin typeface="Comic Sans MS" panose="030F0702030302020204" pitchFamily="66" charset="0"/>
+              </a:rPr>
+              <a:t>.</a:t>
             </a:r>
           </a:p>
         </p:txBody>
       </p:sp>
       <p:sp>
         <p:nvSpPr>
-          <p:cNvPr id="8" name="Speech Bubble: Oval 7">
-            <a:extLst>
-              <a:ext uri="{FF2B5EF4-FFF2-40B4-BE49-F238E27FC236}">
-                <a16:creationId xmlns:a16="http://schemas.microsoft.com/office/drawing/2014/main" id="{F5AF9D19-E338-43DD-9073-3B209EDEAEA9}"/>
+          <p:cNvPr id="7" name="Speech Bubble: Oval 6">
+            <a:extLst>
+              <a:ext uri="{FF2B5EF4-FFF2-40B4-BE49-F238E27FC236}">
+                <a16:creationId xmlns:a16="http://schemas.microsoft.com/office/drawing/2014/main" id="{F5AB7CA0-53AF-475B-9BF6-F7301947E348}"/>
               </a:ext>
             </a:extLst>
           </p:cNvPr>
@@ -8409,7 +8459,7 @@
         </p:nvSpPr>
         <p:spPr>
           <a:xfrm>
-            <a:off x="2735271" y="2459489"/>
+            <a:off x="2802115" y="2967037"/>
             <a:ext cx="1342193" cy="641938"/>
           </a:xfrm>
           <a:prstGeom prst="wedgeEllipseCallout">
@@ -8463,10 +8513,10 @@
       </p:sp>
       <p:sp>
         <p:nvSpPr>
-          <p:cNvPr id="9" name="Speech Bubble: Oval 8">
-            <a:extLst>
-              <a:ext uri="{FF2B5EF4-FFF2-40B4-BE49-F238E27FC236}">
-                <a16:creationId xmlns:a16="http://schemas.microsoft.com/office/drawing/2014/main" id="{ED0383B0-8DB3-401F-B1F1-8283D0117380}"/>
+          <p:cNvPr id="8" name="Speech Bubble: Oval 7">
+            <a:extLst>
+              <a:ext uri="{FF2B5EF4-FFF2-40B4-BE49-F238E27FC236}">
+                <a16:creationId xmlns:a16="http://schemas.microsoft.com/office/drawing/2014/main" id="{ADE6F102-45A5-4C4C-816C-EA0CCEA50B34}"/>
               </a:ext>
             </a:extLst>
           </p:cNvPr>
@@ -8475,8 +8525,8 @@
         </p:nvSpPr>
         <p:spPr>
           <a:xfrm>
-            <a:off x="3946764" y="2245917"/>
-            <a:ext cx="1524000" cy="1007701"/>
+            <a:off x="4013609" y="2829261"/>
+            <a:ext cx="1342194" cy="946673"/>
           </a:xfrm>
           <a:prstGeom prst="wedgeEllipseCallout">
             <a:avLst/>
@@ -8513,7 +8563,7 @@
                 </a:solidFill>
                 <a:latin typeface="Comic Sans MS" panose="030F0702030302020204" pitchFamily="66" charset="0"/>
               </a:rPr>
-              <a:t>I think he is asking you to </a:t>
+              <a:t>He wants you to </a:t>
             </a:r>
             <a:r>
               <a:rPr lang="en-SG" sz="1100" b="1" dirty="0" err="1">
@@ -8531,17 +8581,139 @@
                 </a:solidFill>
                 <a:latin typeface="Comic Sans MS" panose="030F0702030302020204" pitchFamily="66" charset="0"/>
               </a:rPr>
-              <a:t> ()</a:t>
+              <a:t>()</a:t>
+            </a:r>
+          </a:p>
+        </p:txBody>
+      </p:sp>
+      <p:sp>
+        <p:nvSpPr>
+          <p:cNvPr id="16" name="TextBox 15">
+            <a:extLst>
+              <a:ext uri="{FF2B5EF4-FFF2-40B4-BE49-F238E27FC236}">
+                <a16:creationId xmlns:a16="http://schemas.microsoft.com/office/drawing/2014/main" id="{FDAA9E4E-D48C-4732-9F30-185B496167D7}"/>
+              </a:ext>
+            </a:extLst>
+          </p:cNvPr>
+          <p:cNvSpPr txBox="1"/>
+          <p:nvPr/>
+        </p:nvSpPr>
+        <p:spPr>
+          <a:xfrm>
+            <a:off x="5355802" y="1946814"/>
+            <a:ext cx="5053508" cy="4701636"/>
+          </a:xfrm>
+          <a:prstGeom prst="rect">
+            <a:avLst/>
+          </a:prstGeom>
+          <a:noFill/>
+          <a:ln>
+            <a:solidFill>
+              <a:schemeClr val="tx1"/>
+            </a:solidFill>
+          </a:ln>
+        </p:spPr>
+        <p:txBody>
+          <a:bodyPr wrap="square" rtlCol="0">
+            <a:noAutofit/>
+          </a:bodyPr>
+          <a:lstStyle/>
+          <a:p>
+            <a:r>
+              <a:rPr lang="en-SG" dirty="0"/>
+              <a:t>Structure of a function.</a:t>
+            </a:r>
+          </a:p>
+          <a:p>
+            <a:endParaRPr lang="en-SG" dirty="0"/>
+          </a:p>
+          <a:p>
+            <a:endParaRPr lang="en-SG" dirty="0"/>
+          </a:p>
+          <a:p>
+            <a:endParaRPr lang="en-SG" dirty="0"/>
+          </a:p>
+          <a:p>
+            <a:endParaRPr lang="en-SG" dirty="0"/>
+          </a:p>
+          <a:p>
+            <a:r>
+              <a:rPr lang="en-SG" sz="1600" dirty="0"/>
+              <a:t>0. Key word </a:t>
+            </a:r>
+            <a:r>
+              <a:rPr lang="en-SG" sz="1600" b="1" dirty="0">
+                <a:solidFill>
+                  <a:schemeClr val="accent1"/>
+                </a:solidFill>
+              </a:rPr>
+              <a:t>def</a:t>
+            </a:r>
+            <a:r>
+              <a:rPr lang="en-SG" sz="1600" dirty="0"/>
+              <a:t> is needed to </a:t>
+            </a:r>
+            <a:r>
+              <a:rPr lang="en-SG" sz="1600" i="1" dirty="0"/>
+              <a:t>define</a:t>
+            </a:r>
+            <a:r>
+              <a:rPr lang="en-SG" sz="1600" dirty="0"/>
+              <a:t> the function. Function need to be defined before it can be used.</a:t>
+            </a:r>
+          </a:p>
+          <a:p>
+            <a:r>
+              <a:rPr lang="en-SG" sz="1600" dirty="0"/>
+              <a:t>1. Name of the function. It follows variable naming convention.</a:t>
+            </a:r>
+          </a:p>
+          <a:p>
+            <a:r>
+              <a:rPr lang="en-SG" sz="1600" dirty="0"/>
+              <a:t>2. Mandatory </a:t>
+            </a:r>
+            <a:r>
+              <a:rPr lang="en-SG" sz="1600" i="1" dirty="0"/>
+              <a:t>argument</a:t>
+            </a:r>
+            <a:r>
+              <a:rPr lang="en-SG" sz="1600" dirty="0"/>
+              <a:t>. This will be the value given to the function.</a:t>
+            </a:r>
+          </a:p>
+          <a:p>
+            <a:r>
+              <a:rPr lang="en-SG" sz="1600" dirty="0"/>
+              <a:t>3. Optional/default argument. If the value is not given, it will be default to the specified value defined.</a:t>
+            </a:r>
+          </a:p>
+          <a:p>
+            <a:r>
+              <a:rPr lang="en-SG" sz="1600" dirty="0"/>
+              <a:t>4. Arbitrary argument list (optional). The values will be passed to a list.</a:t>
+            </a:r>
+          </a:p>
+          <a:p>
+            <a:r>
+              <a:rPr lang="en-SG" sz="1600" dirty="0"/>
+              <a:t>5. Arbitrary named arguments. The values will be passed to a dictionary.</a:t>
+            </a:r>
+          </a:p>
+          <a:p>
+            <a:r>
+              <a:rPr lang="en-SG" sz="1600" dirty="0"/>
+              <a:t>6. Body of the function. Contain codes of instructions.</a:t>
             </a:r>
           </a:p>
         </p:txBody>
       </p:sp>
       <p:pic>
         <p:nvPicPr>
-          <p:cNvPr id="19" name="Picture 18">
-            <a:extLst>
-              <a:ext uri="{FF2B5EF4-FFF2-40B4-BE49-F238E27FC236}">
-                <a16:creationId xmlns:a16="http://schemas.microsoft.com/office/drawing/2014/main" id="{2E419EEA-D0B5-40C4-85C8-C42D417583F8}"/>
+          <p:cNvPr id="17" name="Picture 16">
+            <a:extLst>
+              <a:ext uri="{FF2B5EF4-FFF2-40B4-BE49-F238E27FC236}">
+                <a16:creationId xmlns:a16="http://schemas.microsoft.com/office/drawing/2014/main" id="{5C2DB405-714F-4672-99F4-A45BAC3F2603}"/>
               </a:ext>
             </a:extLst>
           </p:cNvPr>
@@ -8551,15 +8723,15 @@
           <p:nvPr/>
         </p:nvPicPr>
         <p:blipFill>
-          <a:blip r:embed="rId3"/>
+          <a:blip r:embed="rId4"/>
           <a:stretch>
             <a:fillRect/>
           </a:stretch>
         </p:blipFill>
         <p:spPr>
           <a:xfrm>
-            <a:off x="5779660" y="2969645"/>
-            <a:ext cx="4752975" cy="2876550"/>
+            <a:off x="5761789" y="2470097"/>
+            <a:ext cx="4615477" cy="832500"/>
           </a:xfrm>
           <a:prstGeom prst="rect">
             <a:avLst/>
@@ -8568,10 +8740,10 @@
       </p:pic>
       <p:sp>
         <p:nvSpPr>
-          <p:cNvPr id="20" name="Speech Bubble: Oval 19">
-            <a:extLst>
-              <a:ext uri="{FF2B5EF4-FFF2-40B4-BE49-F238E27FC236}">
-                <a16:creationId xmlns:a16="http://schemas.microsoft.com/office/drawing/2014/main" id="{A8043A0B-FEC8-4EE1-89A4-F97F82E73EAD}"/>
+          <p:cNvPr id="18" name="Rectangle 17">
+            <a:extLst>
+              <a:ext uri="{FF2B5EF4-FFF2-40B4-BE49-F238E27FC236}">
+                <a16:creationId xmlns:a16="http://schemas.microsoft.com/office/drawing/2014/main" id="{5672FFCD-5B36-40F8-9899-4F4777277328}"/>
               </a:ext>
             </a:extLst>
           </p:cNvPr>
@@ -8580,55 +8752,51 @@
         </p:nvSpPr>
         <p:spPr>
           <a:xfrm>
-            <a:off x="6296590" y="1690687"/>
-            <a:ext cx="2937734" cy="1007701"/>
+            <a:off x="5786050" y="2280621"/>
+            <a:ext cx="219465" cy="189476"/>
           </a:xfrm>
-          <a:prstGeom prst="wedgeEllipseCallout">
+          <a:prstGeom prst="rect">
             <a:avLst/>
           </a:prstGeom>
-          <a:solidFill>
-            <a:schemeClr val="bg1"/>
-          </a:solidFill>
+          <a:noFill/>
+          <a:ln>
+            <a:solidFill>
+              <a:schemeClr val="tx1"/>
+            </a:solidFill>
+          </a:ln>
         </p:spPr>
-        <p:style>
-          <a:lnRef idx="2">
-            <a:schemeClr val="accent1">
-              <a:shade val="50000"/>
-            </a:schemeClr>
-          </a:lnRef>
-          <a:fillRef idx="1">
-            <a:schemeClr val="accent1"/>
-          </a:fillRef>
-          <a:effectRef idx="0">
-            <a:schemeClr val="accent1"/>
-          </a:effectRef>
-          <a:fontRef idx="minor">
-            <a:schemeClr val="lt1"/>
-          </a:fontRef>
-        </p:style>
         <p:txBody>
-          <a:bodyPr rtlCol="0" anchor="ctr"/>
+          <a:bodyPr wrap="square" lIns="91440" tIns="45720" rIns="91440" bIns="45720" anchor="ctr" anchorCtr="0">
+            <a:noAutofit/>
+          </a:bodyPr>
           <a:lstStyle/>
           <a:p>
             <a:pPr algn="ctr"/>
             <a:r>
-              <a:rPr lang="en-SG" sz="1400" dirty="0">
+              <a:rPr lang="en-US" sz="1200" b="1" cap="none" spc="0" dirty="0">
+                <a:ln w="0"/>
                 <a:solidFill>
-                  <a:schemeClr val="tx1"/>
+                  <a:schemeClr val="accent1"/>
                 </a:solidFill>
-                <a:latin typeface="Comic Sans MS" panose="030F0702030302020204" pitchFamily="66" charset="0"/>
+                <a:effectLst>
+                  <a:outerShdw blurRad="38100" dist="25400" dir="5400000" algn="ctr" rotWithShape="0">
+                    <a:srgbClr val="6E747A">
+                      <a:alpha val="43000"/>
+                    </a:srgbClr>
+                  </a:outerShdw>
+                </a:effectLst>
               </a:rPr>
-              <a:t>But sir, I have calculated everything correctly.</a:t>
+              <a:t>0</a:t>
             </a:r>
           </a:p>
         </p:txBody>
       </p:sp>
       <p:sp>
         <p:nvSpPr>
-          <p:cNvPr id="21" name="Speech Bubble: Oval 20">
-            <a:extLst>
-              <a:ext uri="{FF2B5EF4-FFF2-40B4-BE49-F238E27FC236}">
-                <a16:creationId xmlns:a16="http://schemas.microsoft.com/office/drawing/2014/main" id="{8EBE947B-7991-4067-8ED7-085CC418562A}"/>
+          <p:cNvPr id="19" name="Rectangle 18">
+            <a:extLst>
+              <a:ext uri="{FF2B5EF4-FFF2-40B4-BE49-F238E27FC236}">
+                <a16:creationId xmlns:a16="http://schemas.microsoft.com/office/drawing/2014/main" id="{2DCA9075-1BE6-4EF7-96AE-70E196D23311}"/>
               </a:ext>
             </a:extLst>
           </p:cNvPr>
@@ -8637,63 +8805,306 @@
         </p:nvSpPr>
         <p:spPr>
           <a:xfrm>
-            <a:off x="8699916" y="1961944"/>
-            <a:ext cx="2907700" cy="1007701"/>
+            <a:off x="6840415" y="2280621"/>
+            <a:ext cx="219465" cy="189476"/>
           </a:xfrm>
-          <a:prstGeom prst="wedgeEllipseCallout">
+          <a:prstGeom prst="rect">
             <a:avLst/>
           </a:prstGeom>
-          <a:solidFill>
-            <a:schemeClr val="bg1"/>
-          </a:solidFill>
+          <a:noFill/>
+          <a:ln>
+            <a:solidFill>
+              <a:schemeClr val="tx1"/>
+            </a:solidFill>
+          </a:ln>
         </p:spPr>
-        <p:style>
-          <a:lnRef idx="2">
-            <a:schemeClr val="accent1">
-              <a:shade val="50000"/>
-            </a:schemeClr>
-          </a:lnRef>
-          <a:fillRef idx="1">
-            <a:schemeClr val="accent1"/>
-          </a:fillRef>
-          <a:effectRef idx="0">
-            <a:schemeClr val="accent1"/>
-          </a:effectRef>
-          <a:fontRef idx="minor">
-            <a:schemeClr val="lt1"/>
-          </a:fontRef>
-        </p:style>
         <p:txBody>
-          <a:bodyPr rtlCol="0" anchor="ctr"/>
+          <a:bodyPr wrap="square" lIns="91440" tIns="45720" rIns="91440" bIns="45720" anchor="ctr" anchorCtr="0">
+            <a:noAutofit/>
+          </a:bodyPr>
           <a:lstStyle/>
           <a:p>
             <a:pPr algn="ctr"/>
             <a:r>
-              <a:rPr lang="en-SG" sz="1400" dirty="0">
+              <a:rPr lang="en-US" sz="1200" b="1" cap="none" spc="0" dirty="0">
+                <a:ln w="0"/>
                 <a:solidFill>
-                  <a:schemeClr val="tx1"/>
+                  <a:schemeClr val="accent1"/>
                 </a:solidFill>
-                <a:latin typeface="Comic Sans MS" panose="030F0702030302020204" pitchFamily="66" charset="0"/>
+                <a:effectLst>
+                  <a:outerShdw blurRad="38100" dist="25400" dir="5400000" algn="ctr" rotWithShape="0">
+                    <a:srgbClr val="6E747A">
+                      <a:alpha val="43000"/>
+                    </a:srgbClr>
+                  </a:outerShdw>
+                </a:effectLst>
               </a:rPr>
-              <a:t>Except that you never </a:t>
-            </a:r>
-            <a:r>
-              <a:rPr lang="en-SG" sz="1400" b="1" i="1" dirty="0">
+              <a:t>1</a:t>
+            </a:r>
+          </a:p>
+        </p:txBody>
+      </p:sp>
+      <p:sp>
+        <p:nvSpPr>
+          <p:cNvPr id="20" name="Rectangle 19">
+            <a:extLst>
+              <a:ext uri="{FF2B5EF4-FFF2-40B4-BE49-F238E27FC236}">
+                <a16:creationId xmlns:a16="http://schemas.microsoft.com/office/drawing/2014/main" id="{22BD9DF1-25F3-49FA-8C75-54797D9D9E7F}"/>
+              </a:ext>
+            </a:extLst>
+          </p:cNvPr>
+          <p:cNvSpPr/>
+          <p:nvPr/>
+        </p:nvSpPr>
+        <p:spPr>
+          <a:xfrm>
+            <a:off x="7627449" y="2280621"/>
+            <a:ext cx="219465" cy="189476"/>
+          </a:xfrm>
+          <a:prstGeom prst="rect">
+            <a:avLst/>
+          </a:prstGeom>
+          <a:noFill/>
+          <a:ln>
+            <a:solidFill>
+              <a:schemeClr val="tx1"/>
+            </a:solidFill>
+          </a:ln>
+        </p:spPr>
+        <p:txBody>
+          <a:bodyPr wrap="square" lIns="91440" tIns="45720" rIns="91440" bIns="45720" anchor="ctr" anchorCtr="0">
+            <a:noAutofit/>
+          </a:bodyPr>
+          <a:lstStyle/>
+          <a:p>
+            <a:pPr algn="ctr"/>
+            <a:r>
+              <a:rPr lang="en-US" sz="1200" b="1" cap="none" spc="0" dirty="0">
+                <a:ln w="0"/>
                 <a:solidFill>
-                  <a:schemeClr val="tx1"/>
+                  <a:schemeClr val="accent1"/>
                 </a:solidFill>
-                <a:latin typeface="Comic Sans MS" panose="030F0702030302020204" pitchFamily="66" charset="0"/>
+                <a:effectLst>
+                  <a:outerShdw blurRad="38100" dist="25400" dir="5400000" algn="ctr" rotWithShape="0">
+                    <a:srgbClr val="6E747A">
+                      <a:alpha val="43000"/>
+                    </a:srgbClr>
+                  </a:outerShdw>
+                </a:effectLst>
               </a:rPr>
-              <a:t>return</a:t>
-            </a:r>
-            <a:r>
-              <a:rPr lang="en-SG" sz="1400" dirty="0">
+              <a:t>2</a:t>
+            </a:r>
+          </a:p>
+        </p:txBody>
+      </p:sp>
+      <p:sp>
+        <p:nvSpPr>
+          <p:cNvPr id="21" name="Rectangle 20">
+            <a:extLst>
+              <a:ext uri="{FF2B5EF4-FFF2-40B4-BE49-F238E27FC236}">
+                <a16:creationId xmlns:a16="http://schemas.microsoft.com/office/drawing/2014/main" id="{359241D2-E6FB-4F3E-BCEF-88AE0D16124C}"/>
+              </a:ext>
+            </a:extLst>
+          </p:cNvPr>
+          <p:cNvSpPr/>
+          <p:nvPr/>
+        </p:nvSpPr>
+        <p:spPr>
+          <a:xfrm>
+            <a:off x="8052205" y="2280292"/>
+            <a:ext cx="219465" cy="189476"/>
+          </a:xfrm>
+          <a:prstGeom prst="rect">
+            <a:avLst/>
+          </a:prstGeom>
+          <a:noFill/>
+          <a:ln>
+            <a:solidFill>
+              <a:schemeClr val="tx1"/>
+            </a:solidFill>
+          </a:ln>
+        </p:spPr>
+        <p:txBody>
+          <a:bodyPr wrap="square" lIns="91440" tIns="45720" rIns="91440" bIns="45720" anchor="ctr" anchorCtr="0">
+            <a:noAutofit/>
+          </a:bodyPr>
+          <a:lstStyle/>
+          <a:p>
+            <a:pPr algn="ctr"/>
+            <a:r>
+              <a:rPr lang="en-US" sz="1200" b="1" cap="none" spc="0" dirty="0">
+                <a:ln w="0"/>
                 <a:solidFill>
-                  <a:schemeClr val="tx1"/>
+                  <a:schemeClr val="accent1"/>
                 </a:solidFill>
-                <a:latin typeface="Comic Sans MS" panose="030F0702030302020204" pitchFamily="66" charset="0"/>
+                <a:effectLst>
+                  <a:outerShdw blurRad="38100" dist="25400" dir="5400000" algn="ctr" rotWithShape="0">
+                    <a:srgbClr val="6E747A">
+                      <a:alpha val="43000"/>
+                    </a:srgbClr>
+                  </a:outerShdw>
+                </a:effectLst>
               </a:rPr>
-              <a:t> my change to me.</a:t>
+              <a:t>3</a:t>
+            </a:r>
+          </a:p>
+        </p:txBody>
+      </p:sp>
+      <p:sp>
+        <p:nvSpPr>
+          <p:cNvPr id="22" name="Rectangle 21">
+            <a:extLst>
+              <a:ext uri="{FF2B5EF4-FFF2-40B4-BE49-F238E27FC236}">
+                <a16:creationId xmlns:a16="http://schemas.microsoft.com/office/drawing/2014/main" id="{5CB82032-E4A3-446A-881C-3AB3435A5759}"/>
+              </a:ext>
+            </a:extLst>
+          </p:cNvPr>
+          <p:cNvSpPr/>
+          <p:nvPr/>
+        </p:nvSpPr>
+        <p:spPr>
+          <a:xfrm>
+            <a:off x="8729506" y="2280292"/>
+            <a:ext cx="219465" cy="189476"/>
+          </a:xfrm>
+          <a:prstGeom prst="rect">
+            <a:avLst/>
+          </a:prstGeom>
+          <a:noFill/>
+          <a:ln>
+            <a:solidFill>
+              <a:schemeClr val="tx1"/>
+            </a:solidFill>
+          </a:ln>
+        </p:spPr>
+        <p:txBody>
+          <a:bodyPr wrap="square" lIns="91440" tIns="45720" rIns="91440" bIns="45720" anchor="ctr" anchorCtr="0">
+            <a:noAutofit/>
+          </a:bodyPr>
+          <a:lstStyle/>
+          <a:p>
+            <a:pPr algn="ctr"/>
+            <a:r>
+              <a:rPr lang="en-US" sz="1200" b="1" cap="none" spc="0" dirty="0">
+                <a:ln w="0"/>
+                <a:solidFill>
+                  <a:schemeClr val="accent1"/>
+                </a:solidFill>
+                <a:effectLst>
+                  <a:outerShdw blurRad="38100" dist="25400" dir="5400000" algn="ctr" rotWithShape="0">
+                    <a:srgbClr val="6E747A">
+                      <a:alpha val="43000"/>
+                    </a:srgbClr>
+                  </a:outerShdw>
+                </a:effectLst>
+              </a:rPr>
+              <a:t>4</a:t>
+            </a:r>
+          </a:p>
+        </p:txBody>
+      </p:sp>
+      <p:sp>
+        <p:nvSpPr>
+          <p:cNvPr id="23" name="Rectangle 22">
+            <a:extLst>
+              <a:ext uri="{FF2B5EF4-FFF2-40B4-BE49-F238E27FC236}">
+                <a16:creationId xmlns:a16="http://schemas.microsoft.com/office/drawing/2014/main" id="{4703EE72-3B7B-497B-A4E4-3419A1F28CCC}"/>
+              </a:ext>
+            </a:extLst>
+          </p:cNvPr>
+          <p:cNvSpPr/>
+          <p:nvPr/>
+        </p:nvSpPr>
+        <p:spPr>
+          <a:xfrm>
+            <a:off x="9443653" y="2280292"/>
+            <a:ext cx="219465" cy="189476"/>
+          </a:xfrm>
+          <a:prstGeom prst="rect">
+            <a:avLst/>
+          </a:prstGeom>
+          <a:noFill/>
+          <a:ln>
+            <a:solidFill>
+              <a:schemeClr val="tx1"/>
+            </a:solidFill>
+          </a:ln>
+        </p:spPr>
+        <p:txBody>
+          <a:bodyPr wrap="square" lIns="91440" tIns="45720" rIns="91440" bIns="45720" anchor="ctr" anchorCtr="0">
+            <a:noAutofit/>
+          </a:bodyPr>
+          <a:lstStyle/>
+          <a:p>
+            <a:pPr algn="ctr"/>
+            <a:r>
+              <a:rPr lang="en-US" sz="1200" b="1" cap="none" spc="0" dirty="0">
+                <a:ln w="0"/>
+                <a:solidFill>
+                  <a:schemeClr val="accent1"/>
+                </a:solidFill>
+                <a:effectLst>
+                  <a:outerShdw blurRad="38100" dist="25400" dir="5400000" algn="ctr" rotWithShape="0">
+                    <a:srgbClr val="6E747A">
+                      <a:alpha val="43000"/>
+                    </a:srgbClr>
+                  </a:outerShdw>
+                </a:effectLst>
+              </a:rPr>
+              <a:t>5</a:t>
+            </a:r>
+          </a:p>
+        </p:txBody>
+      </p:sp>
+      <p:sp>
+        <p:nvSpPr>
+          <p:cNvPr id="25" name="Rectangle 24">
+            <a:extLst>
+              <a:ext uri="{FF2B5EF4-FFF2-40B4-BE49-F238E27FC236}">
+                <a16:creationId xmlns:a16="http://schemas.microsoft.com/office/drawing/2014/main" id="{04A46AF9-3D74-4926-8EA4-BACDF2C166D6}"/>
+              </a:ext>
+            </a:extLst>
+          </p:cNvPr>
+          <p:cNvSpPr/>
+          <p:nvPr/>
+        </p:nvSpPr>
+        <p:spPr>
+          <a:xfrm>
+            <a:off x="9170420" y="2791609"/>
+            <a:ext cx="219465" cy="189476"/>
+          </a:xfrm>
+          <a:prstGeom prst="rect">
+            <a:avLst/>
+          </a:prstGeom>
+          <a:noFill/>
+          <a:ln>
+            <a:solidFill>
+              <a:schemeClr val="tx1"/>
+            </a:solidFill>
+          </a:ln>
+        </p:spPr>
+        <p:txBody>
+          <a:bodyPr wrap="square" lIns="91440" tIns="45720" rIns="91440" bIns="45720" anchor="ctr" anchorCtr="0">
+            <a:noAutofit/>
+          </a:bodyPr>
+          <a:lstStyle/>
+          <a:p>
+            <a:pPr algn="ctr"/>
+            <a:r>
+              <a:rPr lang="en-US" sz="1200" b="1" cap="none" spc="0" dirty="0">
+                <a:ln w="0"/>
+                <a:solidFill>
+                  <a:schemeClr val="accent1"/>
+                </a:solidFill>
+                <a:effectLst>
+                  <a:outerShdw blurRad="38100" dist="25400" dir="5400000" algn="ctr" rotWithShape="0">
+                    <a:srgbClr val="6E747A">
+                      <a:alpha val="43000"/>
+                    </a:srgbClr>
+                  </a:outerShdw>
+                </a:effectLst>
+              </a:rPr>
+              <a:t>6</a:t>
             </a:r>
           </a:p>
         </p:txBody>
@@ -8701,7 +9112,7 @@
     </p:spTree>
     <p:extLst>
       <p:ext uri="{BB962C8B-B14F-4D97-AF65-F5344CB8AC3E}">
-        <p14:creationId xmlns:p14="http://schemas.microsoft.com/office/powerpoint/2010/main" val="2789937579"/>
+        <p14:creationId xmlns:p14="http://schemas.microsoft.com/office/powerpoint/2010/main" val="1392759111"/>
       </p:ext>
     </p:extLst>
   </p:cSld>
@@ -8733,7 +9144,7 @@
           <p:cNvPr id="2" name="Title 1">
             <a:extLst>
               <a:ext uri="{FF2B5EF4-FFF2-40B4-BE49-F238E27FC236}">
-                <a16:creationId xmlns:a16="http://schemas.microsoft.com/office/drawing/2014/main" id="{901BA023-6F73-41C7-B69F-5382CFF07992}"/>
+                <a16:creationId xmlns:a16="http://schemas.microsoft.com/office/drawing/2014/main" id="{84A4B499-9F18-4ADE-9130-48C8D31921DD}"/>
               </a:ext>
             </a:extLst>
           </p:cNvPr>
@@ -8746,8 +9157,8 @@
         </p:nvSpPr>
         <p:spPr>
           <a:xfrm>
-            <a:off x="852011" y="32835"/>
-            <a:ext cx="10515600" cy="1325563"/>
+            <a:off x="838200" y="365126"/>
+            <a:ext cx="10515600" cy="821018"/>
           </a:xfrm>
         </p:spPr>
         <p:txBody>
@@ -8764,156 +9175,233 @@
       </p:sp>
       <p:sp>
         <p:nvSpPr>
-          <p:cNvPr id="5" name="TextBox 4">
-            <a:extLst>
-              <a:ext uri="{FF2B5EF4-FFF2-40B4-BE49-F238E27FC236}">
-                <a16:creationId xmlns:a16="http://schemas.microsoft.com/office/drawing/2014/main" id="{F0131DFB-56F8-4532-976E-9D7FAF909959}"/>
-              </a:ext>
-            </a:extLst>
-          </p:cNvPr>
-          <p:cNvSpPr txBox="1"/>
-          <p:nvPr/>
+          <p:cNvPr id="3" name="Content Placeholder 2">
+            <a:extLst>
+              <a:ext uri="{FF2B5EF4-FFF2-40B4-BE49-F238E27FC236}">
+                <a16:creationId xmlns:a16="http://schemas.microsoft.com/office/drawing/2014/main" id="{FAAE6350-1354-4D07-B9CF-6EFF31AA3E97}"/>
+              </a:ext>
+            </a:extLst>
+          </p:cNvPr>
+          <p:cNvSpPr>
+            <a:spLocks noGrp="1"/>
+          </p:cNvSpPr>
+          <p:nvPr>
+            <p:ph sz="half" idx="1"/>
+          </p:nvPr>
         </p:nvSpPr>
         <p:spPr>
           <a:xfrm>
-            <a:off x="852011" y="916922"/>
-            <a:ext cx="10515600" cy="5266655"/>
+            <a:off x="838200" y="1186143"/>
+            <a:ext cx="10515600" cy="5306731"/>
+          </a:xfrm>
+          <a:ln>
+            <a:solidFill>
+              <a:schemeClr val="tx1"/>
+            </a:solidFill>
+          </a:ln>
+        </p:spPr>
+        <p:txBody>
+          <a:bodyPr>
+            <a:noAutofit/>
+          </a:bodyPr>
+          <a:lstStyle/>
+          <a:p>
+            <a:pPr marL="0" indent="0">
+              <a:buNone/>
+            </a:pPr>
+            <a:r>
+              <a:rPr lang="en-SG" dirty="0"/>
+              <a:t>How to call / invoke a function:</a:t>
+            </a:r>
+          </a:p>
+          <a:p>
+            <a:pPr marL="0" indent="0">
+              <a:buNone/>
+            </a:pPr>
+            <a:endParaRPr lang="en-SG" dirty="0"/>
+          </a:p>
+          <a:p>
+            <a:pPr marL="0" indent="0">
+              <a:buNone/>
+            </a:pPr>
+            <a:r>
+              <a:rPr lang="en-SG" sz="1400" dirty="0"/>
+              <a:t>1. Start by specifying the name of the function to be called.</a:t>
+            </a:r>
+          </a:p>
+          <a:p>
+            <a:pPr marL="0" indent="0">
+              <a:buNone/>
+            </a:pPr>
+            <a:r>
+              <a:rPr lang="en-SG" sz="1400" dirty="0"/>
+              <a:t>2. The mandatory argument.</a:t>
+            </a:r>
+          </a:p>
+          <a:p>
+            <a:pPr marL="0" indent="0">
+              <a:buNone/>
+            </a:pPr>
+            <a:r>
+              <a:rPr lang="en-SG" sz="1400" dirty="0"/>
+              <a:t>3. The default argument.</a:t>
+            </a:r>
+          </a:p>
+          <a:p>
+            <a:pPr marL="0" indent="0">
+              <a:buNone/>
+            </a:pPr>
+            <a:r>
+              <a:rPr lang="en-SG" sz="1400" dirty="0"/>
+              <a:t>4. Arbitrary argument list.</a:t>
+            </a:r>
+          </a:p>
+          <a:p>
+            <a:pPr marL="0" indent="0">
+              <a:buNone/>
+            </a:pPr>
+            <a:r>
+              <a:rPr lang="en-SG" sz="1400" dirty="0"/>
+              <a:t>5. Arbitrary named arguments.</a:t>
+            </a:r>
+          </a:p>
+          <a:p>
+            <a:pPr marL="0" indent="0">
+              <a:buNone/>
+            </a:pPr>
+            <a:r>
+              <a:rPr lang="en-SG" dirty="0"/>
+              <a:t>Output:</a:t>
+            </a:r>
+          </a:p>
+          <a:p>
+            <a:pPr marL="0" indent="0">
+              <a:buNone/>
+            </a:pPr>
+            <a:endParaRPr lang="en-SG" dirty="0"/>
+          </a:p>
+          <a:p>
+            <a:pPr marL="0" indent="0">
+              <a:lnSpc>
+                <a:spcPct val="100000"/>
+              </a:lnSpc>
+              <a:spcBef>
+                <a:spcPts val="0"/>
+              </a:spcBef>
+              <a:buNone/>
+            </a:pPr>
+            <a:endParaRPr lang="en-SG" sz="1600" b="1" dirty="0"/>
+          </a:p>
+          <a:p>
+            <a:pPr marL="0" indent="0">
+              <a:lnSpc>
+                <a:spcPct val="100000"/>
+              </a:lnSpc>
+              <a:spcBef>
+                <a:spcPts val="0"/>
+              </a:spcBef>
+              <a:buNone/>
+            </a:pPr>
+            <a:r>
+              <a:rPr lang="en-SG" sz="1600" b="1" dirty="0"/>
+              <a:t>NOTE:</a:t>
+            </a:r>
+          </a:p>
+          <a:p>
+            <a:pPr marL="0" indent="0">
+              <a:lnSpc>
+                <a:spcPct val="100000"/>
+              </a:lnSpc>
+              <a:spcBef>
+                <a:spcPts val="0"/>
+              </a:spcBef>
+              <a:buNone/>
+            </a:pPr>
+            <a:r>
+              <a:rPr lang="en-SG" sz="1600" dirty="0"/>
+              <a:t>1. The number of arguments in a function can be zero or as many as intended. Example of function with zero argument:</a:t>
+            </a:r>
+          </a:p>
+          <a:p>
+            <a:pPr marL="0" indent="0">
+              <a:lnSpc>
+                <a:spcPct val="100000"/>
+              </a:lnSpc>
+              <a:spcBef>
+                <a:spcPts val="0"/>
+              </a:spcBef>
+              <a:buNone/>
+            </a:pPr>
+            <a:endParaRPr lang="en-SG" sz="1600" dirty="0"/>
+          </a:p>
+          <a:p>
+            <a:pPr marL="0" indent="0">
+              <a:buNone/>
+            </a:pPr>
+            <a:r>
+              <a:rPr lang="en-SG" sz="1600" dirty="0"/>
+              <a:t>2. To define a function, arguments need to be wrapped with bracket and semi colon. i.e. </a:t>
+            </a:r>
+          </a:p>
+          <a:p>
+            <a:pPr marL="0" indent="0">
+              <a:buNone/>
+            </a:pPr>
+            <a:r>
+              <a:rPr lang="en-SG" sz="1600" dirty="0"/>
+              <a:t>3. To call the function, arguments need to be wrapped with bracket (NO semi colon). i.e. </a:t>
+            </a:r>
+            <a:r>
+              <a:rPr lang="en-SG" sz="1600" dirty="0">
+                <a:latin typeface="Consolas" panose="020B0609020204030204" pitchFamily="49" charset="0"/>
+              </a:rPr>
+              <a:t>run</a:t>
+            </a:r>
+            <a:r>
+              <a:rPr lang="en-SG" sz="1600" b="1" dirty="0">
+                <a:latin typeface="Consolas" panose="020B0609020204030204" pitchFamily="49" charset="0"/>
+              </a:rPr>
+              <a:t>()</a:t>
+            </a:r>
+          </a:p>
+        </p:txBody>
+      </p:sp>
+      <p:pic>
+        <p:nvPicPr>
+          <p:cNvPr id="7" name="Picture 6">
+            <a:extLst>
+              <a:ext uri="{FF2B5EF4-FFF2-40B4-BE49-F238E27FC236}">
+                <a16:creationId xmlns:a16="http://schemas.microsoft.com/office/drawing/2014/main" id="{DBD03ED3-4D30-4070-89B9-34667183C16A}"/>
+              </a:ext>
+            </a:extLst>
+          </p:cNvPr>
+          <p:cNvPicPr>
+            <a:picLocks noChangeAspect="1"/>
+          </p:cNvPicPr>
+          <p:nvPr/>
+        </p:nvPicPr>
+        <p:blipFill>
+          <a:blip r:embed="rId2"/>
+          <a:stretch>
+            <a:fillRect/>
+          </a:stretch>
+        </p:blipFill>
+        <p:spPr>
+          <a:xfrm>
+            <a:off x="1528762" y="1988087"/>
+            <a:ext cx="8429625" cy="257175"/>
           </a:xfrm>
           <a:prstGeom prst="rect">
             <a:avLst/>
           </a:prstGeom>
-          <a:noFill/>
         </p:spPr>
-        <p:txBody>
-          <a:bodyPr wrap="square" rtlCol="0">
-            <a:noAutofit/>
-          </a:bodyPr>
-          <a:lstStyle/>
-          <a:p>
-            <a:r>
-              <a:rPr lang="en-SG" b="1" dirty="0"/>
-              <a:t>Function</a:t>
-            </a:r>
-            <a:r>
-              <a:rPr lang="en-SG" dirty="0"/>
-              <a:t> is a group of instruction(s). </a:t>
-            </a:r>
-            <a:r>
-              <a:rPr lang="en-SG" sz="1100" dirty="0">
-                <a:hlinkClick r:id="rId2"/>
-              </a:rPr>
-              <a:t>https://www.w3schools.com/python/python_functions.asp</a:t>
-            </a:r>
-            <a:endParaRPr lang="en-SG" sz="1100" dirty="0"/>
-          </a:p>
-          <a:p>
-            <a:r>
-              <a:rPr lang="en-SG" dirty="0"/>
-              <a:t>e.g. This set of instructions can be replaced with </a:t>
-            </a:r>
-            <a:r>
-              <a:rPr lang="en-SG" b="1" dirty="0" err="1"/>
-              <a:t>make_a_cup_of_coffee</a:t>
-            </a:r>
-            <a:r>
-              <a:rPr lang="en-SG" b="1" dirty="0"/>
-              <a:t>()</a:t>
-            </a:r>
-          </a:p>
-          <a:p>
-            <a:endParaRPr lang="en-SG" dirty="0"/>
-          </a:p>
-          <a:p>
-            <a:endParaRPr lang="en-SG" dirty="0"/>
-          </a:p>
-          <a:p>
-            <a:endParaRPr lang="en-SG" dirty="0"/>
-          </a:p>
-          <a:p>
-            <a:endParaRPr lang="en-SG" dirty="0"/>
-          </a:p>
-          <a:p>
-            <a:endParaRPr lang="en-SG" dirty="0"/>
-          </a:p>
-          <a:p>
-            <a:endParaRPr lang="en-SG" dirty="0"/>
-          </a:p>
-          <a:p>
-            <a:endParaRPr lang="en-SG" dirty="0"/>
-          </a:p>
-          <a:p>
-            <a:r>
-              <a:rPr lang="en-SG" dirty="0"/>
-              <a:t>Structure:					e.g.</a:t>
-            </a:r>
-          </a:p>
-          <a:p>
-            <a:endParaRPr lang="en-SG" dirty="0"/>
-          </a:p>
-          <a:p>
-            <a:endParaRPr lang="en-SG" dirty="0"/>
-          </a:p>
-          <a:p>
-            <a:endParaRPr lang="en-SG" dirty="0"/>
-          </a:p>
-          <a:p>
-            <a:r>
-              <a:rPr lang="en-SG" dirty="0"/>
-              <a:t>Note the </a:t>
-            </a:r>
-            <a:r>
-              <a:rPr lang="en-SG" b="1" dirty="0">
-                <a:solidFill>
-                  <a:schemeClr val="accent1"/>
-                </a:solidFill>
-              </a:rPr>
-              <a:t>return</a:t>
-            </a:r>
-            <a:r>
-              <a:rPr lang="en-SG" dirty="0"/>
-              <a:t> statement above. This is an optional keyword to return the result of the function to be used as part of another function. E.g.</a:t>
-            </a:r>
-          </a:p>
-          <a:p>
-            <a:endParaRPr lang="en-SG" dirty="0"/>
-          </a:p>
-          <a:p>
-            <a:endParaRPr lang="en-SG" dirty="0"/>
-          </a:p>
-          <a:p>
-            <a:r>
-              <a:rPr lang="en-SG" dirty="0"/>
-              <a:t>Without </a:t>
-            </a:r>
-            <a:r>
-              <a:rPr lang="en-SG" b="1" dirty="0">
-                <a:solidFill>
-                  <a:schemeClr val="accent1"/>
-                </a:solidFill>
-              </a:rPr>
-              <a:t>return</a:t>
-            </a:r>
-            <a:r>
-              <a:rPr lang="en-SG" dirty="0"/>
-              <a:t> statement, Python will by default return </a:t>
-            </a:r>
-            <a:r>
-              <a:rPr lang="en-SG" b="1" dirty="0"/>
-              <a:t>None</a:t>
-            </a:r>
-            <a:r>
-              <a:rPr lang="en-SG" dirty="0"/>
-              <a:t>.</a:t>
-            </a:r>
-          </a:p>
-        </p:txBody>
-      </p:sp>
+      </p:pic>
       <p:pic>
         <p:nvPicPr>
           <p:cNvPr id="8" name="Picture 7">
             <a:extLst>
               <a:ext uri="{FF2B5EF4-FFF2-40B4-BE49-F238E27FC236}">
-                <a16:creationId xmlns:a16="http://schemas.microsoft.com/office/drawing/2014/main" id="{96522525-0097-484C-9F2C-AC43D7D22D8F}"/>
+                <a16:creationId xmlns:a16="http://schemas.microsoft.com/office/drawing/2014/main" id="{D9916F00-3E66-4B24-9A32-D9C93A3FD9E6}"/>
               </a:ext>
             </a:extLst>
           </p:cNvPr>
@@ -8930,27 +9418,391 @@
         </p:blipFill>
         <p:spPr>
           <a:xfrm>
-            <a:off x="6810053" y="3483528"/>
-            <a:ext cx="3739515" cy="722497"/>
+            <a:off x="2376100" y="4005262"/>
+            <a:ext cx="6819900" cy="962025"/>
           </a:xfrm>
           <a:prstGeom prst="rect">
             <a:avLst/>
           </a:prstGeom>
+        </p:spPr>
+      </p:pic>
+      <p:sp>
+        <p:nvSpPr>
+          <p:cNvPr id="9" name="Rectangle 8">
+            <a:extLst>
+              <a:ext uri="{FF2B5EF4-FFF2-40B4-BE49-F238E27FC236}">
+                <a16:creationId xmlns:a16="http://schemas.microsoft.com/office/drawing/2014/main" id="{049A9940-3DC2-4223-B89F-2A8177C62B42}"/>
+              </a:ext>
+            </a:extLst>
+          </p:cNvPr>
+          <p:cNvSpPr/>
+          <p:nvPr/>
+        </p:nvSpPr>
+        <p:spPr>
+          <a:xfrm>
+            <a:off x="2376100" y="1798611"/>
+            <a:ext cx="219465" cy="189476"/>
+          </a:xfrm>
+          <a:prstGeom prst="rect">
+            <a:avLst/>
+          </a:prstGeom>
+          <a:noFill/>
           <a:ln>
             <a:solidFill>
-              <a:schemeClr val="accent1">
-                <a:shade val="50000"/>
-              </a:schemeClr>
+              <a:schemeClr val="tx1"/>
             </a:solidFill>
           </a:ln>
         </p:spPr>
-      </p:pic>
+        <p:txBody>
+          <a:bodyPr wrap="square" lIns="91440" tIns="45720" rIns="91440" bIns="45720" anchor="ctr" anchorCtr="0">
+            <a:noAutofit/>
+          </a:bodyPr>
+          <a:lstStyle/>
+          <a:p>
+            <a:pPr algn="ctr"/>
+            <a:r>
+              <a:rPr lang="en-US" sz="1200" b="1" cap="none" spc="0" dirty="0">
+                <a:ln w="0"/>
+                <a:solidFill>
+                  <a:schemeClr val="accent1"/>
+                </a:solidFill>
+                <a:effectLst>
+                  <a:outerShdw blurRad="38100" dist="25400" dir="5400000" algn="ctr" rotWithShape="0">
+                    <a:srgbClr val="6E747A">
+                      <a:alpha val="43000"/>
+                    </a:srgbClr>
+                  </a:outerShdw>
+                </a:effectLst>
+              </a:rPr>
+              <a:t>1</a:t>
+            </a:r>
+          </a:p>
+        </p:txBody>
+      </p:sp>
+      <p:sp>
+        <p:nvSpPr>
+          <p:cNvPr id="10" name="Rectangle 9">
+            <a:extLst>
+              <a:ext uri="{FF2B5EF4-FFF2-40B4-BE49-F238E27FC236}">
+                <a16:creationId xmlns:a16="http://schemas.microsoft.com/office/drawing/2014/main" id="{360EA02B-B52E-4EE5-9B28-2692AFF1A41C}"/>
+              </a:ext>
+            </a:extLst>
+          </p:cNvPr>
+          <p:cNvSpPr/>
+          <p:nvPr/>
+        </p:nvSpPr>
+        <p:spPr>
+          <a:xfrm>
+            <a:off x="3914000" y="1798611"/>
+            <a:ext cx="219465" cy="189476"/>
+          </a:xfrm>
+          <a:prstGeom prst="rect">
+            <a:avLst/>
+          </a:prstGeom>
+          <a:noFill/>
+          <a:ln>
+            <a:solidFill>
+              <a:schemeClr val="tx1"/>
+            </a:solidFill>
+          </a:ln>
+        </p:spPr>
+        <p:txBody>
+          <a:bodyPr wrap="square" lIns="91440" tIns="45720" rIns="91440" bIns="45720" anchor="ctr" anchorCtr="0">
+            <a:noAutofit/>
+          </a:bodyPr>
+          <a:lstStyle/>
+          <a:p>
+            <a:pPr algn="ctr"/>
+            <a:r>
+              <a:rPr lang="en-US" sz="1200" b="1" cap="none" spc="0" dirty="0">
+                <a:ln w="0"/>
+                <a:solidFill>
+                  <a:schemeClr val="accent1"/>
+                </a:solidFill>
+                <a:effectLst>
+                  <a:outerShdw blurRad="38100" dist="25400" dir="5400000" algn="ctr" rotWithShape="0">
+                    <a:srgbClr val="6E747A">
+                      <a:alpha val="43000"/>
+                    </a:srgbClr>
+                  </a:outerShdw>
+                </a:effectLst>
+              </a:rPr>
+              <a:t>2</a:t>
+            </a:r>
+          </a:p>
+        </p:txBody>
+      </p:sp>
+      <p:sp>
+        <p:nvSpPr>
+          <p:cNvPr id="11" name="Rectangle 10">
+            <a:extLst>
+              <a:ext uri="{FF2B5EF4-FFF2-40B4-BE49-F238E27FC236}">
+                <a16:creationId xmlns:a16="http://schemas.microsoft.com/office/drawing/2014/main" id="{27C5FC65-F368-410F-A772-8DD339860200}"/>
+              </a:ext>
+            </a:extLst>
+          </p:cNvPr>
+          <p:cNvSpPr/>
+          <p:nvPr/>
+        </p:nvSpPr>
+        <p:spPr>
+          <a:xfrm>
+            <a:off x="4133465" y="1798611"/>
+            <a:ext cx="219465" cy="189476"/>
+          </a:xfrm>
+          <a:prstGeom prst="rect">
+            <a:avLst/>
+          </a:prstGeom>
+          <a:noFill/>
+          <a:ln>
+            <a:solidFill>
+              <a:schemeClr val="tx1"/>
+            </a:solidFill>
+          </a:ln>
+        </p:spPr>
+        <p:txBody>
+          <a:bodyPr wrap="square" lIns="91440" tIns="45720" rIns="91440" bIns="45720" anchor="ctr" anchorCtr="0">
+            <a:noAutofit/>
+          </a:bodyPr>
+          <a:lstStyle/>
+          <a:p>
+            <a:pPr algn="ctr"/>
+            <a:r>
+              <a:rPr lang="en-US" sz="1200" b="1" cap="none" spc="0" dirty="0">
+                <a:ln w="0"/>
+                <a:solidFill>
+                  <a:schemeClr val="accent1"/>
+                </a:solidFill>
+                <a:effectLst>
+                  <a:outerShdw blurRad="38100" dist="25400" dir="5400000" algn="ctr" rotWithShape="0">
+                    <a:srgbClr val="6E747A">
+                      <a:alpha val="43000"/>
+                    </a:srgbClr>
+                  </a:outerShdw>
+                </a:effectLst>
+              </a:rPr>
+              <a:t>3</a:t>
+            </a:r>
+          </a:p>
+        </p:txBody>
+      </p:sp>
+      <p:sp>
+        <p:nvSpPr>
+          <p:cNvPr id="12" name="Rectangle 11">
+            <a:extLst>
+              <a:ext uri="{FF2B5EF4-FFF2-40B4-BE49-F238E27FC236}">
+                <a16:creationId xmlns:a16="http://schemas.microsoft.com/office/drawing/2014/main" id="{BC58ADA5-3A10-4BF0-A1DE-B551B096E6BD}"/>
+              </a:ext>
+            </a:extLst>
+          </p:cNvPr>
+          <p:cNvSpPr/>
+          <p:nvPr/>
+        </p:nvSpPr>
+        <p:spPr>
+          <a:xfrm>
+            <a:off x="4721439" y="1798611"/>
+            <a:ext cx="219465" cy="189476"/>
+          </a:xfrm>
+          <a:prstGeom prst="rect">
+            <a:avLst/>
+          </a:prstGeom>
+          <a:noFill/>
+          <a:ln>
+            <a:solidFill>
+              <a:schemeClr val="tx1"/>
+            </a:solidFill>
+          </a:ln>
+        </p:spPr>
+        <p:txBody>
+          <a:bodyPr wrap="square" lIns="91440" tIns="45720" rIns="91440" bIns="45720" anchor="ctr" anchorCtr="0">
+            <a:noAutofit/>
+          </a:bodyPr>
+          <a:lstStyle/>
+          <a:p>
+            <a:pPr algn="ctr"/>
+            <a:r>
+              <a:rPr lang="en-US" sz="1200" b="1" cap="none" spc="0" dirty="0">
+                <a:ln w="0"/>
+                <a:solidFill>
+                  <a:schemeClr val="accent1"/>
+                </a:solidFill>
+                <a:effectLst>
+                  <a:outerShdw blurRad="38100" dist="25400" dir="5400000" algn="ctr" rotWithShape="0">
+                    <a:srgbClr val="6E747A">
+                      <a:alpha val="43000"/>
+                    </a:srgbClr>
+                  </a:outerShdw>
+                </a:effectLst>
+              </a:rPr>
+              <a:t>4</a:t>
+            </a:r>
+          </a:p>
+        </p:txBody>
+      </p:sp>
+      <p:sp>
+        <p:nvSpPr>
+          <p:cNvPr id="13" name="Rectangle 12">
+            <a:extLst>
+              <a:ext uri="{FF2B5EF4-FFF2-40B4-BE49-F238E27FC236}">
+                <a16:creationId xmlns:a16="http://schemas.microsoft.com/office/drawing/2014/main" id="{A1D5A70A-3364-4084-9283-195EEFFC8721}"/>
+              </a:ext>
+            </a:extLst>
+          </p:cNvPr>
+          <p:cNvSpPr/>
+          <p:nvPr/>
+        </p:nvSpPr>
+        <p:spPr>
+          <a:xfrm>
+            <a:off x="5870097" y="1798611"/>
+            <a:ext cx="219465" cy="189476"/>
+          </a:xfrm>
+          <a:prstGeom prst="rect">
+            <a:avLst/>
+          </a:prstGeom>
+          <a:noFill/>
+          <a:ln>
+            <a:solidFill>
+              <a:schemeClr val="tx1"/>
+            </a:solidFill>
+          </a:ln>
+        </p:spPr>
+        <p:txBody>
+          <a:bodyPr wrap="square" lIns="91440" tIns="45720" rIns="91440" bIns="45720" anchor="ctr" anchorCtr="0">
+            <a:noAutofit/>
+          </a:bodyPr>
+          <a:lstStyle/>
+          <a:p>
+            <a:pPr algn="ctr"/>
+            <a:r>
+              <a:rPr lang="en-US" sz="1200" b="1" cap="none" spc="0" dirty="0">
+                <a:ln w="0"/>
+                <a:solidFill>
+                  <a:schemeClr val="accent1"/>
+                </a:solidFill>
+                <a:effectLst>
+                  <a:outerShdw blurRad="38100" dist="25400" dir="5400000" algn="ctr" rotWithShape="0">
+                    <a:srgbClr val="6E747A">
+                      <a:alpha val="43000"/>
+                    </a:srgbClr>
+                  </a:outerShdw>
+                </a:effectLst>
+              </a:rPr>
+              <a:t>4</a:t>
+            </a:r>
+          </a:p>
+        </p:txBody>
+      </p:sp>
+      <p:sp>
+        <p:nvSpPr>
+          <p:cNvPr id="14" name="Rectangle 13">
+            <a:extLst>
+              <a:ext uri="{FF2B5EF4-FFF2-40B4-BE49-F238E27FC236}">
+                <a16:creationId xmlns:a16="http://schemas.microsoft.com/office/drawing/2014/main" id="{A34ED7B4-C5EB-4BA0-A3F3-BEAC12317592}"/>
+              </a:ext>
+            </a:extLst>
+          </p:cNvPr>
+          <p:cNvSpPr/>
+          <p:nvPr/>
+        </p:nvSpPr>
+        <p:spPr>
+          <a:xfrm>
+            <a:off x="7243825" y="1798611"/>
+            <a:ext cx="219465" cy="189476"/>
+          </a:xfrm>
+          <a:prstGeom prst="rect">
+            <a:avLst/>
+          </a:prstGeom>
+          <a:noFill/>
+          <a:ln>
+            <a:solidFill>
+              <a:schemeClr val="tx1"/>
+            </a:solidFill>
+          </a:ln>
+        </p:spPr>
+        <p:txBody>
+          <a:bodyPr wrap="square" lIns="91440" tIns="45720" rIns="91440" bIns="45720" anchor="ctr" anchorCtr="0">
+            <a:noAutofit/>
+          </a:bodyPr>
+          <a:lstStyle/>
+          <a:p>
+            <a:pPr algn="ctr"/>
+            <a:r>
+              <a:rPr lang="en-US" sz="1200" b="1" cap="none" spc="0" dirty="0">
+                <a:ln w="0"/>
+                <a:solidFill>
+                  <a:schemeClr val="accent1"/>
+                </a:solidFill>
+                <a:effectLst>
+                  <a:outerShdw blurRad="38100" dist="25400" dir="5400000" algn="ctr" rotWithShape="0">
+                    <a:srgbClr val="6E747A">
+                      <a:alpha val="43000"/>
+                    </a:srgbClr>
+                  </a:outerShdw>
+                </a:effectLst>
+              </a:rPr>
+              <a:t>5</a:t>
+            </a:r>
+          </a:p>
+        </p:txBody>
+      </p:sp>
+      <p:sp>
+        <p:nvSpPr>
+          <p:cNvPr id="15" name="Rectangle 14">
+            <a:extLst>
+              <a:ext uri="{FF2B5EF4-FFF2-40B4-BE49-F238E27FC236}">
+                <a16:creationId xmlns:a16="http://schemas.microsoft.com/office/drawing/2014/main" id="{490C1493-1B92-4112-8F2A-1CCA2B04D275}"/>
+              </a:ext>
+            </a:extLst>
+          </p:cNvPr>
+          <p:cNvSpPr/>
+          <p:nvPr/>
+        </p:nvSpPr>
+        <p:spPr>
+          <a:xfrm>
+            <a:off x="8841897" y="1798611"/>
+            <a:ext cx="219465" cy="189476"/>
+          </a:xfrm>
+          <a:prstGeom prst="rect">
+            <a:avLst/>
+          </a:prstGeom>
+          <a:noFill/>
+          <a:ln>
+            <a:solidFill>
+              <a:schemeClr val="tx1"/>
+            </a:solidFill>
+          </a:ln>
+        </p:spPr>
+        <p:txBody>
+          <a:bodyPr wrap="square" lIns="91440" tIns="45720" rIns="91440" bIns="45720" anchor="ctr" anchorCtr="0">
+            <a:noAutofit/>
+          </a:bodyPr>
+          <a:lstStyle/>
+          <a:p>
+            <a:pPr algn="ctr"/>
+            <a:r>
+              <a:rPr lang="en-US" sz="1200" b="1" cap="none" spc="0" dirty="0">
+                <a:ln w="0"/>
+                <a:solidFill>
+                  <a:schemeClr val="accent1"/>
+                </a:solidFill>
+                <a:effectLst>
+                  <a:outerShdw blurRad="38100" dist="25400" dir="5400000" algn="ctr" rotWithShape="0">
+                    <a:srgbClr val="6E747A">
+                      <a:alpha val="43000"/>
+                    </a:srgbClr>
+                  </a:outerShdw>
+                </a:effectLst>
+              </a:rPr>
+              <a:t>5</a:t>
+            </a:r>
+          </a:p>
+        </p:txBody>
+      </p:sp>
       <p:pic>
         <p:nvPicPr>
-          <p:cNvPr id="14" name="Picture 13">
-            <a:extLst>
-              <a:ext uri="{FF2B5EF4-FFF2-40B4-BE49-F238E27FC236}">
-                <a16:creationId xmlns:a16="http://schemas.microsoft.com/office/drawing/2014/main" id="{D41CEA05-FBCC-43E4-BEB9-3A9F9FAEF28B}"/>
+          <p:cNvPr id="16" name="Picture 15">
+            <a:extLst>
+              <a:ext uri="{FF2B5EF4-FFF2-40B4-BE49-F238E27FC236}">
+                <a16:creationId xmlns:a16="http://schemas.microsoft.com/office/drawing/2014/main" id="{481844EC-4513-4743-8F39-CDDC11DACE81}"/>
               </a:ext>
             </a:extLst>
           </p:cNvPr>
@@ -8967,202 +9819,131 @@
         </p:blipFill>
         <p:spPr>
           <a:xfrm>
-            <a:off x="2002047" y="3468728"/>
-            <a:ext cx="4355723" cy="733425"/>
+            <a:off x="1404744" y="5502337"/>
+            <a:ext cx="1081088" cy="339039"/>
           </a:xfrm>
           <a:prstGeom prst="rect">
             <a:avLst/>
           </a:prstGeom>
-          <a:ln>
-            <a:solidFill>
-              <a:schemeClr val="accent1">
-                <a:shade val="50000"/>
-              </a:schemeClr>
-            </a:solidFill>
-          </a:ln>
         </p:spPr>
       </p:pic>
-      <p:sp>
-        <p:nvSpPr>
-          <p:cNvPr id="3" name="TextBox 2">
-            <a:extLst>
-              <a:ext uri="{FF2B5EF4-FFF2-40B4-BE49-F238E27FC236}">
-                <a16:creationId xmlns:a16="http://schemas.microsoft.com/office/drawing/2014/main" id="{9F946684-1EEB-4DBE-8FAA-D18D0D60ECC8}"/>
-              </a:ext>
-            </a:extLst>
-          </p:cNvPr>
-          <p:cNvSpPr txBox="1"/>
+      <p:cxnSp>
+        <p:nvCxnSpPr>
+          <p:cNvPr id="18" name="Straight Connector 17">
+            <a:extLst>
+              <a:ext uri="{FF2B5EF4-FFF2-40B4-BE49-F238E27FC236}">
+                <a16:creationId xmlns:a16="http://schemas.microsoft.com/office/drawing/2014/main" id="{833FB357-F6B6-4054-AD75-5E2A0B372F7D}"/>
+              </a:ext>
+            </a:extLst>
+          </p:cNvPr>
+          <p:cNvCxnSpPr>
+            <a:cxnSpLocks/>
+          </p:cNvCxnSpPr>
           <p:nvPr/>
-        </p:nvSpPr>
+        </p:nvCxnSpPr>
         <p:spPr>
           <a:xfrm>
-            <a:off x="4270786" y="1541332"/>
-            <a:ext cx="3926541" cy="1754326"/>
+            <a:off x="8243500" y="5981700"/>
+            <a:ext cx="400050" cy="0"/>
           </a:xfrm>
-          <a:prstGeom prst="rect">
+          <a:prstGeom prst="line">
             <a:avLst/>
           </a:prstGeom>
-          <a:noFill/>
         </p:spPr>
-        <p:txBody>
-          <a:bodyPr wrap="square" rtlCol="0">
-            <a:spAutoFit/>
-          </a:bodyPr>
-          <a:lstStyle/>
-          <a:p>
-            <a:r>
-              <a:rPr lang="en-SG" dirty="0">
-                <a:latin typeface="Comic Sans MS" panose="030F0702030302020204" pitchFamily="66" charset="0"/>
-              </a:rPr>
-              <a:t>get a cup, </a:t>
-            </a:r>
-          </a:p>
-          <a:p>
-            <a:r>
-              <a:rPr lang="en-SG" dirty="0">
-                <a:latin typeface="Comic Sans MS" panose="030F0702030302020204" pitchFamily="66" charset="0"/>
-              </a:rPr>
-              <a:t>fill it with hot water, </a:t>
-            </a:r>
-          </a:p>
-          <a:p>
-            <a:r>
-              <a:rPr lang="en-SG" dirty="0">
-                <a:latin typeface="Comic Sans MS" panose="030F0702030302020204" pitchFamily="66" charset="0"/>
-              </a:rPr>
-              <a:t>add coffee powder, </a:t>
-            </a:r>
-          </a:p>
-          <a:p>
-            <a:r>
-              <a:rPr lang="en-SG" dirty="0">
-                <a:latin typeface="Comic Sans MS" panose="030F0702030302020204" pitchFamily="66" charset="0"/>
-              </a:rPr>
-              <a:t>wait two minutes, </a:t>
-            </a:r>
-          </a:p>
-          <a:p>
-            <a:r>
-              <a:rPr lang="en-SG" dirty="0">
-                <a:latin typeface="Comic Sans MS" panose="030F0702030302020204" pitchFamily="66" charset="0"/>
-              </a:rPr>
-              <a:t>filter it, </a:t>
-            </a:r>
-          </a:p>
-          <a:p>
-            <a:r>
-              <a:rPr lang="en-SG" dirty="0">
-                <a:latin typeface="Comic Sans MS" panose="030F0702030302020204" pitchFamily="66" charset="0"/>
-              </a:rPr>
-              <a:t>add some sugar and milk.</a:t>
-            </a:r>
-          </a:p>
-        </p:txBody>
-      </p:sp>
-      <p:sp>
-        <p:nvSpPr>
-          <p:cNvPr id="15" name="TextBox 14">
-            <a:extLst>
-              <a:ext uri="{FF2B5EF4-FFF2-40B4-BE49-F238E27FC236}">
-                <a16:creationId xmlns:a16="http://schemas.microsoft.com/office/drawing/2014/main" id="{B050B569-4BA7-4869-BB28-D5BC900AEFA4}"/>
-              </a:ext>
-            </a:extLst>
-          </p:cNvPr>
-          <p:cNvSpPr txBox="1"/>
+        <p:style>
+          <a:lnRef idx="1">
+            <a:schemeClr val="accent1"/>
+          </a:lnRef>
+          <a:fillRef idx="0">
+            <a:schemeClr val="accent1"/>
+          </a:fillRef>
+          <a:effectRef idx="0">
+            <a:schemeClr val="accent1"/>
+          </a:effectRef>
+          <a:fontRef idx="minor">
+            <a:schemeClr val="tx1"/>
+          </a:fontRef>
+        </p:style>
+      </p:cxnSp>
+      <p:cxnSp>
+        <p:nvCxnSpPr>
+          <p:cNvPr id="21" name="Straight Connector 20">
+            <a:extLst>
+              <a:ext uri="{FF2B5EF4-FFF2-40B4-BE49-F238E27FC236}">
+                <a16:creationId xmlns:a16="http://schemas.microsoft.com/office/drawing/2014/main" id="{4CE090F6-3673-443B-9584-0E6947AFB54A}"/>
+              </a:ext>
+            </a:extLst>
+          </p:cNvPr>
+          <p:cNvCxnSpPr/>
           <p:nvPr/>
-        </p:nvSpPr>
+        </p:nvCxnSpPr>
         <p:spPr>
-          <a:xfrm>
-            <a:off x="6810053" y="5571746"/>
-            <a:ext cx="4432149" cy="369332"/>
+          <a:xfrm flipV="1">
+            <a:off x="8643550" y="5591175"/>
+            <a:ext cx="0" cy="390525"/>
           </a:xfrm>
-          <a:prstGeom prst="rect">
+          <a:prstGeom prst="line">
             <a:avLst/>
           </a:prstGeom>
-          <a:noFill/>
         </p:spPr>
-        <p:txBody>
-          <a:bodyPr wrap="square" rtlCol="0">
-            <a:spAutoFit/>
-          </a:bodyPr>
-          <a:lstStyle/>
-          <a:p>
-            <a:r>
-              <a:rPr lang="en-SG" b="1" dirty="0">
-                <a:solidFill>
-                  <a:srgbClr val="FF0000"/>
-                </a:solidFill>
-              </a:rPr>
-              <a:t>WARNING</a:t>
-            </a:r>
-            <a:r>
-              <a:rPr lang="en-SG" dirty="0"/>
-              <a:t>: </a:t>
-            </a:r>
-            <a:r>
-              <a:rPr lang="en-SG" b="1" i="1" dirty="0"/>
-              <a:t>print()</a:t>
-            </a:r>
-            <a:r>
-              <a:rPr lang="en-SG" b="1" dirty="0"/>
-              <a:t> </a:t>
-            </a:r>
-            <a:r>
-              <a:rPr lang="en-SG" dirty="0"/>
-              <a:t>is NOT the same as </a:t>
-            </a:r>
-            <a:r>
-              <a:rPr lang="en-SG" b="1" i="1" dirty="0">
-                <a:solidFill>
-                  <a:schemeClr val="accent1"/>
-                </a:solidFill>
-              </a:rPr>
-              <a:t>return</a:t>
-            </a:r>
-          </a:p>
-        </p:txBody>
-      </p:sp>
-      <p:pic>
-        <p:nvPicPr>
-          <p:cNvPr id="4" name="Picture 3">
-            <a:extLst>
-              <a:ext uri="{FF2B5EF4-FFF2-40B4-BE49-F238E27FC236}">
-                <a16:creationId xmlns:a16="http://schemas.microsoft.com/office/drawing/2014/main" id="{AA8245C1-0F01-4764-B494-362BD44EE734}"/>
-              </a:ext>
-            </a:extLst>
-          </p:cNvPr>
-          <p:cNvPicPr>
-            <a:picLocks noChangeAspect="1"/>
-          </p:cNvPicPr>
+        <p:style>
+          <a:lnRef idx="1">
+            <a:schemeClr val="accent1"/>
+          </a:lnRef>
+          <a:fillRef idx="0">
+            <a:schemeClr val="accent1"/>
+          </a:fillRef>
+          <a:effectRef idx="0">
+            <a:schemeClr val="accent1"/>
+          </a:effectRef>
+          <a:fontRef idx="minor">
+            <a:schemeClr val="tx1"/>
+          </a:fontRef>
+        </p:style>
+      </p:cxnSp>
+      <p:cxnSp>
+        <p:nvCxnSpPr>
+          <p:cNvPr id="23" name="Straight Arrow Connector 22">
+            <a:extLst>
+              <a:ext uri="{FF2B5EF4-FFF2-40B4-BE49-F238E27FC236}">
+                <a16:creationId xmlns:a16="http://schemas.microsoft.com/office/drawing/2014/main" id="{0F527E05-BC06-4B9F-B5AF-89913B06F248}"/>
+              </a:ext>
+            </a:extLst>
+          </p:cNvPr>
+          <p:cNvCxnSpPr/>
           <p:nvPr/>
-        </p:nvPicPr>
-        <p:blipFill>
-          <a:blip r:embed="rId5"/>
-          <a:stretch>
-            <a:fillRect/>
-          </a:stretch>
-        </p:blipFill>
+        </p:nvCxnSpPr>
         <p:spPr>
-          <a:xfrm>
-            <a:off x="3903625" y="4849965"/>
-            <a:ext cx="4162425" cy="685800"/>
+          <a:xfrm flipH="1">
+            <a:off x="2252275" y="5591175"/>
+            <a:ext cx="6391275" cy="0"/>
           </a:xfrm>
-          <a:prstGeom prst="rect">
+          <a:prstGeom prst="straightConnector1">
             <a:avLst/>
           </a:prstGeom>
           <a:ln>
-            <a:solidFill>
-              <a:schemeClr val="accent1">
-                <a:shade val="50000"/>
-              </a:schemeClr>
-            </a:solidFill>
+            <a:tailEnd type="triangle"/>
           </a:ln>
         </p:spPr>
-      </p:pic>
+        <p:style>
+          <a:lnRef idx="1">
+            <a:schemeClr val="accent1"/>
+          </a:lnRef>
+          <a:fillRef idx="0">
+            <a:schemeClr val="accent1"/>
+          </a:fillRef>
+          <a:effectRef idx="0">
+            <a:schemeClr val="accent1"/>
+          </a:effectRef>
+          <a:fontRef idx="minor">
+            <a:schemeClr val="tx1"/>
+          </a:fontRef>
+        </p:style>
+      </p:cxnSp>
     </p:spTree>
     <p:extLst>
       <p:ext uri="{BB962C8B-B14F-4D97-AF65-F5344CB8AC3E}">
-        <p14:creationId xmlns:p14="http://schemas.microsoft.com/office/powerpoint/2010/main" val="660660408"/>
+        <p14:creationId xmlns:p14="http://schemas.microsoft.com/office/powerpoint/2010/main" val="3794693878"/>
       </p:ext>
     </p:extLst>
   </p:cSld>
@@ -10432,7 +11213,7 @@
           <p:cNvPr id="2" name="Title 1">
             <a:extLst>
               <a:ext uri="{FF2B5EF4-FFF2-40B4-BE49-F238E27FC236}">
-                <a16:creationId xmlns:a16="http://schemas.microsoft.com/office/drawing/2014/main" id="{693C2E34-5E13-4B2C-9192-17A5652C5D35}"/>
+                <a16:creationId xmlns:a16="http://schemas.microsoft.com/office/drawing/2014/main" id="{E33E3848-62BE-42E7-A34E-4F44F760C362}"/>
               </a:ext>
             </a:extLst>
           </p:cNvPr>
@@ -10443,7 +11224,12 @@
             <p:ph type="title"/>
           </p:nvPr>
         </p:nvSpPr>
-        <p:spPr/>
+        <p:spPr>
+          <a:xfrm>
+            <a:off x="838200" y="365126"/>
+            <a:ext cx="10515600" cy="768350"/>
+          </a:xfrm>
+        </p:spPr>
         <p:txBody>
           <a:bodyPr/>
           <a:lstStyle/>
@@ -10458,10 +11244,10 @@
       </p:sp>
       <p:sp>
         <p:nvSpPr>
-          <p:cNvPr id="3" name="Content Placeholder 2">
-            <a:extLst>
-              <a:ext uri="{FF2B5EF4-FFF2-40B4-BE49-F238E27FC236}">
-                <a16:creationId xmlns:a16="http://schemas.microsoft.com/office/drawing/2014/main" id="{0E0013DE-9158-412B-9A84-FC1B5DE55971}"/>
+          <p:cNvPr id="4" name="Content Placeholder 3">
+            <a:extLst>
+              <a:ext uri="{FF2B5EF4-FFF2-40B4-BE49-F238E27FC236}">
+                <a16:creationId xmlns:a16="http://schemas.microsoft.com/office/drawing/2014/main" id="{4925C9FB-F092-49D1-A8CA-29ACA79395BE}"/>
               </a:ext>
             </a:extLst>
           </p:cNvPr>
@@ -10469,14 +11255,19 @@
             <a:spLocks noGrp="1"/>
           </p:cNvSpPr>
           <p:nvPr>
-            <p:ph sz="half" idx="1"/>
+            <p:ph sz="half" idx="2"/>
           </p:nvPr>
         </p:nvSpPr>
         <p:spPr>
           <a:xfrm>
-            <a:off x="838200" y="1237130"/>
-            <a:ext cx="10515600" cy="4918318"/>
+            <a:off x="6085910" y="1209676"/>
+            <a:ext cx="5181600" cy="5283198"/>
           </a:xfrm>
+          <a:ln>
+            <a:solidFill>
+              <a:schemeClr val="tx1"/>
+            </a:solidFill>
+          </a:ln>
         </p:spPr>
         <p:txBody>
           <a:bodyPr>
@@ -10488,36 +11279,80 @@
               <a:buNone/>
             </a:pPr>
             <a:r>
-              <a:rPr lang="en-SG" dirty="0"/>
-              <a:t>NOTES:</a:t>
-            </a:r>
-          </a:p>
-          <a:p>
-            <a:pPr marL="0" indent="0">
-              <a:buNone/>
-            </a:pPr>
-            <a:r>
-              <a:rPr lang="en-SG" dirty="0"/>
-              <a:t>1. Function need to be </a:t>
-            </a:r>
-            <a:r>
-              <a:rPr lang="en-SG" b="1" dirty="0"/>
-              <a:t>defined</a:t>
-            </a:r>
-            <a:r>
-              <a:rPr lang="en-SG" dirty="0"/>
-              <a:t> before used. This is done by using </a:t>
-            </a:r>
-            <a:r>
-              <a:rPr lang="en-SG" b="1" dirty="0">
+              <a:rPr lang="en-SG" sz="2000" dirty="0"/>
+              <a:t>Consider the function </a:t>
+            </a:r>
+            <a:r>
+              <a:rPr lang="en-SG" sz="2000" dirty="0" err="1"/>
+              <a:t>countChange</a:t>
+            </a:r>
+            <a:r>
+              <a:rPr lang="en-SG" sz="2000" dirty="0"/>
+              <a:t> below.</a:t>
+            </a:r>
+          </a:p>
+          <a:p>
+            <a:pPr marL="0" indent="0">
+              <a:buNone/>
+            </a:pPr>
+            <a:endParaRPr lang="en-SG" sz="1800" dirty="0"/>
+          </a:p>
+          <a:p>
+            <a:pPr marL="0" indent="0">
+              <a:buNone/>
+            </a:pPr>
+            <a:endParaRPr lang="en-SG" sz="1800" dirty="0"/>
+          </a:p>
+          <a:p>
+            <a:pPr marL="0" indent="0">
+              <a:buNone/>
+            </a:pPr>
+            <a:r>
+              <a:rPr lang="en-SG" sz="2000" dirty="0"/>
+              <a:t>In order for the result of this function to be used in other operation, it need to be returned by the function. </a:t>
+            </a:r>
+          </a:p>
+          <a:p>
+            <a:pPr marL="0" indent="0">
+              <a:buNone/>
+            </a:pPr>
+            <a:r>
+              <a:rPr lang="en-SG" sz="1800" dirty="0"/>
+              <a:t>e.g.</a:t>
+            </a:r>
+          </a:p>
+          <a:p>
+            <a:pPr marL="0" indent="0">
+              <a:buNone/>
+            </a:pPr>
+            <a:endParaRPr lang="en-SG" dirty="0"/>
+          </a:p>
+          <a:p>
+            <a:pPr marL="0" indent="0">
+              <a:buNone/>
+            </a:pPr>
+            <a:r>
+              <a:rPr lang="en-SG" sz="1800" dirty="0"/>
+              <a:t>Without </a:t>
+            </a:r>
+            <a:r>
+              <a:rPr lang="en-SG" sz="1800" b="1" dirty="0">
                 <a:solidFill>
                   <a:schemeClr val="accent1"/>
                 </a:solidFill>
               </a:rPr>
-              <a:t>def </a:t>
-            </a:r>
-            <a:r>
-              <a:rPr lang="en-SG" dirty="0"/>
+              <a:t>return</a:t>
+            </a:r>
+            <a:r>
+              <a:rPr lang="en-SG" sz="1800" dirty="0"/>
+              <a:t> statement, Python will by default return </a:t>
+            </a:r>
+            <a:r>
+              <a:rPr lang="en-SG" sz="1800" b="1" dirty="0"/>
+              <a:t>None</a:t>
+            </a:r>
+            <a:r>
+              <a:rPr lang="en-SG" sz="1800" dirty="0"/>
               <a:t>.</a:t>
             </a:r>
           </a:p>
@@ -10525,118 +11360,7 @@
             <a:pPr marL="0" indent="0">
               <a:buNone/>
             </a:pPr>
-            <a:r>
-              <a:rPr lang="en-SG" dirty="0"/>
-              <a:t>2. Function </a:t>
-            </a:r>
-            <a:r>
-              <a:rPr lang="en-SG" i="1" dirty="0"/>
-              <a:t>arguments</a:t>
-            </a:r>
-            <a:r>
-              <a:rPr lang="en-SG" dirty="0"/>
-              <a:t> are optional. It is possible to define a function with no </a:t>
-            </a:r>
-            <a:r>
-              <a:rPr lang="en-SG" i="1" dirty="0"/>
-              <a:t>arguments</a:t>
-            </a:r>
-            <a:r>
-              <a:rPr lang="en-SG" dirty="0"/>
-              <a:t> such as: </a:t>
-            </a:r>
-          </a:p>
-          <a:p>
-            <a:pPr marL="0" indent="0">
-              <a:buNone/>
-            </a:pPr>
-            <a:r>
-              <a:rPr lang="en-SG" b="1" dirty="0">
-                <a:solidFill>
-                  <a:schemeClr val="accent1"/>
-                </a:solidFill>
-              </a:rPr>
-              <a:t>	def</a:t>
-            </a:r>
-            <a:r>
-              <a:rPr lang="en-SG" dirty="0"/>
-              <a:t> </a:t>
-            </a:r>
-            <a:r>
-              <a:rPr lang="en-SG" dirty="0" err="1"/>
-              <a:t>make_a_cup_of_coffee</a:t>
-            </a:r>
-            <a:r>
-              <a:rPr lang="en-SG" dirty="0"/>
-              <a:t> ()</a:t>
-            </a:r>
-          </a:p>
-          <a:p>
-            <a:pPr marL="0" indent="0">
-              <a:buNone/>
-            </a:pPr>
-            <a:r>
-              <a:rPr lang="en-SG" dirty="0"/>
-              <a:t>3. You can have default value for a given </a:t>
-            </a:r>
-            <a:r>
-              <a:rPr lang="en-SG" i="1" dirty="0"/>
-              <a:t>argument</a:t>
-            </a:r>
-            <a:r>
-              <a:rPr lang="en-SG" dirty="0"/>
-              <a:t>. In below example, ‘number’ is mandatory, while ‘</a:t>
-            </a:r>
-            <a:r>
-              <a:rPr lang="en-SG" dirty="0" err="1"/>
-              <a:t>multiplyBy</a:t>
-            </a:r>
-            <a:r>
-              <a:rPr lang="en-SG" dirty="0"/>
-              <a:t>’ is optional with default value of 2.</a:t>
-            </a:r>
-          </a:p>
-          <a:p>
-            <a:pPr marL="0" indent="0">
-              <a:buNone/>
-            </a:pPr>
-            <a:endParaRPr lang="en-SG" sz="2000" dirty="0"/>
-          </a:p>
-          <a:p>
-            <a:pPr marL="0" indent="0">
-              <a:buNone/>
-            </a:pPr>
-            <a:endParaRPr lang="en-SG" sz="2000" dirty="0"/>
-          </a:p>
-          <a:p>
-            <a:pPr marL="0" indent="0">
-              <a:buNone/>
-            </a:pPr>
-            <a:endParaRPr lang="en-SG" sz="2000" dirty="0"/>
-          </a:p>
-          <a:p>
-            <a:pPr marL="0" indent="0">
-              <a:buNone/>
-            </a:pPr>
-            <a:endParaRPr lang="en-SG" sz="2000" dirty="0"/>
-          </a:p>
-          <a:p>
-            <a:pPr marL="0" indent="0">
-              <a:buNone/>
-            </a:pPr>
-            <a:endParaRPr lang="en-SG" sz="2000" dirty="0"/>
-          </a:p>
-          <a:p>
-            <a:pPr marL="0" indent="0">
-              <a:buNone/>
-            </a:pPr>
-            <a:endParaRPr lang="en-SG" sz="2000" dirty="0"/>
-          </a:p>
-          <a:p>
-            <a:pPr marL="0" indent="0">
-              <a:buNone/>
-            </a:pPr>
-            <a:endParaRPr lang="en-SG" sz="2000" dirty="0"/>
+            <a:endParaRPr lang="en-SG" dirty="0"/>
           </a:p>
         </p:txBody>
       </p:sp>
@@ -10645,7 +11369,7 @@
           <p:cNvPr id="5" name="Picture 4">
             <a:extLst>
               <a:ext uri="{FF2B5EF4-FFF2-40B4-BE49-F238E27FC236}">
-                <a16:creationId xmlns:a16="http://schemas.microsoft.com/office/drawing/2014/main" id="{FA62C500-0AE7-44B6-A796-39A5B8D00328}"/>
+                <a16:creationId xmlns:a16="http://schemas.microsoft.com/office/drawing/2014/main" id="{0A9E03FC-56B4-4E07-B527-B3211B7B5AB0}"/>
               </a:ext>
             </a:extLst>
           </p:cNvPr>
@@ -10662,8 +11386,170 @@
         </p:blipFill>
         <p:spPr>
           <a:xfrm>
-            <a:off x="4125838" y="4672437"/>
-            <a:ext cx="3940324" cy="536517"/>
+            <a:off x="588536" y="2882926"/>
+            <a:ext cx="4393040" cy="2658714"/>
+          </a:xfrm>
+          <a:prstGeom prst="rect">
+            <a:avLst/>
+          </a:prstGeom>
+        </p:spPr>
+      </p:pic>
+      <p:sp>
+        <p:nvSpPr>
+          <p:cNvPr id="6" name="Speech Bubble: Oval 5">
+            <a:extLst>
+              <a:ext uri="{FF2B5EF4-FFF2-40B4-BE49-F238E27FC236}">
+                <a16:creationId xmlns:a16="http://schemas.microsoft.com/office/drawing/2014/main" id="{414711EA-51C9-4637-9265-F3780E05B059}"/>
+              </a:ext>
+            </a:extLst>
+          </p:cNvPr>
+          <p:cNvSpPr/>
+          <p:nvPr/>
+        </p:nvSpPr>
+        <p:spPr>
+          <a:xfrm>
+            <a:off x="924490" y="2233989"/>
+            <a:ext cx="2715265" cy="652706"/>
+          </a:xfrm>
+          <a:prstGeom prst="wedgeEllipseCallout">
+            <a:avLst/>
+          </a:prstGeom>
+          <a:solidFill>
+            <a:schemeClr val="bg1"/>
+          </a:solidFill>
+        </p:spPr>
+        <p:style>
+          <a:lnRef idx="2">
+            <a:schemeClr val="accent1">
+              <a:shade val="50000"/>
+            </a:schemeClr>
+          </a:lnRef>
+          <a:fillRef idx="1">
+            <a:schemeClr val="accent1"/>
+          </a:fillRef>
+          <a:effectRef idx="0">
+            <a:schemeClr val="accent1"/>
+          </a:effectRef>
+          <a:fontRef idx="minor">
+            <a:schemeClr val="lt1"/>
+          </a:fontRef>
+        </p:style>
+        <p:txBody>
+          <a:bodyPr rtlCol="0" anchor="ctr"/>
+          <a:lstStyle/>
+          <a:p>
+            <a:pPr algn="ctr"/>
+            <a:r>
+              <a:rPr lang="en-SG" sz="1200" dirty="0">
+                <a:solidFill>
+                  <a:schemeClr val="tx1"/>
+                </a:solidFill>
+                <a:latin typeface="Comic Sans MS" panose="030F0702030302020204" pitchFamily="66" charset="0"/>
+              </a:rPr>
+              <a:t>But sir, I have calculated everything correctly.</a:t>
+            </a:r>
+          </a:p>
+        </p:txBody>
+      </p:sp>
+      <p:sp>
+        <p:nvSpPr>
+          <p:cNvPr id="7" name="Speech Bubble: Oval 6">
+            <a:extLst>
+              <a:ext uri="{FF2B5EF4-FFF2-40B4-BE49-F238E27FC236}">
+                <a16:creationId xmlns:a16="http://schemas.microsoft.com/office/drawing/2014/main" id="{1982F75E-1EF5-4DC0-92A0-1135EBB60A2F}"/>
+              </a:ext>
+            </a:extLst>
+          </p:cNvPr>
+          <p:cNvSpPr/>
+          <p:nvPr/>
+        </p:nvSpPr>
+        <p:spPr>
+          <a:xfrm>
+            <a:off x="3165890" y="2219496"/>
+            <a:ext cx="2687505" cy="652706"/>
+          </a:xfrm>
+          <a:prstGeom prst="wedgeEllipseCallout">
+            <a:avLst/>
+          </a:prstGeom>
+          <a:solidFill>
+            <a:schemeClr val="bg1"/>
+          </a:solidFill>
+        </p:spPr>
+        <p:style>
+          <a:lnRef idx="2">
+            <a:schemeClr val="accent1">
+              <a:shade val="50000"/>
+            </a:schemeClr>
+          </a:lnRef>
+          <a:fillRef idx="1">
+            <a:schemeClr val="accent1"/>
+          </a:fillRef>
+          <a:effectRef idx="0">
+            <a:schemeClr val="accent1"/>
+          </a:effectRef>
+          <a:fontRef idx="minor">
+            <a:schemeClr val="lt1"/>
+          </a:fontRef>
+        </p:style>
+        <p:txBody>
+          <a:bodyPr rtlCol="0" anchor="ctr"/>
+          <a:lstStyle/>
+          <a:p>
+            <a:pPr algn="ctr"/>
+            <a:r>
+              <a:rPr lang="en-SG" sz="1200" dirty="0">
+                <a:solidFill>
+                  <a:schemeClr val="tx1"/>
+                </a:solidFill>
+                <a:latin typeface="Comic Sans MS" panose="030F0702030302020204" pitchFamily="66" charset="0"/>
+              </a:rPr>
+              <a:t>Except that you never </a:t>
+            </a:r>
+            <a:r>
+              <a:rPr lang="en-SG" sz="1200" b="1" i="1" dirty="0">
+                <a:solidFill>
+                  <a:schemeClr val="tx1"/>
+                </a:solidFill>
+                <a:latin typeface="Comic Sans MS" panose="030F0702030302020204" pitchFamily="66" charset="0"/>
+              </a:rPr>
+              <a:t>return</a:t>
+            </a:r>
+            <a:r>
+              <a:rPr lang="en-SG" sz="1200" dirty="0">
+                <a:solidFill>
+                  <a:schemeClr val="tx1"/>
+                </a:solidFill>
+                <a:latin typeface="Comic Sans MS" panose="030F0702030302020204" pitchFamily="66" charset="0"/>
+              </a:rPr>
+              <a:t> my change to me.</a:t>
+            </a:r>
+          </a:p>
+        </p:txBody>
+      </p:sp>
+      <p:pic>
+        <p:nvPicPr>
+          <p:cNvPr id="11" name="Picture 10">
+            <a:extLst>
+              <a:ext uri="{FF2B5EF4-FFF2-40B4-BE49-F238E27FC236}">
+                <a16:creationId xmlns:a16="http://schemas.microsoft.com/office/drawing/2014/main" id="{F8919CC4-1F54-41AE-9CDF-B9C3169C3250}"/>
+              </a:ext>
+            </a:extLst>
+          </p:cNvPr>
+          <p:cNvPicPr>
+            <a:picLocks noChangeAspect="1"/>
+          </p:cNvPicPr>
+          <p:nvPr/>
+        </p:nvPicPr>
+        <p:blipFill>
+          <a:blip r:embed="rId3"/>
+          <a:stretch>
+            <a:fillRect/>
+          </a:stretch>
+        </p:blipFill>
+        <p:spPr>
+          <a:xfrm>
+            <a:off x="6806952" y="1596503"/>
+            <a:ext cx="3739515" cy="722497"/>
           </a:xfrm>
           <a:prstGeom prst="rect">
             <a:avLst/>
@@ -10679,47 +11565,10 @@
       </p:pic>
       <p:pic>
         <p:nvPicPr>
-          <p:cNvPr id="6" name="Picture 5">
-            <a:extLst>
-              <a:ext uri="{FF2B5EF4-FFF2-40B4-BE49-F238E27FC236}">
-                <a16:creationId xmlns:a16="http://schemas.microsoft.com/office/drawing/2014/main" id="{DAAA7D5E-22B3-4B4A-9E5F-D773200AFBAF}"/>
-              </a:ext>
-            </a:extLst>
-          </p:cNvPr>
-          <p:cNvPicPr>
-            <a:picLocks noChangeAspect="1"/>
-          </p:cNvPicPr>
-          <p:nvPr/>
-        </p:nvPicPr>
-        <p:blipFill>
-          <a:blip r:embed="rId3"/>
-          <a:stretch>
-            <a:fillRect/>
-          </a:stretch>
-        </p:blipFill>
-        <p:spPr>
-          <a:xfrm>
-            <a:off x="2043785" y="5084353"/>
-            <a:ext cx="2503282" cy="536517"/>
-          </a:xfrm>
-          <a:prstGeom prst="rect">
-            <a:avLst/>
-          </a:prstGeom>
-          <a:ln>
-            <a:solidFill>
-              <a:schemeClr val="accent1">
-                <a:shade val="50000"/>
-              </a:schemeClr>
-            </a:solidFill>
-          </a:ln>
-        </p:spPr>
-      </p:pic>
-      <p:pic>
-        <p:nvPicPr>
-          <p:cNvPr id="7" name="Picture 6">
-            <a:extLst>
-              <a:ext uri="{FF2B5EF4-FFF2-40B4-BE49-F238E27FC236}">
-                <a16:creationId xmlns:a16="http://schemas.microsoft.com/office/drawing/2014/main" id="{7AED6DC0-635F-4837-92DB-715D3102E145}"/>
+          <p:cNvPr id="12" name="Picture 11">
+            <a:extLst>
+              <a:ext uri="{FF2B5EF4-FFF2-40B4-BE49-F238E27FC236}">
+                <a16:creationId xmlns:a16="http://schemas.microsoft.com/office/drawing/2014/main" id="{86B55FD1-E6F2-48BF-A7ED-5A7147098609}"/>
               </a:ext>
             </a:extLst>
           </p:cNvPr>
@@ -10736,25 +11585,81 @@
         </p:blipFill>
         <p:spPr>
           <a:xfrm>
-            <a:off x="7002392" y="5084352"/>
-            <a:ext cx="2571582" cy="536517"/>
+            <a:off x="6557684" y="3429000"/>
+            <a:ext cx="4709826" cy="642541"/>
           </a:xfrm>
           <a:prstGeom prst="rect">
             <a:avLst/>
           </a:prstGeom>
-          <a:ln>
-            <a:solidFill>
-              <a:schemeClr val="accent1">
-                <a:shade val="50000"/>
-              </a:schemeClr>
-            </a:solidFill>
-          </a:ln>
         </p:spPr>
       </p:pic>
+      <p:sp>
+        <p:nvSpPr>
+          <p:cNvPr id="13" name="TextBox 12">
+            <a:extLst>
+              <a:ext uri="{FF2B5EF4-FFF2-40B4-BE49-F238E27FC236}">
+                <a16:creationId xmlns:a16="http://schemas.microsoft.com/office/drawing/2014/main" id="{1F75EB56-1D3B-4A80-B01D-2EA675B8FB63}"/>
+              </a:ext>
+            </a:extLst>
+          </p:cNvPr>
+          <p:cNvSpPr txBox="1"/>
+          <p:nvPr/>
+        </p:nvSpPr>
+        <p:spPr>
+          <a:xfrm>
+            <a:off x="6324036" y="5890755"/>
+            <a:ext cx="4943474" cy="400110"/>
+          </a:xfrm>
+          <a:prstGeom prst="rect">
+            <a:avLst/>
+          </a:prstGeom>
+          <a:noFill/>
+        </p:spPr>
+        <p:txBody>
+          <a:bodyPr wrap="square" rtlCol="0">
+            <a:spAutoFit/>
+          </a:bodyPr>
+          <a:lstStyle/>
+          <a:p>
+            <a:r>
+              <a:rPr lang="en-SG" sz="2000" b="1" dirty="0">
+                <a:solidFill>
+                  <a:srgbClr val="FF0000"/>
+                </a:solidFill>
+              </a:rPr>
+              <a:t>WARNING</a:t>
+            </a:r>
+            <a:r>
+              <a:rPr lang="en-SG" sz="2000" dirty="0"/>
+              <a:t>: </a:t>
+            </a:r>
+            <a:r>
+              <a:rPr lang="en-SG" sz="2000" b="1" i="1" dirty="0"/>
+              <a:t>print()</a:t>
+            </a:r>
+            <a:r>
+              <a:rPr lang="en-SG" sz="2000" b="1" dirty="0"/>
+              <a:t> </a:t>
+            </a:r>
+            <a:r>
+              <a:rPr lang="en-SG" sz="2000" dirty="0"/>
+              <a:t>is NOT the same as </a:t>
+            </a:r>
+            <a:r>
+              <a:rPr lang="en-SG" sz="2000" b="1" i="1" dirty="0">
+                <a:solidFill>
+                  <a:schemeClr val="accent1"/>
+                </a:solidFill>
+              </a:rPr>
+              <a:t>return</a:t>
+            </a:r>
+          </a:p>
+        </p:txBody>
+      </p:sp>
     </p:spTree>
     <p:extLst>
       <p:ext uri="{BB962C8B-B14F-4D97-AF65-F5344CB8AC3E}">
-        <p14:creationId xmlns:p14="http://schemas.microsoft.com/office/powerpoint/2010/main" val="2828837332"/>
+        <p14:creationId xmlns:p14="http://schemas.microsoft.com/office/powerpoint/2010/main" val="1759688197"/>
       </p:ext>
     </p:extLst>
   </p:cSld>
@@ -10786,333 +11691,6 @@
           <p:cNvPr id="2" name="Title 1">
             <a:extLst>
               <a:ext uri="{FF2B5EF4-FFF2-40B4-BE49-F238E27FC236}">
-                <a16:creationId xmlns:a16="http://schemas.microsoft.com/office/drawing/2014/main" id="{689C623C-7DDD-4345-8422-8A503586D2EE}"/>
-              </a:ext>
-            </a:extLst>
-          </p:cNvPr>
-          <p:cNvSpPr>
-            <a:spLocks noGrp="1"/>
-          </p:cNvSpPr>
-          <p:nvPr>
-            <p:ph type="title"/>
-          </p:nvPr>
-        </p:nvSpPr>
-        <p:spPr/>
-        <p:txBody>
-          <a:bodyPr/>
-          <a:lstStyle/>
-          <a:p>
-            <a:pPr algn="ctr"/>
-            <a:r>
-              <a:rPr lang="en-SG" dirty="0"/>
-              <a:t>V. Function – cont.</a:t>
-            </a:r>
-          </a:p>
-        </p:txBody>
-      </p:sp>
-      <p:sp>
-        <p:nvSpPr>
-          <p:cNvPr id="3" name="Content Placeholder 2">
-            <a:extLst>
-              <a:ext uri="{FF2B5EF4-FFF2-40B4-BE49-F238E27FC236}">
-                <a16:creationId xmlns:a16="http://schemas.microsoft.com/office/drawing/2014/main" id="{0B7AE8FD-D45A-4FB0-B77E-B2CA47258CAE}"/>
-              </a:ext>
-            </a:extLst>
-          </p:cNvPr>
-          <p:cNvSpPr>
-            <a:spLocks noGrp="1"/>
-          </p:cNvSpPr>
-          <p:nvPr>
-            <p:ph sz="half" idx="1"/>
-          </p:nvPr>
-        </p:nvSpPr>
-        <p:spPr>
-          <a:xfrm>
-            <a:off x="838199" y="1452282"/>
-            <a:ext cx="10515599" cy="4916245"/>
-          </a:xfrm>
-        </p:spPr>
-        <p:txBody>
-          <a:bodyPr>
-            <a:noAutofit/>
-          </a:bodyPr>
-          <a:lstStyle/>
-          <a:p>
-            <a:pPr marL="514350" indent="-514350">
-              <a:buFont typeface="+mj-lt"/>
-              <a:buAutoNum type="arabicPeriod" startAt="5"/>
-            </a:pPr>
-            <a:r>
-              <a:rPr lang="en-SG" dirty="0"/>
-              <a:t>Function can have arbitrary argument list. Denoted with *</a:t>
-            </a:r>
-          </a:p>
-          <a:p>
-            <a:pPr marL="514350" indent="-514350">
-              <a:buFont typeface="+mj-lt"/>
-              <a:buAutoNum type="arabicPeriod" startAt="6"/>
-            </a:pPr>
-            <a:r>
-              <a:rPr lang="en-SG" dirty="0"/>
-              <a:t>Function can have arbitrary named arguments. Denoted with **. </a:t>
-            </a:r>
-          </a:p>
-          <a:p>
-            <a:pPr marL="0" indent="0">
-              <a:buNone/>
-            </a:pPr>
-            <a:endParaRPr lang="en-SG" dirty="0"/>
-          </a:p>
-          <a:p>
-            <a:pPr marL="514350" indent="-514350">
-              <a:buFont typeface="+mj-lt"/>
-              <a:buAutoNum type="arabicPeriod" startAt="6"/>
-            </a:pPr>
-            <a:endParaRPr lang="en-SG" dirty="0"/>
-          </a:p>
-          <a:p>
-            <a:pPr marL="0" indent="0">
-              <a:buNone/>
-            </a:pPr>
-            <a:endParaRPr lang="en-SG" sz="1000" dirty="0"/>
-          </a:p>
-          <a:p>
-            <a:pPr marL="0" indent="0">
-              <a:buNone/>
-            </a:pPr>
-            <a:r>
-              <a:rPr lang="en-SG" sz="1600" u="sng" dirty="0"/>
-              <a:t>Sample invocation:</a:t>
-            </a:r>
-          </a:p>
-          <a:p>
-            <a:pPr marL="0" indent="0">
-              <a:buNone/>
-            </a:pPr>
-            <a:endParaRPr lang="en-SG" sz="1600" dirty="0"/>
-          </a:p>
-          <a:p>
-            <a:pPr marL="0" indent="0">
-              <a:buNone/>
-            </a:pPr>
-            <a:r>
-              <a:rPr lang="en-SG" sz="1600" u="sng" dirty="0"/>
-              <a:t>Output:</a:t>
-            </a:r>
-          </a:p>
-          <a:p>
-            <a:pPr marL="0" indent="0">
-              <a:buNone/>
-            </a:pPr>
-            <a:endParaRPr lang="en-SG" dirty="0"/>
-          </a:p>
-          <a:p>
-            <a:pPr marL="0" indent="0">
-              <a:buNone/>
-            </a:pPr>
-            <a:endParaRPr lang="en-SG" sz="1000" dirty="0"/>
-          </a:p>
-          <a:p>
-            <a:pPr marL="0" indent="0">
-              <a:lnSpc>
-                <a:spcPct val="100000"/>
-              </a:lnSpc>
-              <a:spcBef>
-                <a:spcPts val="0"/>
-              </a:spcBef>
-              <a:buNone/>
-            </a:pPr>
-            <a:endParaRPr lang="en-SG" sz="1600" b="1" dirty="0"/>
-          </a:p>
-          <a:p>
-            <a:pPr marL="0" indent="0">
-              <a:lnSpc>
-                <a:spcPct val="100000"/>
-              </a:lnSpc>
-              <a:spcBef>
-                <a:spcPts val="0"/>
-              </a:spcBef>
-              <a:buNone/>
-            </a:pPr>
-            <a:endParaRPr lang="en-SG" sz="1600" b="1" dirty="0"/>
-          </a:p>
-          <a:p>
-            <a:pPr marL="0" indent="0">
-              <a:lnSpc>
-                <a:spcPct val="100000"/>
-              </a:lnSpc>
-              <a:spcBef>
-                <a:spcPts val="0"/>
-              </a:spcBef>
-              <a:buNone/>
-            </a:pPr>
-            <a:r>
-              <a:rPr lang="en-SG" sz="1600" b="1" dirty="0"/>
-              <a:t>NOTE</a:t>
-            </a:r>
-            <a:r>
-              <a:rPr lang="en-SG" sz="1600" dirty="0"/>
-              <a:t>: </a:t>
-            </a:r>
-          </a:p>
-          <a:p>
-            <a:pPr marL="0" indent="0">
-              <a:lnSpc>
-                <a:spcPct val="100000"/>
-              </a:lnSpc>
-              <a:spcBef>
-                <a:spcPts val="0"/>
-              </a:spcBef>
-              <a:buNone/>
-            </a:pPr>
-            <a:r>
-              <a:rPr lang="en-SG" sz="1400" dirty="0"/>
-              <a:t>The order of the arguments matter in the function definition. Start with mandatory argument, argument with default, *</a:t>
-            </a:r>
-            <a:r>
-              <a:rPr lang="en-SG" sz="1400" dirty="0" err="1"/>
-              <a:t>args</a:t>
-            </a:r>
-            <a:r>
-              <a:rPr lang="en-SG" sz="1400" dirty="0"/>
-              <a:t>, **</a:t>
-            </a:r>
-            <a:r>
-              <a:rPr lang="en-SG" sz="1400" dirty="0" err="1"/>
-              <a:t>kwargs</a:t>
-            </a:r>
-            <a:r>
-              <a:rPr lang="en-SG" sz="1400" dirty="0"/>
-              <a:t>.</a:t>
-            </a:r>
-          </a:p>
-        </p:txBody>
-      </p:sp>
-      <p:pic>
-        <p:nvPicPr>
-          <p:cNvPr id="4" name="Picture 3">
-            <a:extLst>
-              <a:ext uri="{FF2B5EF4-FFF2-40B4-BE49-F238E27FC236}">
-                <a16:creationId xmlns:a16="http://schemas.microsoft.com/office/drawing/2014/main" id="{2860057B-0CB3-4B95-AD16-83BFE6A67D5B}"/>
-              </a:ext>
-            </a:extLst>
-          </p:cNvPr>
-          <p:cNvPicPr>
-            <a:picLocks noChangeAspect="1"/>
-          </p:cNvPicPr>
-          <p:nvPr/>
-        </p:nvPicPr>
-        <p:blipFill>
-          <a:blip r:embed="rId2"/>
-          <a:stretch>
-            <a:fillRect/>
-          </a:stretch>
-        </p:blipFill>
-        <p:spPr>
-          <a:xfrm>
-            <a:off x="2628898" y="2399851"/>
-            <a:ext cx="6934200" cy="1219200"/>
-          </a:xfrm>
-          <a:prstGeom prst="rect">
-            <a:avLst/>
-          </a:prstGeom>
-        </p:spPr>
-      </p:pic>
-      <p:pic>
-        <p:nvPicPr>
-          <p:cNvPr id="6" name="Picture 5">
-            <a:extLst>
-              <a:ext uri="{FF2B5EF4-FFF2-40B4-BE49-F238E27FC236}">
-                <a16:creationId xmlns:a16="http://schemas.microsoft.com/office/drawing/2014/main" id="{9CD41784-7C7C-41DD-81EF-D5350453313F}"/>
-              </a:ext>
-            </a:extLst>
-          </p:cNvPr>
-          <p:cNvPicPr>
-            <a:picLocks noChangeAspect="1"/>
-          </p:cNvPicPr>
-          <p:nvPr/>
-        </p:nvPicPr>
-        <p:blipFill>
-          <a:blip r:embed="rId3"/>
-          <a:stretch>
-            <a:fillRect/>
-          </a:stretch>
-        </p:blipFill>
-        <p:spPr>
-          <a:xfrm>
-            <a:off x="838197" y="4042464"/>
-            <a:ext cx="9953625" cy="285750"/>
-          </a:xfrm>
-          <a:prstGeom prst="rect">
-            <a:avLst/>
-          </a:prstGeom>
-        </p:spPr>
-      </p:pic>
-      <p:pic>
-        <p:nvPicPr>
-          <p:cNvPr id="8" name="Picture 7">
-            <a:extLst>
-              <a:ext uri="{FF2B5EF4-FFF2-40B4-BE49-F238E27FC236}">
-                <a16:creationId xmlns:a16="http://schemas.microsoft.com/office/drawing/2014/main" id="{207CCEFC-342E-4971-8102-5884A6D0CEEC}"/>
-              </a:ext>
-            </a:extLst>
-          </p:cNvPr>
-          <p:cNvPicPr>
-            <a:picLocks noChangeAspect="1"/>
-          </p:cNvPicPr>
-          <p:nvPr/>
-        </p:nvPicPr>
-        <p:blipFill>
-          <a:blip r:embed="rId4"/>
-          <a:stretch>
-            <a:fillRect/>
-          </a:stretch>
-        </p:blipFill>
-        <p:spPr>
-          <a:xfrm>
-            <a:off x="913952" y="4743001"/>
-            <a:ext cx="7696200" cy="1019175"/>
-          </a:xfrm>
-          <a:prstGeom prst="rect">
-            <a:avLst/>
-          </a:prstGeom>
-        </p:spPr>
-      </p:pic>
-    </p:spTree>
-    <p:extLst>
-      <p:ext uri="{BB962C8B-B14F-4D97-AF65-F5344CB8AC3E}">
-        <p14:creationId xmlns:p14="http://schemas.microsoft.com/office/powerpoint/2010/main" val="1016635952"/>
-      </p:ext>
-    </p:extLst>
-  </p:cSld>
-  <p:clrMapOvr>
-    <a:masterClrMapping/>
-  </p:clrMapOvr>
-</p:sld>
-</file>
-
-<file path=ppt/slides/slide22.xml><?xml version="1.0" encoding="utf-8"?>
-<p:sld xmlns:a="http://schemas.openxmlformats.org/drawingml/2006/main" xmlns:r="http://schemas.openxmlformats.org/officeDocument/2006/relationships" xmlns:p="http://schemas.openxmlformats.org/presentationml/2006/main">
-  <p:cSld>
-    <p:spTree>
-      <p:nvGrpSpPr>
-        <p:cNvPr id="1" name=""/>
-        <p:cNvGrpSpPr/>
-        <p:nvPr/>
-      </p:nvGrpSpPr>
-      <p:grpSpPr>
-        <a:xfrm>
-          <a:off x="0" y="0"/>
-          <a:ext cx="0" cy="0"/>
-          <a:chOff x="0" y="0"/>
-          <a:chExt cx="0" cy="0"/>
-        </a:xfrm>
-      </p:grpSpPr>
-      <p:sp>
-        <p:nvSpPr>
-          <p:cNvPr id="2" name="Title 1">
-            <a:extLst>
-              <a:ext uri="{FF2B5EF4-FFF2-40B4-BE49-F238E27FC236}">
                 <a16:creationId xmlns:a16="http://schemas.microsoft.com/office/drawing/2014/main" id="{ECC31522-E740-452A-A37A-C2C69F566134}"/>
               </a:ext>
             </a:extLst>
@@ -11228,7 +11806,7 @@
 </p:sld>
 </file>
 
-<file path=ppt/slides/slide23.xml><?xml version="1.0" encoding="utf-8"?>
+<file path=ppt/slides/slide22.xml><?xml version="1.0" encoding="utf-8"?>
 <p:sld xmlns:a="http://schemas.openxmlformats.org/drawingml/2006/main" xmlns:r="http://schemas.openxmlformats.org/officeDocument/2006/relationships" xmlns:p="http://schemas.openxmlformats.org/presentationml/2006/main">
   <p:cSld>
     <p:spTree>
@@ -11672,7 +12250,7 @@
 </p:sld>
 </file>
 
-<file path=ppt/slides/slide24.xml><?xml version="1.0" encoding="utf-8"?>
+<file path=ppt/slides/slide23.xml><?xml version="1.0" encoding="utf-8"?>
 <p:sld xmlns:a="http://schemas.openxmlformats.org/drawingml/2006/main" xmlns:r="http://schemas.openxmlformats.org/officeDocument/2006/relationships" xmlns:p="http://schemas.openxmlformats.org/presentationml/2006/main">
   <p:cSld>
     <p:spTree>
@@ -11817,7 +12395,7 @@
             </a:pPr>
             <a:r>
               <a:rPr lang="en-SG" sz="1400" dirty="0"/>
-              <a:t>Sample fail login:				Sample successful login:</a:t>
+              <a:t>Sample fail login:			     Sample successful login:</a:t>
             </a:r>
           </a:p>
         </p:txBody>
@@ -11854,10 +12432,10 @@
       </p:pic>
       <p:pic>
         <p:nvPicPr>
-          <p:cNvPr id="6" name="Picture 5">
-            <a:extLst>
-              <a:ext uri="{FF2B5EF4-FFF2-40B4-BE49-F238E27FC236}">
-                <a16:creationId xmlns:a16="http://schemas.microsoft.com/office/drawing/2014/main" id="{CAFF0C56-8170-4CDB-922A-21C8424A7E3B}"/>
+          <p:cNvPr id="8" name="Picture 7">
+            <a:extLst>
+              <a:ext uri="{FF2B5EF4-FFF2-40B4-BE49-F238E27FC236}">
+                <a16:creationId xmlns:a16="http://schemas.microsoft.com/office/drawing/2014/main" id="{9856E1F1-0E8B-421A-BE97-869AD260CAA5}"/>
               </a:ext>
             </a:extLst>
           </p:cNvPr>
@@ -11868,36 +12446,6 @@
         </p:nvPicPr>
         <p:blipFill>
           <a:blip r:embed="rId3"/>
-          <a:stretch>
-            <a:fillRect/>
-          </a:stretch>
-        </p:blipFill>
-        <p:spPr>
-          <a:xfrm>
-            <a:off x="2210641" y="3816354"/>
-            <a:ext cx="2415707" cy="2547657"/>
-          </a:xfrm>
-          <a:prstGeom prst="rect">
-            <a:avLst/>
-          </a:prstGeom>
-        </p:spPr>
-      </p:pic>
-      <p:pic>
-        <p:nvPicPr>
-          <p:cNvPr id="8" name="Picture 7">
-            <a:extLst>
-              <a:ext uri="{FF2B5EF4-FFF2-40B4-BE49-F238E27FC236}">
-                <a16:creationId xmlns:a16="http://schemas.microsoft.com/office/drawing/2014/main" id="{9856E1F1-0E8B-421A-BE97-869AD260CAA5}"/>
-              </a:ext>
-            </a:extLst>
-          </p:cNvPr>
-          <p:cNvPicPr>
-            <a:picLocks noChangeAspect="1"/>
-          </p:cNvPicPr>
-          <p:nvPr/>
-        </p:nvPicPr>
-        <p:blipFill>
-          <a:blip r:embed="rId4"/>
           <a:stretch>
             <a:fillRect/>
           </a:stretch>
@@ -11941,7 +12489,7 @@
           <p:nvPr/>
         </p:nvPicPr>
         <p:blipFill>
-          <a:blip r:embed="rId5"/>
+          <a:blip r:embed="rId4"/>
           <a:stretch>
             <a:fillRect/>
           </a:stretch>
@@ -11985,7 +12533,7 @@
           <p:nvPr/>
         </p:nvPicPr>
         <p:blipFill>
-          <a:blip r:embed="rId6"/>
+          <a:blip r:embed="rId5"/>
           <a:stretch>
             <a:fillRect/>
           </a:stretch>
@@ -12005,10 +12553,225 @@
           </a:ln>
         </p:spPr>
       </p:pic>
+      <p:pic>
+        <p:nvPicPr>
+          <p:cNvPr id="4" name="Picture 3">
+            <a:extLst>
+              <a:ext uri="{FF2B5EF4-FFF2-40B4-BE49-F238E27FC236}">
+                <a16:creationId xmlns:a16="http://schemas.microsoft.com/office/drawing/2014/main" id="{902193E4-9148-4050-BCAD-B6E49F7F1D92}"/>
+              </a:ext>
+            </a:extLst>
+          </p:cNvPr>
+          <p:cNvPicPr>
+            <a:picLocks noChangeAspect="1"/>
+          </p:cNvPicPr>
+          <p:nvPr/>
+        </p:nvPicPr>
+        <p:blipFill>
+          <a:blip r:embed="rId6"/>
+          <a:stretch>
+            <a:fillRect/>
+          </a:stretch>
+        </p:blipFill>
+        <p:spPr>
+          <a:xfrm>
+            <a:off x="2222209" y="3890962"/>
+            <a:ext cx="1847850" cy="2371725"/>
+          </a:xfrm>
+          <a:prstGeom prst="rect">
+            <a:avLst/>
+          </a:prstGeom>
+          <a:ln>
+            <a:solidFill>
+              <a:schemeClr val="tx1"/>
+            </a:solidFill>
+          </a:ln>
+        </p:spPr>
+      </p:pic>
     </p:spTree>
     <p:extLst>
       <p:ext uri="{BB962C8B-B14F-4D97-AF65-F5344CB8AC3E}">
         <p14:creationId xmlns:p14="http://schemas.microsoft.com/office/powerpoint/2010/main" val="539240856"/>
+      </p:ext>
+    </p:extLst>
+  </p:cSld>
+  <p:clrMapOvr>
+    <a:masterClrMapping/>
+  </p:clrMapOvr>
+</p:sld>
+</file>
+
+<file path=ppt/slides/slide24.xml><?xml version="1.0" encoding="utf-8"?>
+<p:sld xmlns:a="http://schemas.openxmlformats.org/drawingml/2006/main" xmlns:r="http://schemas.openxmlformats.org/officeDocument/2006/relationships" xmlns:p="http://schemas.openxmlformats.org/presentationml/2006/main">
+  <p:cSld>
+    <p:spTree>
+      <p:nvGrpSpPr>
+        <p:cNvPr id="1" name=""/>
+        <p:cNvGrpSpPr/>
+        <p:nvPr/>
+      </p:nvGrpSpPr>
+      <p:grpSpPr>
+        <a:xfrm>
+          <a:off x="0" y="0"/>
+          <a:ext cx="0" cy="0"/>
+          <a:chOff x="0" y="0"/>
+          <a:chExt cx="0" cy="0"/>
+        </a:xfrm>
+      </p:grpSpPr>
+      <p:sp>
+        <p:nvSpPr>
+          <p:cNvPr id="2" name="Title 1">
+            <a:extLst>
+              <a:ext uri="{FF2B5EF4-FFF2-40B4-BE49-F238E27FC236}">
+                <a16:creationId xmlns:a16="http://schemas.microsoft.com/office/drawing/2014/main" id="{37EB7FA2-9F2A-49E8-B971-39C38B8FDE39}"/>
+              </a:ext>
+            </a:extLst>
+          </p:cNvPr>
+          <p:cNvSpPr>
+            <a:spLocks noGrp="1"/>
+          </p:cNvSpPr>
+          <p:nvPr>
+            <p:ph type="title"/>
+          </p:nvPr>
+        </p:nvSpPr>
+        <p:spPr>
+          <a:xfrm>
+            <a:off x="838197" y="21589"/>
+            <a:ext cx="10515600" cy="1325563"/>
+          </a:xfrm>
+        </p:spPr>
+        <p:txBody>
+          <a:bodyPr/>
+          <a:lstStyle/>
+          <a:p>
+            <a:pPr algn="ctr"/>
+            <a:r>
+              <a:rPr lang="en-SG" dirty="0"/>
+              <a:t>Project solution</a:t>
+            </a:r>
+          </a:p>
+        </p:txBody>
+      </p:sp>
+      <p:sp>
+        <p:nvSpPr>
+          <p:cNvPr id="4" name="TextBox 3">
+            <a:extLst>
+              <a:ext uri="{FF2B5EF4-FFF2-40B4-BE49-F238E27FC236}">
+                <a16:creationId xmlns:a16="http://schemas.microsoft.com/office/drawing/2014/main" id="{745D0481-9C25-4244-8CDA-6F6117E5C2A4}"/>
+              </a:ext>
+            </a:extLst>
+          </p:cNvPr>
+          <p:cNvSpPr txBox="1"/>
+          <p:nvPr/>
+        </p:nvSpPr>
+        <p:spPr>
+          <a:xfrm>
+            <a:off x="838197" y="1463040"/>
+            <a:ext cx="10515601" cy="1965960"/>
+          </a:xfrm>
+          <a:prstGeom prst="rect">
+            <a:avLst/>
+          </a:prstGeom>
+          <a:noFill/>
+        </p:spPr>
+        <p:txBody>
+          <a:bodyPr wrap="square" rtlCol="0">
+            <a:noAutofit/>
+          </a:bodyPr>
+          <a:lstStyle/>
+          <a:p>
+            <a:r>
+              <a:rPr lang="en-SG" dirty="0"/>
+              <a:t>In your IDE, create a new file.</a:t>
+            </a:r>
+          </a:p>
+          <a:p>
+            <a:endParaRPr lang="en-SG" dirty="0"/>
+          </a:p>
+          <a:p>
+            <a:endParaRPr lang="en-SG" dirty="0"/>
+          </a:p>
+          <a:p>
+            <a:endParaRPr lang="en-SG" dirty="0"/>
+          </a:p>
+          <a:p>
+            <a:endParaRPr lang="en-SG" dirty="0"/>
+          </a:p>
+          <a:p>
+            <a:endParaRPr lang="en-SG" dirty="0"/>
+          </a:p>
+          <a:p>
+            <a:r>
+              <a:rPr lang="en-SG" dirty="0"/>
+              <a:t>Create a new file and save your file as python file. </a:t>
+            </a:r>
+          </a:p>
+        </p:txBody>
+      </p:sp>
+      <p:pic>
+        <p:nvPicPr>
+          <p:cNvPr id="5" name="Picture 4">
+            <a:extLst>
+              <a:ext uri="{FF2B5EF4-FFF2-40B4-BE49-F238E27FC236}">
+                <a16:creationId xmlns:a16="http://schemas.microsoft.com/office/drawing/2014/main" id="{67849B49-9D9A-4F46-A44C-9556CA331CA2}"/>
+              </a:ext>
+            </a:extLst>
+          </p:cNvPr>
+          <p:cNvPicPr>
+            <a:picLocks noChangeAspect="1"/>
+          </p:cNvPicPr>
+          <p:nvPr/>
+        </p:nvPicPr>
+        <p:blipFill>
+          <a:blip r:embed="rId2"/>
+          <a:stretch>
+            <a:fillRect/>
+          </a:stretch>
+        </p:blipFill>
+        <p:spPr>
+          <a:xfrm>
+            <a:off x="1231973" y="1873251"/>
+            <a:ext cx="2915151" cy="982027"/>
+          </a:xfrm>
+          <a:prstGeom prst="rect">
+            <a:avLst/>
+          </a:prstGeom>
+        </p:spPr>
+      </p:pic>
+      <p:pic>
+        <p:nvPicPr>
+          <p:cNvPr id="6" name="Picture 5">
+            <a:extLst>
+              <a:ext uri="{FF2B5EF4-FFF2-40B4-BE49-F238E27FC236}">
+                <a16:creationId xmlns:a16="http://schemas.microsoft.com/office/drawing/2014/main" id="{5AE5921F-D4B7-438B-B674-4D9D5D7C9731}"/>
+              </a:ext>
+            </a:extLst>
+          </p:cNvPr>
+          <p:cNvPicPr>
+            <a:picLocks noChangeAspect="1"/>
+          </p:cNvPicPr>
+          <p:nvPr/>
+        </p:nvPicPr>
+        <p:blipFill>
+          <a:blip r:embed="rId3"/>
+          <a:stretch>
+            <a:fillRect/>
+          </a:stretch>
+        </p:blipFill>
+        <p:spPr>
+          <a:xfrm>
+            <a:off x="1123937" y="3429000"/>
+            <a:ext cx="5495937" cy="2979376"/>
+          </a:xfrm>
+          <a:prstGeom prst="rect">
+            <a:avLst/>
+          </a:prstGeom>
+        </p:spPr>
+      </p:pic>
+    </p:spTree>
+    <p:extLst>
+      <p:ext uri="{BB962C8B-B14F-4D97-AF65-F5344CB8AC3E}">
+        <p14:creationId xmlns:p14="http://schemas.microsoft.com/office/powerpoint/2010/main" val="453149812"/>
       </p:ext>
     </p:extLst>
   </p:cSld>
@@ -12040,7 +12803,7 @@
           <p:cNvPr id="2" name="Title 1">
             <a:extLst>
               <a:ext uri="{FF2B5EF4-FFF2-40B4-BE49-F238E27FC236}">
-                <a16:creationId xmlns:a16="http://schemas.microsoft.com/office/drawing/2014/main" id="{37EB7FA2-9F2A-49E8-B971-39C38B8FDE39}"/>
+                <a16:creationId xmlns:a16="http://schemas.microsoft.com/office/drawing/2014/main" id="{EF3F5DAD-27FD-4FB8-9934-500CC2E1BAF2}"/>
               </a:ext>
             </a:extLst>
           </p:cNvPr>
@@ -12053,18 +12816,20 @@
         </p:nvSpPr>
         <p:spPr>
           <a:xfrm>
-            <a:off x="838197" y="21589"/>
-            <a:ext cx="10515600" cy="1325563"/>
+            <a:off x="838200" y="365126"/>
+            <a:ext cx="10515600" cy="577850"/>
           </a:xfrm>
         </p:spPr>
         <p:txBody>
-          <a:bodyPr/>
+          <a:bodyPr>
+            <a:normAutofit fontScale="90000"/>
+          </a:bodyPr>
           <a:lstStyle/>
           <a:p>
             <a:pPr algn="ctr"/>
             <a:r>
               <a:rPr lang="en-SG" dirty="0"/>
-              <a:t>Project solution</a:t>
+              <a:t>Project solution – cont.</a:t>
             </a:r>
           </a:p>
         </p:txBody>
@@ -12074,7 +12839,7 @@
           <p:cNvPr id="3" name="Content Placeholder 2">
             <a:extLst>
               <a:ext uri="{FF2B5EF4-FFF2-40B4-BE49-F238E27FC236}">
-                <a16:creationId xmlns:a16="http://schemas.microsoft.com/office/drawing/2014/main" id="{1219F927-9CC3-4819-84BD-AE2CA747B14D}"/>
+                <a16:creationId xmlns:a16="http://schemas.microsoft.com/office/drawing/2014/main" id="{DD66B653-9104-4DB1-8D55-B0F230D9BFE0}"/>
               </a:ext>
             </a:extLst>
           </p:cNvPr>
@@ -12087,8 +12852,148 @@
         </p:nvSpPr>
         <p:spPr>
           <a:xfrm>
-            <a:off x="838199" y="3506993"/>
-            <a:ext cx="2012577" cy="4744122"/>
+            <a:off x="838199" y="942976"/>
+            <a:ext cx="10515599" cy="5233987"/>
+          </a:xfrm>
+        </p:spPr>
+        <p:txBody>
+          <a:bodyPr/>
+          <a:lstStyle/>
+          <a:p>
+            <a:pPr marL="0" indent="0">
+              <a:buNone/>
+            </a:pPr>
+            <a:r>
+              <a:rPr lang="en-SG" dirty="0"/>
+              <a:t>Write a simple code and hit the run button to ensure that your code is running (and your environment is configured correctly).</a:t>
+            </a:r>
+          </a:p>
+          <a:p>
+            <a:pPr marL="0" indent="0">
+              <a:buNone/>
+            </a:pPr>
+            <a:endParaRPr lang="en-SG" dirty="0"/>
+          </a:p>
+        </p:txBody>
+      </p:sp>
+      <p:pic>
+        <p:nvPicPr>
+          <p:cNvPr id="5" name="Picture 4">
+            <a:extLst>
+              <a:ext uri="{FF2B5EF4-FFF2-40B4-BE49-F238E27FC236}">
+                <a16:creationId xmlns:a16="http://schemas.microsoft.com/office/drawing/2014/main" id="{ED32EB6A-9787-4658-99F6-2CEE56C512C9}"/>
+              </a:ext>
+            </a:extLst>
+          </p:cNvPr>
+          <p:cNvPicPr>
+            <a:picLocks noChangeAspect="1"/>
+          </p:cNvPicPr>
+          <p:nvPr/>
+        </p:nvPicPr>
+        <p:blipFill>
+          <a:blip r:embed="rId2"/>
+          <a:stretch>
+            <a:fillRect/>
+          </a:stretch>
+        </p:blipFill>
+        <p:spPr>
+          <a:xfrm>
+            <a:off x="2343897" y="1845342"/>
+            <a:ext cx="7209678" cy="4331621"/>
+          </a:xfrm>
+          <a:prstGeom prst="rect">
+            <a:avLst/>
+          </a:prstGeom>
+        </p:spPr>
+      </p:pic>
+    </p:spTree>
+    <p:extLst>
+      <p:ext uri="{BB962C8B-B14F-4D97-AF65-F5344CB8AC3E}">
+        <p14:creationId xmlns:p14="http://schemas.microsoft.com/office/powerpoint/2010/main" val="553172919"/>
+      </p:ext>
+    </p:extLst>
+  </p:cSld>
+  <p:clrMapOvr>
+    <a:masterClrMapping/>
+  </p:clrMapOvr>
+</p:sld>
+</file>
+
+<file path=ppt/slides/slide26.xml><?xml version="1.0" encoding="utf-8"?>
+<p:sld xmlns:a="http://schemas.openxmlformats.org/drawingml/2006/main" xmlns:r="http://schemas.openxmlformats.org/officeDocument/2006/relationships" xmlns:p="http://schemas.openxmlformats.org/presentationml/2006/main">
+  <p:cSld>
+    <p:spTree>
+      <p:nvGrpSpPr>
+        <p:cNvPr id="1" name=""/>
+        <p:cNvGrpSpPr/>
+        <p:nvPr/>
+      </p:nvGrpSpPr>
+      <p:grpSpPr>
+        <a:xfrm>
+          <a:off x="0" y="0"/>
+          <a:ext cx="0" cy="0"/>
+          <a:chOff x="0" y="0"/>
+          <a:chExt cx="0" cy="0"/>
+        </a:xfrm>
+      </p:grpSpPr>
+      <p:sp>
+        <p:nvSpPr>
+          <p:cNvPr id="2" name="Title 1">
+            <a:extLst>
+              <a:ext uri="{FF2B5EF4-FFF2-40B4-BE49-F238E27FC236}">
+                <a16:creationId xmlns:a16="http://schemas.microsoft.com/office/drawing/2014/main" id="{081D3D85-6AE1-4236-9FF4-BE50D5BB5ADA}"/>
+              </a:ext>
+            </a:extLst>
+          </p:cNvPr>
+          <p:cNvSpPr>
+            <a:spLocks noGrp="1"/>
+          </p:cNvSpPr>
+          <p:nvPr>
+            <p:ph type="title"/>
+          </p:nvPr>
+        </p:nvSpPr>
+        <p:spPr/>
+        <p:txBody>
+          <a:bodyPr>
+            <a:normAutofit fontScale="90000"/>
+          </a:bodyPr>
+          <a:lstStyle/>
+          <a:p>
+            <a:pPr algn="ctr"/>
+            <a:r>
+              <a:rPr lang="en-SG" dirty="0"/>
+              <a:t>Project solution code</a:t>
+            </a:r>
+            <a:br>
+              <a:rPr lang="en-SG" dirty="0"/>
+            </a:br>
+            <a:r>
+              <a:rPr lang="en-SG" dirty="0"/>
+              <a:t>copy pas the below code to your python file and run it.</a:t>
+            </a:r>
+          </a:p>
+        </p:txBody>
+      </p:sp>
+      <p:sp>
+        <p:nvSpPr>
+          <p:cNvPr id="5" name="Content Placeholder 2">
+            <a:extLst>
+              <a:ext uri="{FF2B5EF4-FFF2-40B4-BE49-F238E27FC236}">
+                <a16:creationId xmlns:a16="http://schemas.microsoft.com/office/drawing/2014/main" id="{9A11C471-F76C-46BC-874F-012B31F06A8D}"/>
+              </a:ext>
+            </a:extLst>
+          </p:cNvPr>
+          <p:cNvSpPr>
+            <a:spLocks noGrp="1"/>
+          </p:cNvSpPr>
+          <p:nvPr>
+            <p:ph sz="half" idx="1"/>
+          </p:nvPr>
+        </p:nvSpPr>
+        <p:spPr>
+          <a:xfrm>
+            <a:off x="838199" y="1825625"/>
+            <a:ext cx="10515600" cy="4351338"/>
           </a:xfrm>
           <a:ln>
             <a:solidFill>
@@ -12784,159 +13689,10 @@
           </a:p>
         </p:txBody>
       </p:sp>
-      <p:sp>
-        <p:nvSpPr>
-          <p:cNvPr id="4" name="TextBox 3">
-            <a:extLst>
-              <a:ext uri="{FF2B5EF4-FFF2-40B4-BE49-F238E27FC236}">
-                <a16:creationId xmlns:a16="http://schemas.microsoft.com/office/drawing/2014/main" id="{745D0481-9C25-4244-8CDA-6F6117E5C2A4}"/>
-              </a:ext>
-            </a:extLst>
-          </p:cNvPr>
-          <p:cNvSpPr txBox="1"/>
-          <p:nvPr/>
-        </p:nvSpPr>
-        <p:spPr>
-          <a:xfrm>
-            <a:off x="838197" y="1463040"/>
-            <a:ext cx="10515601" cy="1965960"/>
-          </a:xfrm>
-          <a:prstGeom prst="rect">
-            <a:avLst/>
-          </a:prstGeom>
-          <a:noFill/>
-        </p:spPr>
-        <p:txBody>
-          <a:bodyPr wrap="square" rtlCol="0">
-            <a:noAutofit/>
-          </a:bodyPr>
-          <a:lstStyle/>
-          <a:p>
-            <a:r>
-              <a:rPr lang="en-SG" dirty="0"/>
-              <a:t>In your IDE, create a new file.</a:t>
-            </a:r>
-          </a:p>
-          <a:p>
-            <a:endParaRPr lang="en-SG" dirty="0"/>
-          </a:p>
-          <a:p>
-            <a:endParaRPr lang="en-SG" dirty="0"/>
-          </a:p>
-          <a:p>
-            <a:endParaRPr lang="en-SG" dirty="0"/>
-          </a:p>
-          <a:p>
-            <a:endParaRPr lang="en-SG" dirty="0"/>
-          </a:p>
-          <a:p>
-            <a:r>
-              <a:rPr lang="en-SG" dirty="0"/>
-              <a:t>Copy paste the codes below and save your file as python file. </a:t>
-            </a:r>
-          </a:p>
-          <a:p>
-            <a:r>
-              <a:rPr lang="en-SG" dirty="0"/>
-              <a:t>Hit run and start playing at your console window.</a:t>
-            </a:r>
-          </a:p>
-        </p:txBody>
-      </p:sp>
-      <p:pic>
-        <p:nvPicPr>
-          <p:cNvPr id="5" name="Picture 4">
-            <a:extLst>
-              <a:ext uri="{FF2B5EF4-FFF2-40B4-BE49-F238E27FC236}">
-                <a16:creationId xmlns:a16="http://schemas.microsoft.com/office/drawing/2014/main" id="{67849B49-9D9A-4F46-A44C-9556CA331CA2}"/>
-              </a:ext>
-            </a:extLst>
-          </p:cNvPr>
-          <p:cNvPicPr>
-            <a:picLocks noChangeAspect="1"/>
-          </p:cNvPicPr>
-          <p:nvPr/>
-        </p:nvPicPr>
-        <p:blipFill>
-          <a:blip r:embed="rId2"/>
-          <a:stretch>
-            <a:fillRect/>
-          </a:stretch>
-        </p:blipFill>
-        <p:spPr>
-          <a:xfrm>
-            <a:off x="2584523" y="1806576"/>
-            <a:ext cx="2915151" cy="982027"/>
-          </a:xfrm>
-          <a:prstGeom prst="rect">
-            <a:avLst/>
-          </a:prstGeom>
-        </p:spPr>
-      </p:pic>
-      <p:pic>
-        <p:nvPicPr>
-          <p:cNvPr id="6" name="Picture 5">
-            <a:extLst>
-              <a:ext uri="{FF2B5EF4-FFF2-40B4-BE49-F238E27FC236}">
-                <a16:creationId xmlns:a16="http://schemas.microsoft.com/office/drawing/2014/main" id="{5AE5921F-D4B7-438B-B674-4D9D5D7C9731}"/>
-              </a:ext>
-            </a:extLst>
-          </p:cNvPr>
-          <p:cNvPicPr>
-            <a:picLocks noChangeAspect="1"/>
-          </p:cNvPicPr>
-          <p:nvPr/>
-        </p:nvPicPr>
-        <p:blipFill>
-          <a:blip r:embed="rId3"/>
-          <a:stretch>
-            <a:fillRect/>
-          </a:stretch>
-        </p:blipFill>
-        <p:spPr>
-          <a:xfrm>
-            <a:off x="6781788" y="1182516"/>
-            <a:ext cx="4661470" cy="2527007"/>
-          </a:xfrm>
-          <a:prstGeom prst="rect">
-            <a:avLst/>
-          </a:prstGeom>
-        </p:spPr>
-      </p:pic>
-      <p:pic>
-        <p:nvPicPr>
-          <p:cNvPr id="7" name="Picture 6">
-            <a:extLst>
-              <a:ext uri="{FF2B5EF4-FFF2-40B4-BE49-F238E27FC236}">
-                <a16:creationId xmlns:a16="http://schemas.microsoft.com/office/drawing/2014/main" id="{6CD7A8F9-5456-4744-B935-7BCD4FDC847B}"/>
-              </a:ext>
-            </a:extLst>
-          </p:cNvPr>
-          <p:cNvPicPr>
-            <a:picLocks noChangeAspect="1"/>
-          </p:cNvPicPr>
-          <p:nvPr/>
-        </p:nvPicPr>
-        <p:blipFill>
-          <a:blip r:embed="rId4"/>
-          <a:stretch>
-            <a:fillRect/>
-          </a:stretch>
-        </p:blipFill>
-        <p:spPr>
-          <a:xfrm>
-            <a:off x="3029697" y="3544888"/>
-            <a:ext cx="5165287" cy="3103338"/>
-          </a:xfrm>
-          <a:prstGeom prst="rect">
-            <a:avLst/>
-          </a:prstGeom>
-        </p:spPr>
-      </p:pic>
     </p:spTree>
     <p:extLst>
       <p:ext uri="{BB962C8B-B14F-4D97-AF65-F5344CB8AC3E}">
-        <p14:creationId xmlns:p14="http://schemas.microsoft.com/office/powerpoint/2010/main" val="453149812"/>
+        <p14:creationId xmlns:p14="http://schemas.microsoft.com/office/powerpoint/2010/main" val="3909975812"/>
       </p:ext>
     </p:extLst>
   </p:cSld>
@@ -12987,7 +13743,7 @@
             <a:pPr algn="ctr"/>
             <a:r>
               <a:rPr lang="en-SG" dirty="0"/>
-              <a:t>PRIMITIVE DATA TYPE - Exercise</a:t>
+              <a:t>PRIMITIVE DATA TYPE – Exercise</a:t>
             </a:r>
           </a:p>
         </p:txBody>
@@ -13170,7 +13926,7 @@
             <a:pPr algn="ctr"/>
             <a:r>
               <a:rPr lang="en-SG" dirty="0"/>
-              <a:t>PRIMITIVE DATA TYPE - Answer</a:t>
+              <a:t>PRIMITIVE DATA TYPE – Answer</a:t>
             </a:r>
           </a:p>
         </p:txBody>
@@ -15773,15 +16529,30 @@
             <a:pPr marL="0" indent="0">
               <a:buNone/>
             </a:pPr>
-            <a:endParaRPr lang="en-SG" sz="1600" dirty="0"/>
-          </a:p>
-          <a:p>
-            <a:pPr marL="0" indent="0">
-              <a:buNone/>
-            </a:pPr>
             <a:r>
               <a:rPr lang="en-SG" sz="1600" dirty="0"/>
               <a:t>This can be represented in dictionary:</a:t>
+            </a:r>
+          </a:p>
+          <a:p>
+            <a:pPr marL="0" indent="0">
+              <a:buNone/>
+            </a:pPr>
+            <a:r>
+              <a:rPr lang="en-SG" sz="1600" dirty="0"/>
+              <a:t>		</a:t>
+            </a:r>
+            <a:r>
+              <a:rPr lang="en-SG" sz="1600" b="1" dirty="0"/>
+              <a:t>KEY</a:t>
+            </a:r>
+            <a:r>
+              <a:rPr lang="en-SG" sz="1600" dirty="0"/>
+              <a:t>	:   </a:t>
+            </a:r>
+            <a:r>
+              <a:rPr lang="en-SG" sz="1600" b="1" dirty="0"/>
+              <a:t>VALUE</a:t>
             </a:r>
           </a:p>
           <a:p>
@@ -17751,7 +18522,7 @@
         </p:blipFill>
         <p:spPr>
           <a:xfrm>
-            <a:off x="6367314" y="3588759"/>
+            <a:off x="6734312" y="3651183"/>
             <a:ext cx="3324225" cy="561975"/>
           </a:xfrm>
           <a:prstGeom prst="rect">
@@ -17789,6 +18560,101 @@
           </a:prstGeom>
         </p:spPr>
       </p:pic>
+      <p:sp>
+        <p:nvSpPr>
+          <p:cNvPr id="5" name="Arrow: Down 4">
+            <a:extLst>
+              <a:ext uri="{FF2B5EF4-FFF2-40B4-BE49-F238E27FC236}">
+                <a16:creationId xmlns:a16="http://schemas.microsoft.com/office/drawing/2014/main" id="{965B104E-05DE-4E41-A0E9-38AD555FCD4C}"/>
+              </a:ext>
+            </a:extLst>
+          </p:cNvPr>
+          <p:cNvSpPr/>
+          <p:nvPr/>
+        </p:nvSpPr>
+        <p:spPr>
+          <a:xfrm>
+            <a:off x="8063603" y="3469405"/>
+            <a:ext cx="227623" cy="187554"/>
+          </a:xfrm>
+          <a:prstGeom prst="downArrow">
+            <a:avLst/>
+          </a:prstGeom>
+        </p:spPr>
+        <p:style>
+          <a:lnRef idx="2">
+            <a:schemeClr val="accent1">
+              <a:shade val="50000"/>
+            </a:schemeClr>
+          </a:lnRef>
+          <a:fillRef idx="1">
+            <a:schemeClr val="accent1"/>
+          </a:fillRef>
+          <a:effectRef idx="0">
+            <a:schemeClr val="accent1"/>
+          </a:effectRef>
+          <a:fontRef idx="minor">
+            <a:schemeClr val="lt1"/>
+          </a:fontRef>
+        </p:style>
+        <p:txBody>
+          <a:bodyPr rtlCol="0" anchor="ctr"/>
+          <a:lstStyle/>
+          <a:p>
+            <a:pPr algn="ctr"/>
+            <a:endParaRPr lang="en-SG"/>
+          </a:p>
+        </p:txBody>
+      </p:sp>
+      <p:sp>
+        <p:nvSpPr>
+          <p:cNvPr id="19" name="Arrow: Down 18">
+            <a:extLst>
+              <a:ext uri="{FF2B5EF4-FFF2-40B4-BE49-F238E27FC236}">
+                <a16:creationId xmlns:a16="http://schemas.microsoft.com/office/drawing/2014/main" id="{D72A0111-03D4-408C-B345-478A4789DFE8}"/>
+              </a:ext>
+            </a:extLst>
+          </p:cNvPr>
+          <p:cNvSpPr/>
+          <p:nvPr/>
+        </p:nvSpPr>
+        <p:spPr>
+          <a:xfrm>
+            <a:off x="9272385" y="3469405"/>
+            <a:ext cx="227623" cy="187554"/>
+          </a:xfrm>
+          <a:prstGeom prst="downArrow">
+            <a:avLst/>
+          </a:prstGeom>
+          <a:solidFill>
+            <a:srgbClr val="FF0000"/>
+          </a:solidFill>
+        </p:spPr>
+        <p:style>
+          <a:lnRef idx="2">
+            <a:schemeClr val="accent1">
+              <a:shade val="50000"/>
+            </a:schemeClr>
+          </a:lnRef>
+          <a:fillRef idx="1">
+            <a:schemeClr val="accent1"/>
+          </a:fillRef>
+          <a:effectRef idx="0">
+            <a:schemeClr val="accent1"/>
+          </a:effectRef>
+          <a:fontRef idx="minor">
+            <a:schemeClr val="lt1"/>
+          </a:fontRef>
+        </p:style>
+        <p:txBody>
+          <a:bodyPr rtlCol="0" anchor="ctr"/>
+          <a:lstStyle/>
+          <a:p>
+            <a:pPr algn="ctr"/>
+            <a:endParaRPr lang="en-SG"/>
+          </a:p>
+        </p:txBody>
+      </p:sp>
     </p:spTree>
     <p:extLst>
       <p:ext uri="{BB962C8B-B14F-4D97-AF65-F5344CB8AC3E}">

--- a/Python guide.pptx
+++ b/Python guide.pptx
@@ -29,8 +29,8 @@
     <p:sldId id="277" r:id="rId23"/>
     <p:sldId id="278" r:id="rId24"/>
     <p:sldId id="279" r:id="rId25"/>
-    <p:sldId id="286" r:id="rId26"/>
-    <p:sldId id="287" r:id="rId27"/>
+    <p:sldId id="287" r:id="rId26"/>
+    <p:sldId id="286" r:id="rId27"/>
   </p:sldIdLst>
   <p:sldSz cx="12192000" cy="6858000"/>
   <p:notesSz cx="6858000" cy="9144000"/>
@@ -286,7 +286,7 @@
           <a:p>
             <a:fld id="{C6C399DF-E9CF-4B63-BBDB-445388F7DB9A}" type="datetimeFigureOut">
               <a:rPr lang="en-SG" smtClean="0"/>
-              <a:t>12/12/2019</a:t>
+              <a:t>30/12/2019</a:t>
             </a:fld>
             <a:endParaRPr lang="en-SG" dirty="0"/>
           </a:p>
@@ -486,7 +486,7 @@
           <a:p>
             <a:fld id="{C6C399DF-E9CF-4B63-BBDB-445388F7DB9A}" type="datetimeFigureOut">
               <a:rPr lang="en-SG" smtClean="0"/>
-              <a:t>12/12/2019</a:t>
+              <a:t>30/12/2019</a:t>
             </a:fld>
             <a:endParaRPr lang="en-SG" dirty="0"/>
           </a:p>
@@ -696,7 +696,7 @@
           <a:p>
             <a:fld id="{C6C399DF-E9CF-4B63-BBDB-445388F7DB9A}" type="datetimeFigureOut">
               <a:rPr lang="en-SG" smtClean="0"/>
-              <a:t>12/12/2019</a:t>
+              <a:t>30/12/2019</a:t>
             </a:fld>
             <a:endParaRPr lang="en-SG" dirty="0"/>
           </a:p>
@@ -896,7 +896,7 @@
           <a:p>
             <a:fld id="{C6C399DF-E9CF-4B63-BBDB-445388F7DB9A}" type="datetimeFigureOut">
               <a:rPr lang="en-SG" smtClean="0"/>
-              <a:t>12/12/2019</a:t>
+              <a:t>30/12/2019</a:t>
             </a:fld>
             <a:endParaRPr lang="en-SG" dirty="0"/>
           </a:p>
@@ -1172,7 +1172,7 @@
           <a:p>
             <a:fld id="{C6C399DF-E9CF-4B63-BBDB-445388F7DB9A}" type="datetimeFigureOut">
               <a:rPr lang="en-SG" smtClean="0"/>
-              <a:t>12/12/2019</a:t>
+              <a:t>30/12/2019</a:t>
             </a:fld>
             <a:endParaRPr lang="en-SG" dirty="0"/>
           </a:p>
@@ -1440,7 +1440,7 @@
           <a:p>
             <a:fld id="{C6C399DF-E9CF-4B63-BBDB-445388F7DB9A}" type="datetimeFigureOut">
               <a:rPr lang="en-SG" smtClean="0"/>
-              <a:t>12/12/2019</a:t>
+              <a:t>30/12/2019</a:t>
             </a:fld>
             <a:endParaRPr lang="en-SG" dirty="0"/>
           </a:p>
@@ -1855,7 +1855,7 @@
           <a:p>
             <a:fld id="{C6C399DF-E9CF-4B63-BBDB-445388F7DB9A}" type="datetimeFigureOut">
               <a:rPr lang="en-SG" smtClean="0"/>
-              <a:t>12/12/2019</a:t>
+              <a:t>30/12/2019</a:t>
             </a:fld>
             <a:endParaRPr lang="en-SG" dirty="0"/>
           </a:p>
@@ -1997,7 +1997,7 @@
           <a:p>
             <a:fld id="{C6C399DF-E9CF-4B63-BBDB-445388F7DB9A}" type="datetimeFigureOut">
               <a:rPr lang="en-SG" smtClean="0"/>
-              <a:t>12/12/2019</a:t>
+              <a:t>30/12/2019</a:t>
             </a:fld>
             <a:endParaRPr lang="en-SG" dirty="0"/>
           </a:p>
@@ -2110,7 +2110,7 @@
           <a:p>
             <a:fld id="{C6C399DF-E9CF-4B63-BBDB-445388F7DB9A}" type="datetimeFigureOut">
               <a:rPr lang="en-SG" smtClean="0"/>
-              <a:t>12/12/2019</a:t>
+              <a:t>30/12/2019</a:t>
             </a:fld>
             <a:endParaRPr lang="en-SG" dirty="0"/>
           </a:p>
@@ -2423,7 +2423,7 @@
           <a:p>
             <a:fld id="{C6C399DF-E9CF-4B63-BBDB-445388F7DB9A}" type="datetimeFigureOut">
               <a:rPr lang="en-SG" smtClean="0"/>
-              <a:t>12/12/2019</a:t>
+              <a:t>30/12/2019</a:t>
             </a:fld>
             <a:endParaRPr lang="en-SG" dirty="0"/>
           </a:p>
@@ -2712,7 +2712,7 @@
           <a:p>
             <a:fld id="{C6C399DF-E9CF-4B63-BBDB-445388F7DB9A}" type="datetimeFigureOut">
               <a:rPr lang="en-SG" smtClean="0"/>
-              <a:t>12/12/2019</a:t>
+              <a:t>30/12/2019</a:t>
             </a:fld>
             <a:endParaRPr lang="en-SG" dirty="0"/>
           </a:p>
@@ -2955,7 +2955,7 @@
           <a:p>
             <a:fld id="{C6C399DF-E9CF-4B63-BBDB-445388F7DB9A}" type="datetimeFigureOut">
               <a:rPr lang="en-SG" smtClean="0"/>
-              <a:t>12/12/2019</a:t>
+              <a:t>30/12/2019</a:t>
             </a:fld>
             <a:endParaRPr lang="en-SG" dirty="0"/>
           </a:p>
@@ -6877,22 +6877,22 @@
           <a:lstStyle/>
           <a:p>
             <a:r>
-              <a:rPr lang="en-SG" dirty="0"/>
+              <a:rPr lang="en-SG" sz="1600" dirty="0"/>
               <a:t>Loop enable </a:t>
             </a:r>
             <a:r>
-              <a:rPr lang="en-SG" i="1" dirty="0"/>
+              <a:rPr lang="en-SG" sz="1600" i="1" dirty="0"/>
               <a:t>block of code </a:t>
             </a:r>
             <a:r>
-              <a:rPr lang="en-SG" dirty="0"/>
+              <a:rPr lang="en-SG" sz="1600" dirty="0"/>
               <a:t>to be repeated. There are two loops: for-loop and while-loop.</a:t>
             </a:r>
           </a:p>
           <a:p>
             <a:r>
-              <a:rPr lang="en-SG" dirty="0"/>
-              <a:t>Consider the problem statement: Given different variety of balls, throw the ball.</a:t>
+              <a:rPr lang="en-SG" sz="1600" dirty="0"/>
+              <a:t>Consider the problem statement: You have a basket full of various balls. Shout the type of ball you are throwing back.</a:t>
             </a:r>
           </a:p>
           <a:p>
@@ -6900,6 +6900,9 @@
               <a:rPr lang="en-SG" dirty="0"/>
               <a:t>Sample output:</a:t>
             </a:r>
+          </a:p>
+          <a:p>
+            <a:endParaRPr lang="en-SG" sz="2000" dirty="0"/>
           </a:p>
           <a:p>
             <a:endParaRPr lang="en-SG" sz="2000" dirty="0"/>
@@ -6984,7 +6987,7 @@
         </p:blipFill>
         <p:spPr>
           <a:xfrm>
-            <a:off x="2458738" y="1951714"/>
+            <a:off x="2458738" y="1917826"/>
             <a:ext cx="1940523" cy="549529"/>
           </a:xfrm>
           <a:prstGeom prst="rect">
@@ -7014,8 +7017,8 @@
         </p:blipFill>
         <p:spPr>
           <a:xfrm>
-            <a:off x="2782587" y="2561044"/>
-            <a:ext cx="2703868" cy="1162260"/>
+            <a:off x="2782587" y="2710926"/>
+            <a:ext cx="2355182" cy="1012377"/>
           </a:xfrm>
           <a:prstGeom prst="rect">
             <a:avLst/>
@@ -7041,7 +7044,7 @@
         </p:nvSpPr>
         <p:spPr>
           <a:xfrm>
-            <a:off x="5602940" y="2823030"/>
+            <a:off x="5404989" y="3065975"/>
             <a:ext cx="675771" cy="404264"/>
           </a:xfrm>
           <a:prstGeom prst="leftArrow">
@@ -7232,7 +7235,7 @@
             </a:pPr>
             <a:r>
               <a:rPr lang="en-SG" sz="1600" dirty="0"/>
-              <a:t>for each number in the list [1,2,3,4] , if number+1 is even number, continue (skip line 12 and start with next iteration on line 9). Otherwise, print the number.</a:t>
+              <a:t>for each number in the list [1,2,3,4] , if number+1 is even number, continue (skip line 12 and start with next iteration on line 8). Otherwise, print the number.</a:t>
             </a:r>
           </a:p>
           <a:p>
@@ -7447,8 +7450,8 @@
         </p:nvCxnSpPr>
         <p:spPr>
           <a:xfrm>
-            <a:off x="4432151" y="4227755"/>
-            <a:ext cx="0" cy="484094"/>
+            <a:off x="4432151" y="3980329"/>
+            <a:ext cx="0" cy="731520"/>
           </a:xfrm>
           <a:prstGeom prst="line">
             <a:avLst/>
@@ -7490,8 +7493,8 @@
         </p:nvCxnSpPr>
         <p:spPr>
           <a:xfrm flipH="1">
-            <a:off x="3474720" y="4225962"/>
-            <a:ext cx="957431" cy="1793"/>
+            <a:off x="4055633" y="3979431"/>
+            <a:ext cx="383243" cy="897"/>
           </a:xfrm>
           <a:prstGeom prst="straightConnector1">
             <a:avLst/>
@@ -8248,12 +8251,14 @@
         </p:nvSpPr>
         <p:spPr>
           <a:xfrm>
-            <a:off x="838199" y="1215614"/>
-            <a:ext cx="10515599" cy="5432836"/>
+            <a:off x="838200" y="1215614"/>
+            <a:ext cx="5462092" cy="5432836"/>
           </a:xfrm>
         </p:spPr>
         <p:txBody>
-          <a:bodyPr/>
+          <a:bodyPr>
+            <a:noAutofit/>
+          </a:bodyPr>
           <a:lstStyle/>
           <a:p>
             <a:pPr marL="0" indent="0">
@@ -8282,24 +8287,106 @@
             <a:pPr marL="0" indent="0">
               <a:buNone/>
             </a:pPr>
-            <a:r>
-              <a:rPr lang="en-SG" sz="1400" dirty="0"/>
-              <a:t>Consider all of the instructions that the customer ask to get a cup of coffee, it would be easier to be called </a:t>
-            </a:r>
-            <a:r>
-              <a:rPr lang="en-SG" sz="1400" b="1" dirty="0" err="1"/>
+            <a:endParaRPr lang="en-SG" sz="1400" dirty="0"/>
+          </a:p>
+          <a:p>
+            <a:pPr marL="0" indent="0">
+              <a:buNone/>
+            </a:pPr>
+            <a:endParaRPr lang="en-SG" sz="1400" dirty="0"/>
+          </a:p>
+          <a:p>
+            <a:pPr marL="0" indent="0">
+              <a:buNone/>
+            </a:pPr>
+            <a:endParaRPr lang="en-SG" sz="1400" dirty="0"/>
+          </a:p>
+          <a:p>
+            <a:pPr marL="0" indent="0">
+              <a:buNone/>
+            </a:pPr>
+            <a:endParaRPr lang="en-SG" sz="1400" dirty="0"/>
+          </a:p>
+          <a:p>
+            <a:pPr marL="0" indent="0">
+              <a:buNone/>
+            </a:pPr>
+            <a:endParaRPr lang="en-SG" sz="1400" dirty="0"/>
+          </a:p>
+          <a:p>
+            <a:pPr marL="0" indent="0">
+              <a:buNone/>
+            </a:pPr>
+            <a:endParaRPr lang="en-SG" sz="1400" dirty="0"/>
+          </a:p>
+          <a:p>
+            <a:pPr marL="0" indent="0">
+              <a:buNone/>
+            </a:pPr>
+            <a:endParaRPr lang="en-SG" sz="1400" dirty="0"/>
+          </a:p>
+          <a:p>
+            <a:pPr marL="0" indent="0">
+              <a:buNone/>
+            </a:pPr>
+            <a:endParaRPr lang="en-SG" sz="1400" dirty="0"/>
+          </a:p>
+          <a:p>
+            <a:pPr marL="0" indent="0">
+              <a:buNone/>
+            </a:pPr>
+            <a:endParaRPr lang="en-SG" sz="1400" dirty="0"/>
+          </a:p>
+          <a:p>
+            <a:pPr marL="0" indent="0">
+              <a:buNone/>
+            </a:pPr>
+            <a:endParaRPr lang="en-SG" sz="1400" dirty="0"/>
+          </a:p>
+          <a:p>
+            <a:pPr marL="0" indent="0">
+              <a:buNone/>
+            </a:pPr>
+            <a:endParaRPr lang="en-SG" sz="1400" dirty="0"/>
+          </a:p>
+          <a:p>
+            <a:pPr marL="0" indent="0">
+              <a:buNone/>
+            </a:pPr>
+            <a:endParaRPr lang="en-SG" sz="1400" dirty="0"/>
+          </a:p>
+          <a:p>
+            <a:pPr marL="0" indent="0">
+              <a:buNone/>
+            </a:pPr>
+            <a:endParaRPr lang="en-SG" sz="1400" dirty="0"/>
+          </a:p>
+          <a:p>
+            <a:pPr marL="0" indent="0">
+              <a:buNone/>
+            </a:pPr>
+            <a:endParaRPr lang="en-SG" sz="1400" dirty="0"/>
+          </a:p>
+          <a:p>
+            <a:pPr marL="0" indent="0" algn="ctr">
+              <a:buNone/>
+            </a:pPr>
+            <a:r>
+              <a:rPr lang="en-SG" sz="1400" i="1" dirty="0"/>
+              <a:t>Would it not be easier to just ask </a:t>
+            </a:r>
+            <a:r>
+              <a:rPr lang="en-SG" sz="1400" b="1" i="1" dirty="0" err="1"/>
               <a:t>make_a_cup_of_coffee</a:t>
             </a:r>
             <a:r>
-              <a:rPr lang="en-SG" sz="1400" dirty="0"/>
-              <a:t>() .</a:t>
-            </a:r>
-          </a:p>
-          <a:p>
-            <a:pPr marL="0" indent="0">
-              <a:buNone/>
-            </a:pPr>
-            <a:endParaRPr lang="en-SG" dirty="0"/>
+              <a:rPr lang="en-SG" sz="1400" b="1" i="1" dirty="0"/>
+              <a:t>() </a:t>
+            </a:r>
+            <a:r>
+              <a:rPr lang="en-SG" sz="1400" i="1" dirty="0"/>
+              <a:t>?</a:t>
+            </a:r>
           </a:p>
           <a:p>
             <a:pPr marL="0" indent="0">
@@ -8334,7 +8421,7 @@
         </p:blipFill>
         <p:spPr>
           <a:xfrm>
-            <a:off x="1226036" y="2967037"/>
+            <a:off x="1784667" y="2832758"/>
             <a:ext cx="3457575" cy="3362325"/>
           </a:xfrm>
           <a:prstGeom prst="rect">
@@ -8356,7 +8443,7 @@
         </p:nvSpPr>
         <p:spPr>
           <a:xfrm>
-            <a:off x="651228" y="2029738"/>
+            <a:off x="1209859" y="1895459"/>
             <a:ext cx="2937734" cy="1447455"/>
           </a:xfrm>
           <a:prstGeom prst="wedgeEllipseCallout">
@@ -8459,7 +8546,7 @@
         </p:nvSpPr>
         <p:spPr>
           <a:xfrm>
-            <a:off x="2802115" y="2967037"/>
+            <a:off x="3360746" y="2832758"/>
             <a:ext cx="1342193" cy="641938"/>
           </a:xfrm>
           <a:prstGeom prst="wedgeEllipseCallout">
@@ -8525,7 +8612,7 @@
         </p:nvSpPr>
         <p:spPr>
           <a:xfrm>
-            <a:off x="4013609" y="2829261"/>
+            <a:off x="4572240" y="2694982"/>
             <a:ext cx="1342194" cy="946673"/>
           </a:xfrm>
           <a:prstGeom prst="wedgeEllipseCallout">
@@ -8600,8 +8687,8 @@
         </p:nvSpPr>
         <p:spPr>
           <a:xfrm>
-            <a:off x="5355802" y="1946814"/>
-            <a:ext cx="5053508" cy="4701636"/>
+            <a:off x="6300293" y="1215614"/>
+            <a:ext cx="5053508" cy="5113748"/>
           </a:xfrm>
           <a:prstGeom prst="rect">
             <a:avLst/>
@@ -8730,7 +8817,7 @@
         </p:blipFill>
         <p:spPr>
           <a:xfrm>
-            <a:off x="5761789" y="2470097"/>
+            <a:off x="6373933" y="1756557"/>
             <a:ext cx="4615477" cy="832500"/>
           </a:xfrm>
           <a:prstGeom prst="rect">
@@ -8752,7 +8839,7 @@
         </p:nvSpPr>
         <p:spPr>
           <a:xfrm>
-            <a:off x="5786050" y="2280621"/>
+            <a:off x="6730541" y="1549421"/>
             <a:ext cx="219465" cy="189476"/>
           </a:xfrm>
           <a:prstGeom prst="rect">
@@ -8805,7 +8892,7 @@
         </p:nvSpPr>
         <p:spPr>
           <a:xfrm>
-            <a:off x="6840415" y="2280621"/>
+            <a:off x="7784906" y="1549421"/>
             <a:ext cx="219465" cy="189476"/>
           </a:xfrm>
           <a:prstGeom prst="rect">
@@ -8858,7 +8945,7 @@
         </p:nvSpPr>
         <p:spPr>
           <a:xfrm>
-            <a:off x="7627449" y="2280621"/>
+            <a:off x="8571940" y="1549421"/>
             <a:ext cx="219465" cy="189476"/>
           </a:xfrm>
           <a:prstGeom prst="rect">
@@ -8911,7 +8998,7 @@
         </p:nvSpPr>
         <p:spPr>
           <a:xfrm>
-            <a:off x="8052205" y="2280292"/>
+            <a:off x="8996696" y="1549092"/>
             <a:ext cx="219465" cy="189476"/>
           </a:xfrm>
           <a:prstGeom prst="rect">
@@ -8964,7 +9051,7 @@
         </p:nvSpPr>
         <p:spPr>
           <a:xfrm>
-            <a:off x="8729506" y="2280292"/>
+            <a:off x="9673997" y="1549092"/>
             <a:ext cx="219465" cy="189476"/>
           </a:xfrm>
           <a:prstGeom prst="rect">
@@ -9017,7 +9104,7 @@
         </p:nvSpPr>
         <p:spPr>
           <a:xfrm>
-            <a:off x="9443653" y="2280292"/>
+            <a:off x="10388144" y="1549092"/>
             <a:ext cx="219465" cy="189476"/>
           </a:xfrm>
           <a:prstGeom prst="rect">
@@ -9070,7 +9157,7 @@
         </p:nvSpPr>
         <p:spPr>
           <a:xfrm>
-            <a:off x="9170420" y="2791609"/>
+            <a:off x="10145705" y="2101038"/>
             <a:ext cx="219465" cy="189476"/>
           </a:xfrm>
           <a:prstGeom prst="rect">
@@ -9106,6 +9193,50 @@
               </a:rPr>
               <a:t>6</a:t>
             </a:r>
+          </a:p>
+        </p:txBody>
+      </p:sp>
+      <p:sp>
+        <p:nvSpPr>
+          <p:cNvPr id="4" name="Right Brace 3">
+            <a:extLst>
+              <a:ext uri="{FF2B5EF4-FFF2-40B4-BE49-F238E27FC236}">
+                <a16:creationId xmlns:a16="http://schemas.microsoft.com/office/drawing/2014/main" id="{7A2BA59C-A191-49CA-83E0-F0E1707F14AF}"/>
+              </a:ext>
+            </a:extLst>
+          </p:cNvPr>
+          <p:cNvSpPr/>
+          <p:nvPr/>
+        </p:nvSpPr>
+        <p:spPr>
+          <a:xfrm>
+            <a:off x="9808355" y="1895459"/>
+            <a:ext cx="219465" cy="600635"/>
+          </a:xfrm>
+          <a:prstGeom prst="rightBrace">
+            <a:avLst/>
+          </a:prstGeom>
+        </p:spPr>
+        <p:style>
+          <a:lnRef idx="1">
+            <a:schemeClr val="accent1"/>
+          </a:lnRef>
+          <a:fillRef idx="0">
+            <a:schemeClr val="accent1"/>
+          </a:fillRef>
+          <a:effectRef idx="0">
+            <a:schemeClr val="accent1"/>
+          </a:effectRef>
+          <a:fontRef idx="minor">
+            <a:schemeClr val="tx1"/>
+          </a:fontRef>
+        </p:style>
+        <p:txBody>
+          <a:bodyPr rtlCol="0" anchor="ctr"/>
+          <a:lstStyle/>
+          <a:p>
+            <a:pPr algn="ctr"/>
+            <a:endParaRPr lang="en-SG"/>
           </a:p>
         </p:txBody>
       </p:sp>
@@ -11752,7 +11883,15 @@
             </a:pPr>
             <a:r>
               <a:rPr lang="en-SG" dirty="0"/>
-              <a:t>Create a function with 3 parameters (1 mandatory and 2 optional with default value) that will print and return the sum of all of the parameters.</a:t>
+              <a:t>Create a function called “</a:t>
+            </a:r>
+            <a:r>
+              <a:rPr lang="en-SG" dirty="0" err="1"/>
+              <a:t>myfunction</a:t>
+            </a:r>
+            <a:r>
+              <a:rPr lang="en-SG" dirty="0"/>
+              <a:t>” with 3 parameters (1 mandatory and 2 optional with default value) that will print and return the sum of all of the parameters.</a:t>
             </a:r>
           </a:p>
           <a:p>
@@ -12333,12 +12472,8 @@
               <a:buNone/>
             </a:pPr>
             <a:r>
-              <a:rPr lang="en-SG" sz="1400" dirty="0" err="1"/>
-              <a:t>Immitate</a:t>
-            </a:r>
-            <a:r>
               <a:rPr lang="en-SG" sz="1400" dirty="0"/>
-              <a:t> a login process. </a:t>
+              <a:t>Imitate a login process. </a:t>
             </a:r>
           </a:p>
           <a:p>
@@ -12803,7 +12938,7 @@
           <p:cNvPr id="2" name="Title 1">
             <a:extLst>
               <a:ext uri="{FF2B5EF4-FFF2-40B4-BE49-F238E27FC236}">
-                <a16:creationId xmlns:a16="http://schemas.microsoft.com/office/drawing/2014/main" id="{EF3F5DAD-27FD-4FB8-9934-500CC2E1BAF2}"/>
+                <a16:creationId xmlns:a16="http://schemas.microsoft.com/office/drawing/2014/main" id="{081D3D85-6AE1-4236-9FF4-BE50D5BB5ADA}"/>
               </a:ext>
             </a:extLst>
           </p:cNvPr>
@@ -12814,32 +12949,34 @@
             <p:ph type="title"/>
           </p:nvPr>
         </p:nvSpPr>
-        <p:spPr>
-          <a:xfrm>
-            <a:off x="838200" y="365126"/>
-            <a:ext cx="10515600" cy="577850"/>
-          </a:xfrm>
-        </p:spPr>
+        <p:spPr/>
         <p:txBody>
           <a:bodyPr>
-            <a:normAutofit fontScale="90000"/>
+            <a:normAutofit/>
           </a:bodyPr>
           <a:lstStyle/>
           <a:p>
             <a:pPr algn="ctr"/>
             <a:r>
               <a:rPr lang="en-SG" dirty="0"/>
-              <a:t>Project solution – cont.</a:t>
+              <a:t>Project solution code</a:t>
+            </a:r>
+            <a:br>
+              <a:rPr lang="en-SG" dirty="0"/>
+            </a:br>
+            <a:r>
+              <a:rPr lang="en-SG" dirty="0"/>
+              <a:t>copy paste the below code</a:t>
             </a:r>
           </a:p>
         </p:txBody>
       </p:sp>
       <p:sp>
         <p:nvSpPr>
-          <p:cNvPr id="3" name="Content Placeholder 2">
-            <a:extLst>
-              <a:ext uri="{FF2B5EF4-FFF2-40B4-BE49-F238E27FC236}">
-                <a16:creationId xmlns:a16="http://schemas.microsoft.com/office/drawing/2014/main" id="{DD66B653-9104-4DB1-8D55-B0F230D9BFE0}"/>
+          <p:cNvPr id="5" name="Content Placeholder 2">
+            <a:extLst>
+              <a:ext uri="{FF2B5EF4-FFF2-40B4-BE49-F238E27FC236}">
+                <a16:creationId xmlns:a16="http://schemas.microsoft.com/office/drawing/2014/main" id="{9A11C471-F76C-46BC-874F-012B31F06A8D}"/>
               </a:ext>
             </a:extLst>
           </p:cNvPr>
@@ -12852,20 +12989,67 @@
         </p:nvSpPr>
         <p:spPr>
           <a:xfrm>
-            <a:off x="838199" y="942976"/>
-            <a:ext cx="10515599" cy="5233987"/>
+            <a:off x="838199" y="1825625"/>
+            <a:ext cx="10515600" cy="4351338"/>
           </a:xfrm>
+          <a:ln>
+            <a:solidFill>
+              <a:schemeClr val="accent1">
+                <a:shade val="50000"/>
+              </a:schemeClr>
+            </a:solidFill>
+          </a:ln>
         </p:spPr>
         <p:txBody>
-          <a:bodyPr/>
+          <a:bodyPr>
+            <a:normAutofit fontScale="25000" lnSpcReduction="20000"/>
+          </a:bodyPr>
           <a:lstStyle/>
           <a:p>
             <a:pPr marL="0" indent="0">
               <a:buNone/>
             </a:pPr>
             <a:r>
+              <a:rPr lang="en-SG" dirty="0" err="1"/>
+              <a:t>userDB</a:t>
+            </a:r>
+            <a:r>
               <a:rPr lang="en-SG" dirty="0"/>
-              <a:t>Write a simple code and hit the run button to ensure that your code is running (and your environment is configured correctly).</a:t>
+              <a:t> = {'Bob':'bob123password',</a:t>
+            </a:r>
+          </a:p>
+          <a:p>
+            <a:pPr marL="0" indent="0">
+              <a:buNone/>
+            </a:pPr>
+            <a:r>
+              <a:rPr lang="en-SG" dirty="0"/>
+              <a:t>          'Sandra':'</a:t>
+            </a:r>
+            <a:r>
+              <a:rPr lang="en-SG" dirty="0" err="1"/>
+              <a:t>sandraDBpassword</a:t>
+            </a:r>
+            <a:r>
+              <a:rPr lang="en-SG" dirty="0"/>
+              <a:t>',</a:t>
+            </a:r>
+          </a:p>
+          <a:p>
+            <a:pPr marL="0" indent="0">
+              <a:buNone/>
+            </a:pPr>
+            <a:r>
+              <a:rPr lang="en-SG" dirty="0"/>
+              <a:t>          'Teddy':'</a:t>
+            </a:r>
+            <a:r>
+              <a:rPr lang="en-SG" dirty="0" err="1"/>
+              <a:t>TeddyGridHugs</a:t>
+            </a:r>
+            <a:r>
+              <a:rPr lang="en-SG" dirty="0"/>
+              <a:t>'}</a:t>
             </a:r>
           </a:p>
           <a:p>
@@ -12873,43 +13057,639 @@
               <a:buNone/>
             </a:pPr>
             <a:endParaRPr lang="en-SG" dirty="0"/>
+          </a:p>
+          <a:p>
+            <a:pPr marL="0" indent="0">
+              <a:buNone/>
+            </a:pPr>
+            <a:r>
+              <a:rPr lang="en-SG" dirty="0" err="1"/>
+              <a:t>userTransactionData</a:t>
+            </a:r>
+            <a:r>
+              <a:rPr lang="en-SG" dirty="0"/>
+              <a:t> = {</a:t>
+            </a:r>
+          </a:p>
+          <a:p>
+            <a:pPr marL="0" indent="0">
+              <a:buNone/>
+            </a:pPr>
+            <a:r>
+              <a:rPr lang="en-SG" dirty="0"/>
+              <a:t>        'Bob':[{'item':'car','price':50000},</a:t>
+            </a:r>
+          </a:p>
+          <a:p>
+            <a:pPr marL="0" indent="0">
+              <a:buNone/>
+            </a:pPr>
+            <a:r>
+              <a:rPr lang="en-SG" dirty="0"/>
+              <a:t>               {'item':'house','price':300000},</a:t>
+            </a:r>
+          </a:p>
+          <a:p>
+            <a:pPr marL="0" indent="0">
+              <a:buNone/>
+            </a:pPr>
+            <a:r>
+              <a:rPr lang="en-SG" dirty="0"/>
+              <a:t>               {'item':'laptop','price':2500}],</a:t>
+            </a:r>
+          </a:p>
+          <a:p>
+            <a:pPr marL="0" indent="0">
+              <a:buNone/>
+            </a:pPr>
+            <a:r>
+              <a:rPr lang="en-SG" dirty="0"/>
+              <a:t>        'Sandra':[{'item':'boat','price':20000},</a:t>
+            </a:r>
+          </a:p>
+          <a:p>
+            <a:pPr marL="0" indent="0">
+              <a:buNone/>
+            </a:pPr>
+            <a:r>
+              <a:rPr lang="en-SG" dirty="0"/>
+              <a:t>               {'item':'plane','price':250000},</a:t>
+            </a:r>
+          </a:p>
+          <a:p>
+            <a:pPr marL="0" indent="0">
+              <a:buNone/>
+            </a:pPr>
+            <a:r>
+              <a:rPr lang="en-SG" dirty="0"/>
+              <a:t>               {'item':'bag','price':1500}],</a:t>
+            </a:r>
+          </a:p>
+          <a:p>
+            <a:pPr marL="0" indent="0">
+              <a:buNone/>
+            </a:pPr>
+            <a:r>
+              <a:rPr lang="en-SG" dirty="0"/>
+              <a:t>        'Teddy':[{'item':'bonsay','price':500},</a:t>
+            </a:r>
+          </a:p>
+          <a:p>
+            <a:pPr marL="0" indent="0">
+              <a:buNone/>
+            </a:pPr>
+            <a:r>
+              <a:rPr lang="en-SG" dirty="0"/>
+              <a:t>               {'</a:t>
+            </a:r>
+            <a:r>
+              <a:rPr lang="en-SG" dirty="0" err="1"/>
+              <a:t>item':'tree</a:t>
+            </a:r>
+            <a:r>
+              <a:rPr lang="en-SG" dirty="0"/>
+              <a:t> house','price':100000},</a:t>
+            </a:r>
+          </a:p>
+          <a:p>
+            <a:pPr marL="0" indent="0">
+              <a:buNone/>
+            </a:pPr>
+            <a:r>
+              <a:rPr lang="en-SG" dirty="0"/>
+              <a:t>               {'item':'honey','price':250}],</a:t>
+            </a:r>
+          </a:p>
+          <a:p>
+            <a:pPr marL="0" indent="0">
+              <a:buNone/>
+            </a:pPr>
+            <a:r>
+              <a:rPr lang="en-SG" dirty="0"/>
+              <a:t>        }</a:t>
+            </a:r>
+          </a:p>
+          <a:p>
+            <a:pPr marL="0" indent="0">
+              <a:buNone/>
+            </a:pPr>
+            <a:endParaRPr lang="en-SG" dirty="0"/>
+          </a:p>
+          <a:p>
+            <a:pPr marL="0" indent="0">
+              <a:buNone/>
+            </a:pPr>
+            <a:r>
+              <a:rPr lang="en-SG" dirty="0"/>
+              <a:t>def </a:t>
+            </a:r>
+            <a:r>
+              <a:rPr lang="en-SG" dirty="0" err="1"/>
+              <a:t>getUserName</a:t>
+            </a:r>
+            <a:r>
+              <a:rPr lang="en-SG" dirty="0"/>
+              <a:t>():</a:t>
+            </a:r>
+          </a:p>
+          <a:p>
+            <a:pPr marL="0" indent="0">
+              <a:buNone/>
+            </a:pPr>
+            <a:r>
+              <a:rPr lang="en-SG" dirty="0"/>
+              <a:t>    user = input("Enter username: ")</a:t>
+            </a:r>
+          </a:p>
+          <a:p>
+            <a:pPr marL="0" indent="0">
+              <a:buNone/>
+            </a:pPr>
+            <a:r>
+              <a:rPr lang="en-SG" dirty="0"/>
+              <a:t>    return user</a:t>
+            </a:r>
+          </a:p>
+          <a:p>
+            <a:pPr marL="0" indent="0">
+              <a:buNone/>
+            </a:pPr>
+            <a:r>
+              <a:rPr lang="en-SG" dirty="0"/>
+              <a:t>def </a:t>
+            </a:r>
+            <a:r>
+              <a:rPr lang="en-SG" dirty="0" err="1"/>
+              <a:t>getPassword</a:t>
+            </a:r>
+            <a:r>
+              <a:rPr lang="en-SG" dirty="0"/>
+              <a:t>():</a:t>
+            </a:r>
+          </a:p>
+          <a:p>
+            <a:pPr marL="0" indent="0">
+              <a:buNone/>
+            </a:pPr>
+            <a:r>
+              <a:rPr lang="en-SG" dirty="0"/>
+              <a:t>    passwd = input("Enter password: ")</a:t>
+            </a:r>
+          </a:p>
+          <a:p>
+            <a:pPr marL="0" indent="0">
+              <a:buNone/>
+            </a:pPr>
+            <a:r>
+              <a:rPr lang="en-SG" dirty="0"/>
+              <a:t>    return passwd</a:t>
+            </a:r>
+          </a:p>
+          <a:p>
+            <a:pPr marL="0" indent="0">
+              <a:buNone/>
+            </a:pPr>
+            <a:endParaRPr lang="en-SG" dirty="0"/>
+          </a:p>
+          <a:p>
+            <a:pPr marL="0" indent="0">
+              <a:buNone/>
+            </a:pPr>
+            <a:r>
+              <a:rPr lang="en-SG" dirty="0"/>
+              <a:t>def </a:t>
+            </a:r>
+            <a:r>
+              <a:rPr lang="en-SG" dirty="0" err="1"/>
+              <a:t>checkLogin</a:t>
+            </a:r>
+            <a:r>
+              <a:rPr lang="en-SG" dirty="0"/>
+              <a:t>(</a:t>
+            </a:r>
+            <a:r>
+              <a:rPr lang="en-SG" dirty="0" err="1"/>
+              <a:t>username,password</a:t>
+            </a:r>
+            <a:r>
+              <a:rPr lang="en-SG" dirty="0"/>
+              <a:t>):</a:t>
+            </a:r>
+          </a:p>
+          <a:p>
+            <a:pPr marL="0" indent="0">
+              <a:buNone/>
+            </a:pPr>
+            <a:r>
+              <a:rPr lang="en-SG" dirty="0"/>
+              <a:t>    if username not in </a:t>
+            </a:r>
+            <a:r>
+              <a:rPr lang="en-SG" dirty="0" err="1"/>
+              <a:t>userDB</a:t>
+            </a:r>
+            <a:r>
+              <a:rPr lang="en-SG" dirty="0"/>
+              <a:t> or </a:t>
+            </a:r>
+            <a:r>
+              <a:rPr lang="en-SG" dirty="0" err="1"/>
+              <a:t>userDB</a:t>
+            </a:r>
+            <a:r>
+              <a:rPr lang="en-SG" dirty="0"/>
+              <a:t>[username] != password:</a:t>
+            </a:r>
+          </a:p>
+          <a:p>
+            <a:pPr marL="0" indent="0">
+              <a:buNone/>
+            </a:pPr>
+            <a:r>
+              <a:rPr lang="en-SG" dirty="0"/>
+              <a:t>        print("Invalid username/password")</a:t>
+            </a:r>
+          </a:p>
+          <a:p>
+            <a:pPr marL="0" indent="0">
+              <a:buNone/>
+            </a:pPr>
+            <a:r>
+              <a:rPr lang="en-SG" dirty="0"/>
+              <a:t>        return False</a:t>
+            </a:r>
+          </a:p>
+          <a:p>
+            <a:pPr marL="0" indent="0">
+              <a:buNone/>
+            </a:pPr>
+            <a:r>
+              <a:rPr lang="en-SG" dirty="0"/>
+              <a:t>    else:</a:t>
+            </a:r>
+          </a:p>
+          <a:p>
+            <a:pPr marL="0" indent="0">
+              <a:buNone/>
+            </a:pPr>
+            <a:r>
+              <a:rPr lang="en-SG" dirty="0"/>
+              <a:t>        return True</a:t>
+            </a:r>
+          </a:p>
+          <a:p>
+            <a:pPr marL="0" indent="0">
+              <a:buNone/>
+            </a:pPr>
+            <a:r>
+              <a:rPr lang="en-SG" dirty="0"/>
+              <a:t>    </a:t>
+            </a:r>
+          </a:p>
+          <a:p>
+            <a:pPr marL="0" indent="0">
+              <a:buNone/>
+            </a:pPr>
+            <a:r>
+              <a:rPr lang="en-SG" dirty="0"/>
+              <a:t>def </a:t>
+            </a:r>
+            <a:r>
+              <a:rPr lang="en-SG" dirty="0" err="1"/>
+              <a:t>getUserTransaction</a:t>
+            </a:r>
+            <a:r>
+              <a:rPr lang="en-SG" dirty="0"/>
+              <a:t>(user):</a:t>
+            </a:r>
+          </a:p>
+          <a:p>
+            <a:pPr marL="0" indent="0">
+              <a:buNone/>
+            </a:pPr>
+            <a:r>
+              <a:rPr lang="en-SG" dirty="0"/>
+              <a:t>    transaction = </a:t>
+            </a:r>
+            <a:r>
+              <a:rPr lang="en-SG" dirty="0" err="1"/>
+              <a:t>userTransactionData</a:t>
+            </a:r>
+            <a:r>
+              <a:rPr lang="en-SG" dirty="0"/>
+              <a:t>[user]</a:t>
+            </a:r>
+          </a:p>
+          <a:p>
+            <a:pPr marL="0" indent="0">
+              <a:buNone/>
+            </a:pPr>
+            <a:r>
+              <a:rPr lang="en-SG" dirty="0"/>
+              <a:t>    total = 0</a:t>
+            </a:r>
+          </a:p>
+          <a:p>
+            <a:pPr marL="0" indent="0">
+              <a:buNone/>
+            </a:pPr>
+            <a:r>
+              <a:rPr lang="en-SG" dirty="0"/>
+              <a:t>    print("\</a:t>
+            </a:r>
+            <a:r>
+              <a:rPr lang="en-SG" dirty="0" err="1"/>
+              <a:t>n%s's</a:t>
+            </a:r>
+            <a:r>
+              <a:rPr lang="en-SG" dirty="0"/>
+              <a:t> transactions:"%user)</a:t>
+            </a:r>
+          </a:p>
+          <a:p>
+            <a:pPr marL="0" indent="0">
+              <a:buNone/>
+            </a:pPr>
+            <a:r>
+              <a:rPr lang="en-SG" dirty="0"/>
+              <a:t>    for </a:t>
+            </a:r>
+            <a:r>
+              <a:rPr lang="en-SG" dirty="0" err="1"/>
+              <a:t>tran</a:t>
+            </a:r>
+            <a:r>
+              <a:rPr lang="en-SG" dirty="0"/>
+              <a:t> in transaction:</a:t>
+            </a:r>
+          </a:p>
+          <a:p>
+            <a:pPr marL="0" indent="0">
+              <a:buNone/>
+            </a:pPr>
+            <a:r>
+              <a:rPr lang="en-SG" dirty="0"/>
+              <a:t>        print("%s : %d"%(</a:t>
+            </a:r>
+            <a:r>
+              <a:rPr lang="en-SG" dirty="0" err="1"/>
+              <a:t>tran</a:t>
+            </a:r>
+            <a:r>
+              <a:rPr lang="en-SG" dirty="0"/>
+              <a:t>['item'], </a:t>
+            </a:r>
+            <a:r>
+              <a:rPr lang="en-SG" dirty="0" err="1"/>
+              <a:t>tran</a:t>
+            </a:r>
+            <a:r>
+              <a:rPr lang="en-SG" dirty="0"/>
+              <a:t>['price']))</a:t>
+            </a:r>
+          </a:p>
+          <a:p>
+            <a:pPr marL="0" indent="0">
+              <a:buNone/>
+            </a:pPr>
+            <a:r>
+              <a:rPr lang="en-SG" dirty="0"/>
+              <a:t>        total+= </a:t>
+            </a:r>
+            <a:r>
+              <a:rPr lang="en-SG" dirty="0" err="1"/>
+              <a:t>tran</a:t>
+            </a:r>
+            <a:r>
+              <a:rPr lang="en-SG" dirty="0"/>
+              <a:t>['price']</a:t>
+            </a:r>
+          </a:p>
+          <a:p>
+            <a:pPr marL="0" indent="0">
+              <a:buNone/>
+            </a:pPr>
+            <a:r>
+              <a:rPr lang="en-SG" dirty="0"/>
+              <a:t>    print("===============")</a:t>
+            </a:r>
+          </a:p>
+          <a:p>
+            <a:pPr marL="0" indent="0">
+              <a:buNone/>
+            </a:pPr>
+            <a:r>
+              <a:rPr lang="en-SG" dirty="0"/>
+              <a:t>    print("Total: " + str(total))</a:t>
+            </a:r>
+          </a:p>
+          <a:p>
+            <a:pPr marL="0" indent="0">
+              <a:buNone/>
+            </a:pPr>
+            <a:r>
+              <a:rPr lang="en-SG" dirty="0"/>
+              <a:t>    </a:t>
+            </a:r>
+          </a:p>
+          <a:p>
+            <a:pPr marL="0" indent="0">
+              <a:buNone/>
+            </a:pPr>
+            <a:r>
+              <a:rPr lang="en-SG" dirty="0"/>
+              <a:t>def main():</a:t>
+            </a:r>
+          </a:p>
+          <a:p>
+            <a:pPr marL="0" indent="0">
+              <a:buNone/>
+            </a:pPr>
+            <a:r>
+              <a:rPr lang="en-SG" dirty="0"/>
+              <a:t>    tries = 0</a:t>
+            </a:r>
+          </a:p>
+          <a:p>
+            <a:pPr marL="0" indent="0">
+              <a:buNone/>
+            </a:pPr>
+            <a:r>
+              <a:rPr lang="en-SG" dirty="0"/>
+              <a:t>    while tries &lt; 3:</a:t>
+            </a:r>
+          </a:p>
+          <a:p>
+            <a:pPr marL="0" indent="0">
+              <a:buNone/>
+            </a:pPr>
+            <a:r>
+              <a:rPr lang="en-SG" dirty="0"/>
+              <a:t>        print("###################")</a:t>
+            </a:r>
+          </a:p>
+          <a:p>
+            <a:pPr marL="0" indent="0">
+              <a:buNone/>
+            </a:pPr>
+            <a:r>
+              <a:rPr lang="en-SG" dirty="0"/>
+              <a:t>        user = </a:t>
+            </a:r>
+            <a:r>
+              <a:rPr lang="en-SG" dirty="0" err="1"/>
+              <a:t>getUserName</a:t>
+            </a:r>
+            <a:r>
+              <a:rPr lang="en-SG" dirty="0"/>
+              <a:t>()</a:t>
+            </a:r>
+          </a:p>
+          <a:p>
+            <a:pPr marL="0" indent="0">
+              <a:buNone/>
+            </a:pPr>
+            <a:r>
+              <a:rPr lang="en-SG" dirty="0"/>
+              <a:t>        </a:t>
+            </a:r>
+            <a:r>
+              <a:rPr lang="en-SG" dirty="0" err="1"/>
+              <a:t>pwd</a:t>
+            </a:r>
+            <a:r>
+              <a:rPr lang="en-SG" dirty="0"/>
+              <a:t> = </a:t>
+            </a:r>
+            <a:r>
+              <a:rPr lang="en-SG" dirty="0" err="1"/>
+              <a:t>getPassword</a:t>
+            </a:r>
+            <a:r>
+              <a:rPr lang="en-SG" dirty="0"/>
+              <a:t>()</a:t>
+            </a:r>
+          </a:p>
+          <a:p>
+            <a:pPr marL="0" indent="0">
+              <a:buNone/>
+            </a:pPr>
+            <a:r>
+              <a:rPr lang="en-SG" dirty="0"/>
+              <a:t>        if </a:t>
+            </a:r>
+            <a:r>
+              <a:rPr lang="en-SG" dirty="0" err="1"/>
+              <a:t>checkLogin</a:t>
+            </a:r>
+            <a:r>
+              <a:rPr lang="en-SG" dirty="0"/>
+              <a:t>(</a:t>
+            </a:r>
+            <a:r>
+              <a:rPr lang="en-SG" dirty="0" err="1"/>
+              <a:t>user,pwd</a:t>
+            </a:r>
+            <a:r>
+              <a:rPr lang="en-SG" dirty="0"/>
+              <a:t>):</a:t>
+            </a:r>
+          </a:p>
+          <a:p>
+            <a:pPr marL="0" indent="0">
+              <a:buNone/>
+            </a:pPr>
+            <a:r>
+              <a:rPr lang="en-SG" dirty="0"/>
+              <a:t>            </a:t>
+            </a:r>
+            <a:r>
+              <a:rPr lang="en-SG" dirty="0" err="1"/>
+              <a:t>getUserTransaction</a:t>
+            </a:r>
+            <a:r>
+              <a:rPr lang="en-SG" dirty="0"/>
+              <a:t>(user)</a:t>
+            </a:r>
+          </a:p>
+          <a:p>
+            <a:pPr marL="0" indent="0">
+              <a:buNone/>
+            </a:pPr>
+            <a:r>
+              <a:rPr lang="en-SG" dirty="0"/>
+              <a:t>            break</a:t>
+            </a:r>
+          </a:p>
+          <a:p>
+            <a:pPr marL="0" indent="0">
+              <a:buNone/>
+            </a:pPr>
+            <a:r>
+              <a:rPr lang="en-SG" dirty="0"/>
+              <a:t>        else:</a:t>
+            </a:r>
+          </a:p>
+          <a:p>
+            <a:pPr marL="0" indent="0">
+              <a:buNone/>
+            </a:pPr>
+            <a:r>
+              <a:rPr lang="en-SG" dirty="0"/>
+              <a:t>            tries+=1</a:t>
+            </a:r>
+          </a:p>
+          <a:p>
+            <a:pPr marL="0" indent="0">
+              <a:buNone/>
+            </a:pPr>
+            <a:r>
+              <a:rPr lang="en-SG" dirty="0"/>
+              <a:t>    if tries == 3:</a:t>
+            </a:r>
+          </a:p>
+          <a:p>
+            <a:pPr marL="0" indent="0">
+              <a:buNone/>
+            </a:pPr>
+            <a:r>
+              <a:rPr lang="en-SG" dirty="0"/>
+              <a:t>        print("you have exceeded your tries.")</a:t>
+            </a:r>
+          </a:p>
+          <a:p>
+            <a:pPr marL="0" indent="0">
+              <a:buNone/>
+            </a:pPr>
+            <a:r>
+              <a:rPr lang="en-SG" dirty="0"/>
+              <a:t>            </a:t>
+            </a:r>
+          </a:p>
+          <a:p>
+            <a:pPr marL="0" indent="0">
+              <a:buNone/>
+            </a:pPr>
+            <a:r>
+              <a:rPr lang="en-SG" dirty="0"/>
+              <a:t>if __name__ == "__main__":</a:t>
+            </a:r>
+          </a:p>
+          <a:p>
+            <a:pPr marL="0" indent="0">
+              <a:buNone/>
+            </a:pPr>
+            <a:r>
+              <a:rPr lang="en-SG" dirty="0"/>
+              <a:t>    main()</a:t>
+            </a:r>
           </a:p>
         </p:txBody>
       </p:sp>
-      <p:pic>
-        <p:nvPicPr>
-          <p:cNvPr id="5" name="Picture 4">
-            <a:extLst>
-              <a:ext uri="{FF2B5EF4-FFF2-40B4-BE49-F238E27FC236}">
-                <a16:creationId xmlns:a16="http://schemas.microsoft.com/office/drawing/2014/main" id="{ED32EB6A-9787-4658-99F6-2CEE56C512C9}"/>
-              </a:ext>
-            </a:extLst>
-          </p:cNvPr>
-          <p:cNvPicPr>
-            <a:picLocks noChangeAspect="1"/>
-          </p:cNvPicPr>
-          <p:nvPr/>
-        </p:nvPicPr>
-        <p:blipFill>
-          <a:blip r:embed="rId2"/>
-          <a:stretch>
-            <a:fillRect/>
-          </a:stretch>
-        </p:blipFill>
-        <p:spPr>
-          <a:xfrm>
-            <a:off x="2343897" y="1845342"/>
-            <a:ext cx="7209678" cy="4331621"/>
-          </a:xfrm>
-          <a:prstGeom prst="rect">
-            <a:avLst/>
-          </a:prstGeom>
-        </p:spPr>
-      </p:pic>
     </p:spTree>
     <p:extLst>
       <p:ext uri="{BB962C8B-B14F-4D97-AF65-F5344CB8AC3E}">
-        <p14:creationId xmlns:p14="http://schemas.microsoft.com/office/powerpoint/2010/main" val="553172919"/>
+        <p14:creationId xmlns:p14="http://schemas.microsoft.com/office/powerpoint/2010/main" val="3909975812"/>
       </p:ext>
     </p:extLst>
   </p:cSld>
@@ -12941,7 +13721,7 @@
           <p:cNvPr id="2" name="Title 1">
             <a:extLst>
               <a:ext uri="{FF2B5EF4-FFF2-40B4-BE49-F238E27FC236}">
-                <a16:creationId xmlns:a16="http://schemas.microsoft.com/office/drawing/2014/main" id="{081D3D85-6AE1-4236-9FF4-BE50D5BB5ADA}"/>
+                <a16:creationId xmlns:a16="http://schemas.microsoft.com/office/drawing/2014/main" id="{EF3F5DAD-27FD-4FB8-9934-500CC2E1BAF2}"/>
               </a:ext>
             </a:extLst>
           </p:cNvPr>
@@ -12952,7 +13732,12 @@
             <p:ph type="title"/>
           </p:nvPr>
         </p:nvSpPr>
-        <p:spPr/>
+        <p:spPr>
+          <a:xfrm>
+            <a:off x="838200" y="365126"/>
+            <a:ext cx="10515600" cy="577850"/>
+          </a:xfrm>
+        </p:spPr>
         <p:txBody>
           <a:bodyPr>
             <a:normAutofit fontScale="90000"/>
@@ -12962,24 +13747,17 @@
             <a:pPr algn="ctr"/>
             <a:r>
               <a:rPr lang="en-SG" dirty="0"/>
-              <a:t>Project solution code</a:t>
-            </a:r>
-            <a:br>
-              <a:rPr lang="en-SG" dirty="0"/>
-            </a:br>
-            <a:r>
-              <a:rPr lang="en-SG" dirty="0"/>
-              <a:t>copy pas the below code to your python file and run it.</a:t>
+              <a:t>Project solution</a:t>
             </a:r>
           </a:p>
         </p:txBody>
       </p:sp>
       <p:sp>
         <p:nvSpPr>
-          <p:cNvPr id="5" name="Content Placeholder 2">
-            <a:extLst>
-              <a:ext uri="{FF2B5EF4-FFF2-40B4-BE49-F238E27FC236}">
-                <a16:creationId xmlns:a16="http://schemas.microsoft.com/office/drawing/2014/main" id="{9A11C471-F76C-46BC-874F-012B31F06A8D}"/>
+          <p:cNvPr id="3" name="Content Placeholder 2">
+            <a:extLst>
+              <a:ext uri="{FF2B5EF4-FFF2-40B4-BE49-F238E27FC236}">
+                <a16:creationId xmlns:a16="http://schemas.microsoft.com/office/drawing/2014/main" id="{DD66B653-9104-4DB1-8D55-B0F230D9BFE0}"/>
               </a:ext>
             </a:extLst>
           </p:cNvPr>
@@ -12992,67 +13770,20 @@
         </p:nvSpPr>
         <p:spPr>
           <a:xfrm>
-            <a:off x="838199" y="1825625"/>
-            <a:ext cx="10515600" cy="4351338"/>
+            <a:off x="838199" y="942976"/>
+            <a:ext cx="10515599" cy="5233987"/>
           </a:xfrm>
-          <a:ln>
-            <a:solidFill>
-              <a:schemeClr val="accent1">
-                <a:shade val="50000"/>
-              </a:schemeClr>
-            </a:solidFill>
-          </a:ln>
         </p:spPr>
         <p:txBody>
-          <a:bodyPr>
-            <a:normAutofit fontScale="25000" lnSpcReduction="20000"/>
-          </a:bodyPr>
+          <a:bodyPr/>
           <a:lstStyle/>
           <a:p>
             <a:pPr marL="0" indent="0">
               <a:buNone/>
             </a:pPr>
             <a:r>
-              <a:rPr lang="en-SG" dirty="0" err="1"/>
-              <a:t>userDB</a:t>
-            </a:r>
-            <a:r>
               <a:rPr lang="en-SG" dirty="0"/>
-              <a:t> = {'Bob':'bob123password',</a:t>
-            </a:r>
-          </a:p>
-          <a:p>
-            <a:pPr marL="0" indent="0">
-              <a:buNone/>
-            </a:pPr>
-            <a:r>
-              <a:rPr lang="en-SG" dirty="0"/>
-              <a:t>          'Sandra':'</a:t>
-            </a:r>
-            <a:r>
-              <a:rPr lang="en-SG" dirty="0" err="1"/>
-              <a:t>sandraDBpassword</a:t>
-            </a:r>
-            <a:r>
-              <a:rPr lang="en-SG" dirty="0"/>
-              <a:t>',</a:t>
-            </a:r>
-          </a:p>
-          <a:p>
-            <a:pPr marL="0" indent="0">
-              <a:buNone/>
-            </a:pPr>
-            <a:r>
-              <a:rPr lang="en-SG" dirty="0"/>
-              <a:t>          'Teddy':'</a:t>
-            </a:r>
-            <a:r>
-              <a:rPr lang="en-SG" dirty="0" err="1"/>
-              <a:t>TeddyGridHugs</a:t>
-            </a:r>
-            <a:r>
-              <a:rPr lang="en-SG" dirty="0"/>
-              <a:t>'}</a:t>
+              <a:t>Paste it to the left side code editor. Save the file and run it.</a:t>
             </a:r>
           </a:p>
           <a:p>
@@ -13060,639 +13791,43 @@
               <a:buNone/>
             </a:pPr>
             <a:endParaRPr lang="en-SG" dirty="0"/>
-          </a:p>
-          <a:p>
-            <a:pPr marL="0" indent="0">
-              <a:buNone/>
-            </a:pPr>
-            <a:r>
-              <a:rPr lang="en-SG" dirty="0" err="1"/>
-              <a:t>userTransactionData</a:t>
-            </a:r>
-            <a:r>
-              <a:rPr lang="en-SG" dirty="0"/>
-              <a:t> = {</a:t>
-            </a:r>
-          </a:p>
-          <a:p>
-            <a:pPr marL="0" indent="0">
-              <a:buNone/>
-            </a:pPr>
-            <a:r>
-              <a:rPr lang="en-SG" dirty="0"/>
-              <a:t>        'Bob':[{'item':'car','price':50000},</a:t>
-            </a:r>
-          </a:p>
-          <a:p>
-            <a:pPr marL="0" indent="0">
-              <a:buNone/>
-            </a:pPr>
-            <a:r>
-              <a:rPr lang="en-SG" dirty="0"/>
-              <a:t>               {'item':'house','price':300000},</a:t>
-            </a:r>
-          </a:p>
-          <a:p>
-            <a:pPr marL="0" indent="0">
-              <a:buNone/>
-            </a:pPr>
-            <a:r>
-              <a:rPr lang="en-SG" dirty="0"/>
-              <a:t>               {'item':'laptop','price':2500}],</a:t>
-            </a:r>
-          </a:p>
-          <a:p>
-            <a:pPr marL="0" indent="0">
-              <a:buNone/>
-            </a:pPr>
-            <a:r>
-              <a:rPr lang="en-SG" dirty="0"/>
-              <a:t>        'Sandra':[{'item':'boat','price':20000},</a:t>
-            </a:r>
-          </a:p>
-          <a:p>
-            <a:pPr marL="0" indent="0">
-              <a:buNone/>
-            </a:pPr>
-            <a:r>
-              <a:rPr lang="en-SG" dirty="0"/>
-              <a:t>               {'item':'plane','price':250000},</a:t>
-            </a:r>
-          </a:p>
-          <a:p>
-            <a:pPr marL="0" indent="0">
-              <a:buNone/>
-            </a:pPr>
-            <a:r>
-              <a:rPr lang="en-SG" dirty="0"/>
-              <a:t>               {'item':'bag','price':1500}],</a:t>
-            </a:r>
-          </a:p>
-          <a:p>
-            <a:pPr marL="0" indent="0">
-              <a:buNone/>
-            </a:pPr>
-            <a:r>
-              <a:rPr lang="en-SG" dirty="0"/>
-              <a:t>        'Teddy':[{'item':'bonsay','price':500},</a:t>
-            </a:r>
-          </a:p>
-          <a:p>
-            <a:pPr marL="0" indent="0">
-              <a:buNone/>
-            </a:pPr>
-            <a:r>
-              <a:rPr lang="en-SG" dirty="0"/>
-              <a:t>               {'</a:t>
-            </a:r>
-            <a:r>
-              <a:rPr lang="en-SG" dirty="0" err="1"/>
-              <a:t>item':'tree</a:t>
-            </a:r>
-            <a:r>
-              <a:rPr lang="en-SG" dirty="0"/>
-              <a:t> house','price':100000},</a:t>
-            </a:r>
-          </a:p>
-          <a:p>
-            <a:pPr marL="0" indent="0">
-              <a:buNone/>
-            </a:pPr>
-            <a:r>
-              <a:rPr lang="en-SG" dirty="0"/>
-              <a:t>               {'item':'honey','price':250}],</a:t>
-            </a:r>
-          </a:p>
-          <a:p>
-            <a:pPr marL="0" indent="0">
-              <a:buNone/>
-            </a:pPr>
-            <a:r>
-              <a:rPr lang="en-SG" dirty="0"/>
-              <a:t>        }</a:t>
-            </a:r>
-          </a:p>
-          <a:p>
-            <a:pPr marL="0" indent="0">
-              <a:buNone/>
-            </a:pPr>
-            <a:endParaRPr lang="en-SG" dirty="0"/>
-          </a:p>
-          <a:p>
-            <a:pPr marL="0" indent="0">
-              <a:buNone/>
-            </a:pPr>
-            <a:r>
-              <a:rPr lang="en-SG" dirty="0"/>
-              <a:t>def </a:t>
-            </a:r>
-            <a:r>
-              <a:rPr lang="en-SG" dirty="0" err="1"/>
-              <a:t>getUserName</a:t>
-            </a:r>
-            <a:r>
-              <a:rPr lang="en-SG" dirty="0"/>
-              <a:t>():</a:t>
-            </a:r>
-          </a:p>
-          <a:p>
-            <a:pPr marL="0" indent="0">
-              <a:buNone/>
-            </a:pPr>
-            <a:r>
-              <a:rPr lang="en-SG" dirty="0"/>
-              <a:t>    user = input("Enter username: ")</a:t>
-            </a:r>
-          </a:p>
-          <a:p>
-            <a:pPr marL="0" indent="0">
-              <a:buNone/>
-            </a:pPr>
-            <a:r>
-              <a:rPr lang="en-SG" dirty="0"/>
-              <a:t>    return user</a:t>
-            </a:r>
-          </a:p>
-          <a:p>
-            <a:pPr marL="0" indent="0">
-              <a:buNone/>
-            </a:pPr>
-            <a:r>
-              <a:rPr lang="en-SG" dirty="0"/>
-              <a:t>def </a:t>
-            </a:r>
-            <a:r>
-              <a:rPr lang="en-SG" dirty="0" err="1"/>
-              <a:t>getPassword</a:t>
-            </a:r>
-            <a:r>
-              <a:rPr lang="en-SG" dirty="0"/>
-              <a:t>():</a:t>
-            </a:r>
-          </a:p>
-          <a:p>
-            <a:pPr marL="0" indent="0">
-              <a:buNone/>
-            </a:pPr>
-            <a:r>
-              <a:rPr lang="en-SG" dirty="0"/>
-              <a:t>    passwd = input("Enter password: ")</a:t>
-            </a:r>
-          </a:p>
-          <a:p>
-            <a:pPr marL="0" indent="0">
-              <a:buNone/>
-            </a:pPr>
-            <a:r>
-              <a:rPr lang="en-SG" dirty="0"/>
-              <a:t>    return passwd</a:t>
-            </a:r>
-          </a:p>
-          <a:p>
-            <a:pPr marL="0" indent="0">
-              <a:buNone/>
-            </a:pPr>
-            <a:endParaRPr lang="en-SG" dirty="0"/>
-          </a:p>
-          <a:p>
-            <a:pPr marL="0" indent="0">
-              <a:buNone/>
-            </a:pPr>
-            <a:r>
-              <a:rPr lang="en-SG" dirty="0"/>
-              <a:t>def </a:t>
-            </a:r>
-            <a:r>
-              <a:rPr lang="en-SG" dirty="0" err="1"/>
-              <a:t>checkLogin</a:t>
-            </a:r>
-            <a:r>
-              <a:rPr lang="en-SG" dirty="0"/>
-              <a:t>(</a:t>
-            </a:r>
-            <a:r>
-              <a:rPr lang="en-SG" dirty="0" err="1"/>
-              <a:t>username,password</a:t>
-            </a:r>
-            <a:r>
-              <a:rPr lang="en-SG" dirty="0"/>
-              <a:t>):</a:t>
-            </a:r>
-          </a:p>
-          <a:p>
-            <a:pPr marL="0" indent="0">
-              <a:buNone/>
-            </a:pPr>
-            <a:r>
-              <a:rPr lang="en-SG" dirty="0"/>
-              <a:t>    if username not in </a:t>
-            </a:r>
-            <a:r>
-              <a:rPr lang="en-SG" dirty="0" err="1"/>
-              <a:t>userDB</a:t>
-            </a:r>
-            <a:r>
-              <a:rPr lang="en-SG" dirty="0"/>
-              <a:t> or </a:t>
-            </a:r>
-            <a:r>
-              <a:rPr lang="en-SG" dirty="0" err="1"/>
-              <a:t>userDB</a:t>
-            </a:r>
-            <a:r>
-              <a:rPr lang="en-SG" dirty="0"/>
-              <a:t>[username] != password:</a:t>
-            </a:r>
-          </a:p>
-          <a:p>
-            <a:pPr marL="0" indent="0">
-              <a:buNone/>
-            </a:pPr>
-            <a:r>
-              <a:rPr lang="en-SG" dirty="0"/>
-              <a:t>        print("Invalid username/password")</a:t>
-            </a:r>
-          </a:p>
-          <a:p>
-            <a:pPr marL="0" indent="0">
-              <a:buNone/>
-            </a:pPr>
-            <a:r>
-              <a:rPr lang="en-SG" dirty="0"/>
-              <a:t>        return False</a:t>
-            </a:r>
-          </a:p>
-          <a:p>
-            <a:pPr marL="0" indent="0">
-              <a:buNone/>
-            </a:pPr>
-            <a:r>
-              <a:rPr lang="en-SG" dirty="0"/>
-              <a:t>    else:</a:t>
-            </a:r>
-          </a:p>
-          <a:p>
-            <a:pPr marL="0" indent="0">
-              <a:buNone/>
-            </a:pPr>
-            <a:r>
-              <a:rPr lang="en-SG" dirty="0"/>
-              <a:t>        return True</a:t>
-            </a:r>
-          </a:p>
-          <a:p>
-            <a:pPr marL="0" indent="0">
-              <a:buNone/>
-            </a:pPr>
-            <a:r>
-              <a:rPr lang="en-SG" dirty="0"/>
-              <a:t>    </a:t>
-            </a:r>
-          </a:p>
-          <a:p>
-            <a:pPr marL="0" indent="0">
-              <a:buNone/>
-            </a:pPr>
-            <a:r>
-              <a:rPr lang="en-SG" dirty="0"/>
-              <a:t>def </a:t>
-            </a:r>
-            <a:r>
-              <a:rPr lang="en-SG" dirty="0" err="1"/>
-              <a:t>getUserTransaction</a:t>
-            </a:r>
-            <a:r>
-              <a:rPr lang="en-SG" dirty="0"/>
-              <a:t>(user):</a:t>
-            </a:r>
-          </a:p>
-          <a:p>
-            <a:pPr marL="0" indent="0">
-              <a:buNone/>
-            </a:pPr>
-            <a:r>
-              <a:rPr lang="en-SG" dirty="0"/>
-              <a:t>    transaction = </a:t>
-            </a:r>
-            <a:r>
-              <a:rPr lang="en-SG" dirty="0" err="1"/>
-              <a:t>userTransactionData</a:t>
-            </a:r>
-            <a:r>
-              <a:rPr lang="en-SG" dirty="0"/>
-              <a:t>[user]</a:t>
-            </a:r>
-          </a:p>
-          <a:p>
-            <a:pPr marL="0" indent="0">
-              <a:buNone/>
-            </a:pPr>
-            <a:r>
-              <a:rPr lang="en-SG" dirty="0"/>
-              <a:t>    total = 0</a:t>
-            </a:r>
-          </a:p>
-          <a:p>
-            <a:pPr marL="0" indent="0">
-              <a:buNone/>
-            </a:pPr>
-            <a:r>
-              <a:rPr lang="en-SG" dirty="0"/>
-              <a:t>    print("\</a:t>
-            </a:r>
-            <a:r>
-              <a:rPr lang="en-SG" dirty="0" err="1"/>
-              <a:t>n%s's</a:t>
-            </a:r>
-            <a:r>
-              <a:rPr lang="en-SG" dirty="0"/>
-              <a:t> transactions:"%user)</a:t>
-            </a:r>
-          </a:p>
-          <a:p>
-            <a:pPr marL="0" indent="0">
-              <a:buNone/>
-            </a:pPr>
-            <a:r>
-              <a:rPr lang="en-SG" dirty="0"/>
-              <a:t>    for </a:t>
-            </a:r>
-            <a:r>
-              <a:rPr lang="en-SG" dirty="0" err="1"/>
-              <a:t>tran</a:t>
-            </a:r>
-            <a:r>
-              <a:rPr lang="en-SG" dirty="0"/>
-              <a:t> in transaction:</a:t>
-            </a:r>
-          </a:p>
-          <a:p>
-            <a:pPr marL="0" indent="0">
-              <a:buNone/>
-            </a:pPr>
-            <a:r>
-              <a:rPr lang="en-SG" dirty="0"/>
-              <a:t>        print("%s : %d"%(</a:t>
-            </a:r>
-            <a:r>
-              <a:rPr lang="en-SG" dirty="0" err="1"/>
-              <a:t>tran</a:t>
-            </a:r>
-            <a:r>
-              <a:rPr lang="en-SG" dirty="0"/>
-              <a:t>['item'], </a:t>
-            </a:r>
-            <a:r>
-              <a:rPr lang="en-SG" dirty="0" err="1"/>
-              <a:t>tran</a:t>
-            </a:r>
-            <a:r>
-              <a:rPr lang="en-SG" dirty="0"/>
-              <a:t>['price']))</a:t>
-            </a:r>
-          </a:p>
-          <a:p>
-            <a:pPr marL="0" indent="0">
-              <a:buNone/>
-            </a:pPr>
-            <a:r>
-              <a:rPr lang="en-SG" dirty="0"/>
-              <a:t>        total+= </a:t>
-            </a:r>
-            <a:r>
-              <a:rPr lang="en-SG" dirty="0" err="1"/>
-              <a:t>tran</a:t>
-            </a:r>
-            <a:r>
-              <a:rPr lang="en-SG" dirty="0"/>
-              <a:t>['price']</a:t>
-            </a:r>
-          </a:p>
-          <a:p>
-            <a:pPr marL="0" indent="0">
-              <a:buNone/>
-            </a:pPr>
-            <a:r>
-              <a:rPr lang="en-SG" dirty="0"/>
-              <a:t>    print("===============")</a:t>
-            </a:r>
-          </a:p>
-          <a:p>
-            <a:pPr marL="0" indent="0">
-              <a:buNone/>
-            </a:pPr>
-            <a:r>
-              <a:rPr lang="en-SG" dirty="0"/>
-              <a:t>    print("Total: " + str(total))</a:t>
-            </a:r>
-          </a:p>
-          <a:p>
-            <a:pPr marL="0" indent="0">
-              <a:buNone/>
-            </a:pPr>
-            <a:r>
-              <a:rPr lang="en-SG" dirty="0"/>
-              <a:t>    </a:t>
-            </a:r>
-          </a:p>
-          <a:p>
-            <a:pPr marL="0" indent="0">
-              <a:buNone/>
-            </a:pPr>
-            <a:r>
-              <a:rPr lang="en-SG" dirty="0"/>
-              <a:t>def main():</a:t>
-            </a:r>
-          </a:p>
-          <a:p>
-            <a:pPr marL="0" indent="0">
-              <a:buNone/>
-            </a:pPr>
-            <a:r>
-              <a:rPr lang="en-SG" dirty="0"/>
-              <a:t>    tries = 0</a:t>
-            </a:r>
-          </a:p>
-          <a:p>
-            <a:pPr marL="0" indent="0">
-              <a:buNone/>
-            </a:pPr>
-            <a:r>
-              <a:rPr lang="en-SG" dirty="0"/>
-              <a:t>    while tries &lt; 3:</a:t>
-            </a:r>
-          </a:p>
-          <a:p>
-            <a:pPr marL="0" indent="0">
-              <a:buNone/>
-            </a:pPr>
-            <a:r>
-              <a:rPr lang="en-SG" dirty="0"/>
-              <a:t>        print("###################")</a:t>
-            </a:r>
-          </a:p>
-          <a:p>
-            <a:pPr marL="0" indent="0">
-              <a:buNone/>
-            </a:pPr>
-            <a:r>
-              <a:rPr lang="en-SG" dirty="0"/>
-              <a:t>        user = </a:t>
-            </a:r>
-            <a:r>
-              <a:rPr lang="en-SG" dirty="0" err="1"/>
-              <a:t>getUserName</a:t>
-            </a:r>
-            <a:r>
-              <a:rPr lang="en-SG" dirty="0"/>
-              <a:t>()</a:t>
-            </a:r>
-          </a:p>
-          <a:p>
-            <a:pPr marL="0" indent="0">
-              <a:buNone/>
-            </a:pPr>
-            <a:r>
-              <a:rPr lang="en-SG" dirty="0"/>
-              <a:t>        </a:t>
-            </a:r>
-            <a:r>
-              <a:rPr lang="en-SG" dirty="0" err="1"/>
-              <a:t>pwd</a:t>
-            </a:r>
-            <a:r>
-              <a:rPr lang="en-SG" dirty="0"/>
-              <a:t> = </a:t>
-            </a:r>
-            <a:r>
-              <a:rPr lang="en-SG" dirty="0" err="1"/>
-              <a:t>getPassword</a:t>
-            </a:r>
-            <a:r>
-              <a:rPr lang="en-SG" dirty="0"/>
-              <a:t>()</a:t>
-            </a:r>
-          </a:p>
-          <a:p>
-            <a:pPr marL="0" indent="0">
-              <a:buNone/>
-            </a:pPr>
-            <a:r>
-              <a:rPr lang="en-SG" dirty="0"/>
-              <a:t>        if </a:t>
-            </a:r>
-            <a:r>
-              <a:rPr lang="en-SG" dirty="0" err="1"/>
-              <a:t>checkLogin</a:t>
-            </a:r>
-            <a:r>
-              <a:rPr lang="en-SG" dirty="0"/>
-              <a:t>(</a:t>
-            </a:r>
-            <a:r>
-              <a:rPr lang="en-SG" dirty="0" err="1"/>
-              <a:t>user,pwd</a:t>
-            </a:r>
-            <a:r>
-              <a:rPr lang="en-SG" dirty="0"/>
-              <a:t>):</a:t>
-            </a:r>
-          </a:p>
-          <a:p>
-            <a:pPr marL="0" indent="0">
-              <a:buNone/>
-            </a:pPr>
-            <a:r>
-              <a:rPr lang="en-SG" dirty="0"/>
-              <a:t>            </a:t>
-            </a:r>
-            <a:r>
-              <a:rPr lang="en-SG" dirty="0" err="1"/>
-              <a:t>getUserTransaction</a:t>
-            </a:r>
-            <a:r>
-              <a:rPr lang="en-SG" dirty="0"/>
-              <a:t>(user)</a:t>
-            </a:r>
-          </a:p>
-          <a:p>
-            <a:pPr marL="0" indent="0">
-              <a:buNone/>
-            </a:pPr>
-            <a:r>
-              <a:rPr lang="en-SG" dirty="0"/>
-              <a:t>            break</a:t>
-            </a:r>
-          </a:p>
-          <a:p>
-            <a:pPr marL="0" indent="0">
-              <a:buNone/>
-            </a:pPr>
-            <a:r>
-              <a:rPr lang="en-SG" dirty="0"/>
-              <a:t>        else:</a:t>
-            </a:r>
-          </a:p>
-          <a:p>
-            <a:pPr marL="0" indent="0">
-              <a:buNone/>
-            </a:pPr>
-            <a:r>
-              <a:rPr lang="en-SG" dirty="0"/>
-              <a:t>            tries+=1</a:t>
-            </a:r>
-          </a:p>
-          <a:p>
-            <a:pPr marL="0" indent="0">
-              <a:buNone/>
-            </a:pPr>
-            <a:r>
-              <a:rPr lang="en-SG" dirty="0"/>
-              <a:t>    if tries == 3:</a:t>
-            </a:r>
-          </a:p>
-          <a:p>
-            <a:pPr marL="0" indent="0">
-              <a:buNone/>
-            </a:pPr>
-            <a:r>
-              <a:rPr lang="en-SG" dirty="0"/>
-              <a:t>        print("you have exceeded your tries.")</a:t>
-            </a:r>
-          </a:p>
-          <a:p>
-            <a:pPr marL="0" indent="0">
-              <a:buNone/>
-            </a:pPr>
-            <a:r>
-              <a:rPr lang="en-SG" dirty="0"/>
-              <a:t>            </a:t>
-            </a:r>
-          </a:p>
-          <a:p>
-            <a:pPr marL="0" indent="0">
-              <a:buNone/>
-            </a:pPr>
-            <a:r>
-              <a:rPr lang="en-SG" dirty="0"/>
-              <a:t>if __name__ == "__main__":</a:t>
-            </a:r>
-          </a:p>
-          <a:p>
-            <a:pPr marL="0" indent="0">
-              <a:buNone/>
-            </a:pPr>
-            <a:r>
-              <a:rPr lang="en-SG" dirty="0"/>
-              <a:t>    main()</a:t>
-            </a:r>
           </a:p>
         </p:txBody>
       </p:sp>
+      <p:pic>
+        <p:nvPicPr>
+          <p:cNvPr id="5" name="Picture 4">
+            <a:extLst>
+              <a:ext uri="{FF2B5EF4-FFF2-40B4-BE49-F238E27FC236}">
+                <a16:creationId xmlns:a16="http://schemas.microsoft.com/office/drawing/2014/main" id="{ED32EB6A-9787-4658-99F6-2CEE56C512C9}"/>
+              </a:ext>
+            </a:extLst>
+          </p:cNvPr>
+          <p:cNvPicPr>
+            <a:picLocks noChangeAspect="1"/>
+          </p:cNvPicPr>
+          <p:nvPr/>
+        </p:nvPicPr>
+        <p:blipFill>
+          <a:blip r:embed="rId2"/>
+          <a:stretch>
+            <a:fillRect/>
+          </a:stretch>
+        </p:blipFill>
+        <p:spPr>
+          <a:xfrm>
+            <a:off x="2343897" y="1845342"/>
+            <a:ext cx="7209678" cy="4331621"/>
+          </a:xfrm>
+          <a:prstGeom prst="rect">
+            <a:avLst/>
+          </a:prstGeom>
+        </p:spPr>
+      </p:pic>
     </p:spTree>
     <p:extLst>
       <p:ext uri="{BB962C8B-B14F-4D97-AF65-F5344CB8AC3E}">
-        <p14:creationId xmlns:p14="http://schemas.microsoft.com/office/powerpoint/2010/main" val="3909975812"/>
+        <p14:creationId xmlns:p14="http://schemas.microsoft.com/office/powerpoint/2010/main" val="553172919"/>
       </p:ext>
     </p:extLst>
   </p:cSld>
@@ -15272,12 +15407,12 @@
                     <a:p>
                       <a:pPr algn="l" fontAlgn="b"/>
                       <a:r>
-                        <a:rPr lang="en-SG" sz="1100" u="none" strike="noStrike">
+                        <a:rPr lang="en-SG" sz="1100" u="none" strike="noStrike" dirty="0">
                           <a:effectLst/>
                         </a:rPr>
                         <a:t>Get the first element</a:t>
                       </a:r>
-                      <a:endParaRPr lang="en-SG" sz="1100" b="0" i="0" u="none" strike="noStrike">
+                      <a:endParaRPr lang="en-SG" sz="1100" b="0" i="0" u="none" strike="noStrike" dirty="0">
                         <a:solidFill>
                           <a:srgbClr val="000000"/>
                         </a:solidFill>
@@ -19311,9 +19446,16 @@
         </p:nvSpPr>
         <p:spPr>
           <a:xfrm>
-            <a:off x="838200" y="1515035"/>
-            <a:ext cx="10515600" cy="4661928"/>
+            <a:off x="838199" y="2619442"/>
+            <a:ext cx="4759701" cy="3709559"/>
           </a:xfrm>
+          <a:ln>
+            <a:solidFill>
+              <a:schemeClr val="accent1">
+                <a:shade val="50000"/>
+              </a:schemeClr>
+            </a:solidFill>
+          </a:ln>
         </p:spPr>
         <p:txBody>
           <a:bodyPr>
@@ -19325,169 +19467,96 @@
               <a:buNone/>
             </a:pPr>
             <a:r>
-              <a:rPr lang="en-SG" sz="1600" dirty="0"/>
-              <a:t>1. Python is </a:t>
-            </a:r>
-            <a:r>
-              <a:rPr lang="en-SG" sz="1600" b="1" dirty="0"/>
-              <a:t>case sensitive.</a:t>
-            </a:r>
-          </a:p>
-          <a:p>
-            <a:pPr marL="0" indent="0">
-              <a:buNone/>
-            </a:pPr>
-            <a:r>
-              <a:rPr lang="en-SG" sz="1600" dirty="0"/>
-              <a:t>	e.g. camel is not the same as Camel.</a:t>
-            </a:r>
-          </a:p>
-          <a:p>
-            <a:pPr marL="0" indent="0">
-              <a:buNone/>
-            </a:pPr>
-            <a:endParaRPr lang="en-SG" sz="1600" dirty="0"/>
-          </a:p>
-          <a:p>
-            <a:pPr marL="0" indent="0">
-              <a:buNone/>
-            </a:pPr>
-            <a:r>
-              <a:rPr lang="en-SG" sz="1600" dirty="0"/>
-              <a:t>2. </a:t>
-            </a:r>
-            <a:r>
-              <a:rPr lang="en-SG" sz="1600" b="1" dirty="0"/>
-              <a:t>Name a </a:t>
-            </a:r>
-            <a:r>
-              <a:rPr lang="en-SG" sz="1600" b="1" i="1" dirty="0"/>
-              <a:t>variable</a:t>
-            </a:r>
-            <a:r>
-              <a:rPr lang="en-SG" sz="1600" b="1" dirty="0"/>
-              <a:t> </a:t>
-            </a:r>
-            <a:r>
-              <a:rPr lang="en-SG" sz="1600" dirty="0"/>
-              <a:t>with the best description of what value it store.</a:t>
-            </a:r>
-          </a:p>
-          <a:p>
-            <a:pPr marL="0" indent="0">
-              <a:buNone/>
-            </a:pPr>
-            <a:r>
-              <a:rPr lang="en-SG" sz="1600" dirty="0"/>
-              <a:t>	e.g. </a:t>
-            </a:r>
-            <a:r>
-              <a:rPr lang="en-SG" sz="1600" dirty="0" err="1"/>
-              <a:t>myMoney</a:t>
-            </a:r>
-            <a:r>
-              <a:rPr lang="en-SG" sz="1600" dirty="0"/>
-              <a:t>=100 is better to describe the amount of money I have compared to x=100.</a:t>
-            </a:r>
-          </a:p>
-          <a:p>
-            <a:pPr marL="0" indent="0">
-              <a:buNone/>
-            </a:pPr>
-            <a:endParaRPr lang="en-SG" sz="1600" dirty="0"/>
-          </a:p>
-          <a:p>
-            <a:pPr marL="0" indent="0">
-              <a:buNone/>
-            </a:pPr>
-            <a:r>
-              <a:rPr lang="en-SG" sz="1600" dirty="0"/>
-              <a:t>3. </a:t>
-            </a:r>
-            <a:r>
-              <a:rPr lang="en-SG" sz="1600" b="1" dirty="0"/>
+              <a:rPr lang="en-SG" sz="2000" b="1" dirty="0"/>
               <a:t>Indentation</a:t>
             </a:r>
-            <a:r>
-              <a:rPr lang="en-SG" sz="1600" dirty="0"/>
-              <a:t> will determine the flow of the code. Use </a:t>
-            </a:r>
-            <a:r>
-              <a:rPr lang="en-SG" sz="1600" b="1" u="sng" dirty="0"/>
-              <a:t>TAB</a:t>
-            </a:r>
-            <a:r>
-              <a:rPr lang="en-SG" sz="1600" dirty="0"/>
-              <a:t> for best programming habit.</a:t>
-            </a:r>
-          </a:p>
-          <a:p>
-            <a:pPr marL="0" indent="0">
-              <a:buNone/>
-            </a:pPr>
-            <a:r>
-              <a:rPr lang="en-SG" sz="1600" dirty="0"/>
-              <a:t>	e.g. in #3 below, print function will only run if x is equal to 1 because it is indented 1 tab to the right of the </a:t>
-            </a:r>
-            <a:r>
-              <a:rPr lang="en-SG" sz="1600" b="1" dirty="0">
-                <a:latin typeface="Consolas" panose="020B0609020204030204" pitchFamily="49" charset="0"/>
-              </a:rPr>
-              <a:t>if</a:t>
-            </a:r>
-            <a:r>
-              <a:rPr lang="en-SG" sz="1600" dirty="0"/>
-              <a:t>.</a:t>
-            </a:r>
-          </a:p>
-          <a:p>
-            <a:pPr marL="0" indent="0">
-              <a:buNone/>
-            </a:pPr>
-            <a:r>
-              <a:rPr lang="en-SG" sz="1600" dirty="0"/>
-              <a:t>	while #4, will run the print function because it is on the same indentation as the </a:t>
-            </a:r>
-            <a:r>
-              <a:rPr lang="en-SG" sz="1600" b="1" dirty="0">
-                <a:solidFill>
-                  <a:schemeClr val="accent1"/>
-                </a:solidFill>
-                <a:latin typeface="Consolas" panose="020B0609020204030204" pitchFamily="49" charset="0"/>
-              </a:rPr>
-              <a:t>if</a:t>
-            </a:r>
-            <a:r>
-              <a:rPr lang="en-SG" sz="1600" dirty="0"/>
-              <a:t>.</a:t>
-            </a:r>
-          </a:p>
-          <a:p>
-            <a:pPr marL="0" indent="0">
-              <a:buNone/>
-            </a:pPr>
-            <a:endParaRPr lang="en-SG" sz="1600" dirty="0"/>
-          </a:p>
-          <a:p>
-            <a:pPr marL="0" indent="0">
-              <a:buNone/>
-            </a:pPr>
-            <a:endParaRPr lang="en-SG" sz="1600" dirty="0"/>
-          </a:p>
-          <a:p>
-            <a:pPr marL="0" indent="0">
-              <a:buNone/>
-            </a:pPr>
-            <a:endParaRPr lang="en-SG" sz="1600" dirty="0"/>
-          </a:p>
-          <a:p>
-            <a:pPr marL="0" indent="0">
-              <a:buNone/>
-            </a:pPr>
-            <a:r>
-              <a:rPr lang="en-SG" sz="1600" dirty="0"/>
-              <a:t>Improper indentation can even cause code error. </a:t>
-            </a:r>
+          </a:p>
+          <a:p>
+            <a:pPr marL="0" indent="0">
+              <a:buNone/>
+            </a:pPr>
+            <a:r>
+              <a:rPr lang="en-SG" sz="2000" dirty="0"/>
+              <a:t>USE</a:t>
+            </a:r>
+            <a:r>
+              <a:rPr lang="en-SG" sz="2000" b="1" dirty="0"/>
+              <a:t> TAB </a:t>
+            </a:r>
+            <a:r>
+              <a:rPr lang="en-SG" sz="2000" dirty="0"/>
+              <a:t>(not space) to start indent (and start a </a:t>
+            </a:r>
+            <a:r>
+              <a:rPr lang="en-SG" sz="2000" b="1" dirty="0"/>
+              <a:t>scope</a:t>
+            </a:r>
+            <a:r>
+              <a:rPr lang="en-SG" sz="2000" dirty="0"/>
+              <a:t>).</a:t>
+            </a:r>
+          </a:p>
+          <a:p>
+            <a:pPr marL="0" indent="0">
+              <a:buNone/>
+            </a:pPr>
+            <a:endParaRPr lang="en-SG" sz="2000" dirty="0"/>
+          </a:p>
+          <a:p>
+            <a:pPr marL="0" indent="0">
+              <a:buNone/>
+            </a:pPr>
+            <a:r>
+              <a:rPr lang="en-SG" sz="2000" dirty="0"/>
+              <a:t>Use BACKSPACE to end indent (&amp; end the </a:t>
+            </a:r>
+            <a:r>
+              <a:rPr lang="en-SG" sz="2000" b="1" dirty="0"/>
+              <a:t>scope</a:t>
+            </a:r>
+            <a:r>
+              <a:rPr lang="en-SG" sz="2000" dirty="0"/>
+              <a:t>).</a:t>
+            </a:r>
+          </a:p>
+          <a:p>
+            <a:pPr marL="0" indent="0">
+              <a:buNone/>
+            </a:pPr>
+            <a:endParaRPr lang="en-SG" sz="2000" dirty="0"/>
+          </a:p>
+          <a:p>
+            <a:pPr marL="0" indent="0">
+              <a:buNone/>
+            </a:pPr>
+            <a:r>
+              <a:rPr lang="en-SG" sz="2000" dirty="0"/>
+              <a:t>Scope – This determines the perimeter of the code block.</a:t>
+            </a:r>
+          </a:p>
+          <a:p>
+            <a:pPr marL="0" indent="0">
+              <a:buNone/>
+            </a:pPr>
+            <a:endParaRPr lang="en-SG" sz="2000" dirty="0"/>
+          </a:p>
+          <a:p>
+            <a:pPr marL="0" indent="0">
+              <a:buNone/>
+            </a:pPr>
+            <a:endParaRPr lang="en-SG" sz="2000" dirty="0"/>
+          </a:p>
+          <a:p>
+            <a:pPr marL="0" indent="0">
+              <a:buNone/>
+            </a:pPr>
+            <a:endParaRPr lang="en-SG" sz="2000" dirty="0"/>
+          </a:p>
+          <a:p>
+            <a:pPr marL="0" indent="0">
+              <a:buNone/>
+            </a:pPr>
+            <a:endParaRPr lang="en-SG" sz="2000" dirty="0"/>
           </a:p>
         </p:txBody>
       </p:sp>
@@ -19513,8 +19582,8 @@
         </p:blipFill>
         <p:spPr>
           <a:xfrm>
-            <a:off x="6765041" y="4638115"/>
-            <a:ext cx="2099964" cy="809206"/>
+            <a:off x="5872309" y="5283396"/>
+            <a:ext cx="2741685" cy="962049"/>
           </a:xfrm>
           <a:prstGeom prst="rect">
             <a:avLst/>
@@ -19543,7 +19612,7 @@
         </p:blipFill>
         <p:spPr>
           <a:xfrm>
-            <a:off x="1846194" y="4638115"/>
+            <a:off x="5872309" y="4414801"/>
             <a:ext cx="2746638" cy="868595"/>
           </a:xfrm>
           <a:prstGeom prst="rect">
@@ -19573,7 +19642,7 @@
         </p:blipFill>
         <p:spPr>
           <a:xfrm>
-            <a:off x="5096154" y="5653088"/>
+            <a:off x="6133948" y="2959195"/>
             <a:ext cx="1838325" cy="523875"/>
           </a:xfrm>
           <a:prstGeom prst="rect">
@@ -19603,7 +19672,7 @@
         </p:blipFill>
         <p:spPr>
           <a:xfrm>
-            <a:off x="6486243" y="5653088"/>
+            <a:off x="7521329" y="3429000"/>
             <a:ext cx="3975568" cy="592333"/>
           </a:xfrm>
           <a:prstGeom prst="rect">
@@ -19611,6 +19680,306 @@
           </a:prstGeom>
         </p:spPr>
       </p:pic>
+      <p:sp>
+        <p:nvSpPr>
+          <p:cNvPr id="4" name="TextBox 3">
+            <a:extLst>
+              <a:ext uri="{FF2B5EF4-FFF2-40B4-BE49-F238E27FC236}">
+                <a16:creationId xmlns:a16="http://schemas.microsoft.com/office/drawing/2014/main" id="{75ED14FD-DFF2-47BF-A9F0-E11A73360B64}"/>
+              </a:ext>
+            </a:extLst>
+          </p:cNvPr>
+          <p:cNvSpPr txBox="1"/>
+          <p:nvPr/>
+        </p:nvSpPr>
+        <p:spPr>
+          <a:xfrm>
+            <a:off x="838200" y="1172583"/>
+            <a:ext cx="4759700" cy="1241093"/>
+          </a:xfrm>
+          <a:prstGeom prst="rect">
+            <a:avLst/>
+          </a:prstGeom>
+          <a:noFill/>
+          <a:ln>
+            <a:solidFill>
+              <a:schemeClr val="accent1">
+                <a:shade val="50000"/>
+              </a:schemeClr>
+            </a:solidFill>
+          </a:ln>
+        </p:spPr>
+        <p:txBody>
+          <a:bodyPr wrap="square" rtlCol="0">
+            <a:noAutofit/>
+          </a:bodyPr>
+          <a:lstStyle/>
+          <a:p>
+            <a:r>
+              <a:rPr lang="en-SG" dirty="0"/>
+              <a:t>Python is </a:t>
+            </a:r>
+            <a:r>
+              <a:rPr lang="en-SG" b="1" dirty="0"/>
+              <a:t>case sensitive.</a:t>
+            </a:r>
+          </a:p>
+          <a:p>
+            <a:endParaRPr lang="en-SG" dirty="0"/>
+          </a:p>
+          <a:p>
+            <a:r>
+              <a:rPr lang="en-SG" dirty="0"/>
+              <a:t>e.g. camel is not the same as Camel.</a:t>
+            </a:r>
+          </a:p>
+          <a:p>
+            <a:endParaRPr lang="en-SG" dirty="0"/>
+          </a:p>
+        </p:txBody>
+      </p:sp>
+      <p:sp>
+        <p:nvSpPr>
+          <p:cNvPr id="9" name="TextBox 8">
+            <a:extLst>
+              <a:ext uri="{FF2B5EF4-FFF2-40B4-BE49-F238E27FC236}">
+                <a16:creationId xmlns:a16="http://schemas.microsoft.com/office/drawing/2014/main" id="{47E821DB-74E6-44B0-8F13-75AF760E022C}"/>
+              </a:ext>
+            </a:extLst>
+          </p:cNvPr>
+          <p:cNvSpPr txBox="1"/>
+          <p:nvPr/>
+        </p:nvSpPr>
+        <p:spPr>
+          <a:xfrm>
+            <a:off x="5740997" y="1172583"/>
+            <a:ext cx="5755900" cy="1241093"/>
+          </a:xfrm>
+          <a:prstGeom prst="rect">
+            <a:avLst/>
+          </a:prstGeom>
+          <a:noFill/>
+          <a:ln>
+            <a:solidFill>
+              <a:schemeClr val="accent1">
+                <a:shade val="50000"/>
+              </a:schemeClr>
+            </a:solidFill>
+          </a:ln>
+        </p:spPr>
+        <p:txBody>
+          <a:bodyPr wrap="square" rtlCol="0">
+            <a:noAutofit/>
+          </a:bodyPr>
+          <a:lstStyle/>
+          <a:p>
+            <a:r>
+              <a:rPr lang="en-SG" b="1" dirty="0"/>
+              <a:t>Name a </a:t>
+            </a:r>
+            <a:r>
+              <a:rPr lang="en-SG" b="1" i="1" dirty="0"/>
+              <a:t>variable</a:t>
+            </a:r>
+            <a:r>
+              <a:rPr lang="en-SG" b="1" dirty="0"/>
+              <a:t> </a:t>
+            </a:r>
+            <a:endParaRPr lang="en-SG" dirty="0"/>
+          </a:p>
+          <a:p>
+            <a:r>
+              <a:rPr lang="en-SG" dirty="0"/>
+              <a:t>Choose name that describe the intent clearly</a:t>
+            </a:r>
+          </a:p>
+          <a:p>
+            <a:endParaRPr lang="en-SG" dirty="0"/>
+          </a:p>
+          <a:p>
+            <a:r>
+              <a:rPr lang="en-SG" dirty="0"/>
+              <a:t>e.g. </a:t>
+            </a:r>
+            <a:r>
+              <a:rPr lang="en-SG" dirty="0" err="1"/>
+              <a:t>cashInBank</a:t>
+            </a:r>
+            <a:r>
+              <a:rPr lang="en-SG" dirty="0"/>
+              <a:t>=100 is a better description than to x=100.</a:t>
+            </a:r>
+          </a:p>
+          <a:p>
+            <a:endParaRPr lang="en-SG" dirty="0"/>
+          </a:p>
+        </p:txBody>
+      </p:sp>
+      <p:sp>
+        <p:nvSpPr>
+          <p:cNvPr id="10" name="TextBox 9">
+            <a:extLst>
+              <a:ext uri="{FF2B5EF4-FFF2-40B4-BE49-F238E27FC236}">
+                <a16:creationId xmlns:a16="http://schemas.microsoft.com/office/drawing/2014/main" id="{6452D113-8242-45D7-BE41-D8AC572AB111}"/>
+              </a:ext>
+            </a:extLst>
+          </p:cNvPr>
+          <p:cNvSpPr txBox="1"/>
+          <p:nvPr/>
+        </p:nvSpPr>
+        <p:spPr>
+          <a:xfrm>
+            <a:off x="5740997" y="2619443"/>
+            <a:ext cx="5755900" cy="1503655"/>
+          </a:xfrm>
+          <a:prstGeom prst="rect">
+            <a:avLst/>
+          </a:prstGeom>
+          <a:noFill/>
+          <a:ln>
+            <a:solidFill>
+              <a:schemeClr val="accent1">
+                <a:shade val="50000"/>
+              </a:schemeClr>
+            </a:solidFill>
+          </a:ln>
+        </p:spPr>
+        <p:txBody>
+          <a:bodyPr wrap="square" rtlCol="0">
+            <a:noAutofit/>
+          </a:bodyPr>
+          <a:lstStyle/>
+          <a:p>
+            <a:r>
+              <a:rPr lang="en-SG" dirty="0"/>
+              <a:t>Improper indentation can even cause code error. </a:t>
+            </a:r>
+          </a:p>
+          <a:p>
+            <a:endParaRPr lang="en-SG" dirty="0"/>
+          </a:p>
+          <a:p>
+            <a:endParaRPr lang="en-SG" dirty="0"/>
+          </a:p>
+        </p:txBody>
+      </p:sp>
+      <p:sp>
+        <p:nvSpPr>
+          <p:cNvPr id="12" name="TextBox 11">
+            <a:extLst>
+              <a:ext uri="{FF2B5EF4-FFF2-40B4-BE49-F238E27FC236}">
+                <a16:creationId xmlns:a16="http://schemas.microsoft.com/office/drawing/2014/main" id="{CD1B7ECD-4F3A-4817-8C45-6BCCCF20D552}"/>
+              </a:ext>
+            </a:extLst>
+          </p:cNvPr>
+          <p:cNvSpPr txBox="1"/>
+          <p:nvPr/>
+        </p:nvSpPr>
+        <p:spPr>
+          <a:xfrm>
+            <a:off x="8618947" y="4290208"/>
+            <a:ext cx="2877950" cy="2038794"/>
+          </a:xfrm>
+          <a:prstGeom prst="rect">
+            <a:avLst/>
+          </a:prstGeom>
+          <a:noFill/>
+          <a:ln>
+            <a:noFill/>
+          </a:ln>
+        </p:spPr>
+        <p:txBody>
+          <a:bodyPr wrap="square" rtlCol="0">
+            <a:noAutofit/>
+          </a:bodyPr>
+          <a:lstStyle/>
+          <a:p>
+            <a:r>
+              <a:rPr lang="en-SG" sz="1400" dirty="0"/>
+              <a:t>in #3 below, print function will only run if x is equal to 1 because it is indented 1 tab to the right of the </a:t>
+            </a:r>
+            <a:r>
+              <a:rPr lang="en-SG" sz="1400" b="1" dirty="0">
+                <a:latin typeface="Consolas" panose="020B0609020204030204" pitchFamily="49" charset="0"/>
+              </a:rPr>
+              <a:t>if</a:t>
+            </a:r>
+            <a:r>
+              <a:rPr lang="en-SG" sz="1400" dirty="0"/>
+              <a:t>.</a:t>
+            </a:r>
+          </a:p>
+          <a:p>
+            <a:endParaRPr lang="en-SG" sz="1400" dirty="0"/>
+          </a:p>
+          <a:p>
+            <a:endParaRPr lang="en-SG" sz="1400" dirty="0"/>
+          </a:p>
+          <a:p>
+            <a:r>
+              <a:rPr lang="en-SG" sz="1400" dirty="0"/>
+              <a:t>while #4, will run the print function because it is on the same indentation as the </a:t>
+            </a:r>
+            <a:r>
+              <a:rPr lang="en-SG" sz="1400" b="1" dirty="0">
+                <a:solidFill>
+                  <a:schemeClr val="accent1"/>
+                </a:solidFill>
+                <a:latin typeface="Consolas" panose="020B0609020204030204" pitchFamily="49" charset="0"/>
+              </a:rPr>
+              <a:t>if</a:t>
+            </a:r>
+            <a:r>
+              <a:rPr lang="en-SG" sz="1400" dirty="0"/>
+              <a:t>.</a:t>
+            </a:r>
+          </a:p>
+          <a:p>
+            <a:endParaRPr lang="en-SG" sz="1400" dirty="0"/>
+          </a:p>
+        </p:txBody>
+      </p:sp>
+      <p:sp>
+        <p:nvSpPr>
+          <p:cNvPr id="14" name="TextBox 13">
+            <a:extLst>
+              <a:ext uri="{FF2B5EF4-FFF2-40B4-BE49-F238E27FC236}">
+                <a16:creationId xmlns:a16="http://schemas.microsoft.com/office/drawing/2014/main" id="{6CC59807-B513-42EA-8219-A3D1EAA4C4F9}"/>
+              </a:ext>
+            </a:extLst>
+          </p:cNvPr>
+          <p:cNvSpPr txBox="1">
+            <a:spLocks/>
+          </p:cNvSpPr>
+          <p:nvPr/>
+        </p:nvSpPr>
+        <p:spPr>
+          <a:xfrm>
+            <a:off x="5740997" y="4188443"/>
+            <a:ext cx="5755900" cy="2140558"/>
+          </a:xfrm>
+          <a:prstGeom prst="rect">
+            <a:avLst/>
+          </a:prstGeom>
+          <a:noFill/>
+          <a:ln>
+            <a:solidFill>
+              <a:schemeClr val="accent1">
+                <a:shade val="50000"/>
+              </a:schemeClr>
+            </a:solidFill>
+          </a:ln>
+        </p:spPr>
+        <p:txBody>
+          <a:bodyPr wrap="square" rtlCol="0">
+            <a:noAutofit/>
+          </a:bodyPr>
+          <a:lstStyle/>
+          <a:p>
+            <a:endParaRPr lang="en-SG" dirty="0"/>
+          </a:p>
+        </p:txBody>
+      </p:sp>
     </p:spTree>
     <p:extLst>
       <p:ext uri="{BB962C8B-B14F-4D97-AF65-F5344CB8AC3E}">
